--- a/Završni_rad_prezentacija.pptx
+++ b/Završni_rad_prezentacija.pptx
@@ -5,32 +5,31 @@
     <p:sldMasterId id="2147483696" r:id="rId2"/>
   </p:sldMasterIdLst>
   <p:notesMasterIdLst>
-    <p:notesMasterId r:id="rId23"/>
+    <p:notesMasterId r:id="rId22"/>
   </p:notesMasterIdLst>
   <p:handoutMasterIdLst>
-    <p:handoutMasterId r:id="rId24"/>
+    <p:handoutMasterId r:id="rId23"/>
   </p:handoutMasterIdLst>
   <p:sldIdLst>
     <p:sldId id="257" r:id="rId3"/>
     <p:sldId id="277" r:id="rId4"/>
     <p:sldId id="258" r:id="rId5"/>
     <p:sldId id="259" r:id="rId6"/>
-    <p:sldId id="262" r:id="rId7"/>
-    <p:sldId id="263" r:id="rId8"/>
-    <p:sldId id="260" r:id="rId9"/>
-    <p:sldId id="264" r:id="rId10"/>
-    <p:sldId id="265" r:id="rId11"/>
-    <p:sldId id="266" r:id="rId12"/>
-    <p:sldId id="267" r:id="rId13"/>
-    <p:sldId id="268" r:id="rId14"/>
-    <p:sldId id="269" r:id="rId15"/>
-    <p:sldId id="273" r:id="rId16"/>
-    <p:sldId id="272" r:id="rId17"/>
-    <p:sldId id="270" r:id="rId18"/>
-    <p:sldId id="271" r:id="rId19"/>
-    <p:sldId id="274" r:id="rId20"/>
-    <p:sldId id="275" r:id="rId21"/>
-    <p:sldId id="276" r:id="rId22"/>
+    <p:sldId id="263" r:id="rId7"/>
+    <p:sldId id="260" r:id="rId8"/>
+    <p:sldId id="264" r:id="rId9"/>
+    <p:sldId id="265" r:id="rId10"/>
+    <p:sldId id="266" r:id="rId11"/>
+    <p:sldId id="267" r:id="rId12"/>
+    <p:sldId id="268" r:id="rId13"/>
+    <p:sldId id="269" r:id="rId14"/>
+    <p:sldId id="273" r:id="rId15"/>
+    <p:sldId id="272" r:id="rId16"/>
+    <p:sldId id="270" r:id="rId17"/>
+    <p:sldId id="271" r:id="rId18"/>
+    <p:sldId id="274" r:id="rId19"/>
+    <p:sldId id="275" r:id="rId20"/>
+    <p:sldId id="276" r:id="rId21"/>
   </p:sldIdLst>
   <p:sldSz cx="12192000" cy="6858000"/>
   <p:notesSz cx="6858000" cy="9144000"/>
@@ -5241,145 +5240,6 @@
           <a:lstStyle/>
           <a:p>
             <a:r>
-              <a:rPr lang="hr-HR" dirty="0" smtClean="0"/>
-              <a:t>Planiranje aplikacije</a:t>
-            </a:r>
-            <a:endParaRPr lang="en-US" dirty="0"/>
-          </a:p>
-        </p:txBody>
-      </p:sp>
-      <p:sp>
-        <p:nvSpPr>
-          <p:cNvPr id="5" name="Content Placeholder 4"/>
-          <p:cNvSpPr>
-            <a:spLocks noGrp="1"/>
-          </p:cNvSpPr>
-          <p:nvPr>
-            <p:ph sz="half" idx="2"/>
-          </p:nvPr>
-        </p:nvSpPr>
-        <p:spPr>
-          <a:xfrm>
-            <a:off x="838200" y="1825625"/>
-            <a:ext cx="10515600" cy="4351338"/>
-          </a:xfrm>
-        </p:spPr>
-        <p:txBody>
-          <a:bodyPr/>
-          <a:lstStyle/>
-          <a:p>
-            <a:r>
-              <a:rPr lang="hr-HR" dirty="0"/>
-              <a:t>Dijagram toka brisanja </a:t>
-            </a:r>
-            <a:endParaRPr lang="hr-HR" dirty="0" smtClean="0"/>
-          </a:p>
-          <a:p>
-            <a:pPr marL="0" indent="0">
-              <a:buNone/>
-            </a:pPr>
-            <a:r>
-              <a:rPr lang="hr-HR" dirty="0" smtClean="0"/>
-              <a:t>zabilješki</a:t>
-            </a:r>
-            <a:endParaRPr lang="hr-HR" dirty="0"/>
-          </a:p>
-        </p:txBody>
-      </p:sp>
-      <p:pic>
-        <p:nvPicPr>
-          <p:cNvPr id="7" name="Picture"/>
-          <p:cNvPicPr/>
-          <p:nvPr/>
-        </p:nvPicPr>
-        <p:blipFill>
-          <a:blip r:embed="rId2"/>
-          <a:stretch>
-            <a:fillRect/>
-          </a:stretch>
-        </p:blipFill>
-        <p:spPr bwMode="auto">
-          <a:xfrm>
-            <a:off x="5596890" y="1251414"/>
-            <a:ext cx="5756910" cy="4519930"/>
-          </a:xfrm>
-          <a:prstGeom prst="rect">
-            <a:avLst/>
-          </a:prstGeom>
-          <a:noFill/>
-          <a:ln w="9525">
-            <a:noFill/>
-            <a:miter lim="800000"/>
-            <a:headEnd/>
-            <a:tailEnd/>
-          </a:ln>
-        </p:spPr>
-      </p:pic>
-    </p:spTree>
-    <p:extLst>
-      <p:ext uri="{BB962C8B-B14F-4D97-AF65-F5344CB8AC3E}">
-        <p14:creationId xmlns:p14="http://schemas.microsoft.com/office/powerpoint/2010/main" val="1811302692"/>
-      </p:ext>
-    </p:extLst>
-  </p:cSld>
-  <p:clrMapOvr>
-    <a:masterClrMapping/>
-  </p:clrMapOvr>
-  <mc:AlternateContent xmlns:mc="http://schemas.openxmlformats.org/markup-compatibility/2006">
-    <mc:Choice xmlns:p14="http://schemas.microsoft.com/office/powerpoint/2010/main" Requires="p14">
-      <p:transition spd="med" p14:dur="700">
-        <p:fade/>
-      </p:transition>
-    </mc:Choice>
-    <mc:Fallback>
-      <p:transition spd="med">
-        <p:fade/>
-      </p:transition>
-    </mc:Fallback>
-  </mc:AlternateContent>
-  <p:timing>
-    <p:tnLst>
-      <p:par>
-        <p:cTn id="1" dur="indefinite" restart="never" nodeType="tmRoot"/>
-      </p:par>
-    </p:tnLst>
-  </p:timing>
-</p:sld>
-</file>
-
-<file path=ppt/slides/slide11.xml><?xml version="1.0" encoding="utf-8"?>
-<p:sld xmlns:a="http://schemas.openxmlformats.org/drawingml/2006/main" xmlns:r="http://schemas.openxmlformats.org/officeDocument/2006/relationships" xmlns:p="http://schemas.openxmlformats.org/presentationml/2006/main">
-  <p:cSld>
-    <p:spTree>
-      <p:nvGrpSpPr>
-        <p:cNvPr id="1" name=""/>
-        <p:cNvGrpSpPr/>
-        <p:nvPr/>
-      </p:nvGrpSpPr>
-      <p:grpSpPr>
-        <a:xfrm>
-          <a:off x="0" y="0"/>
-          <a:ext cx="0" cy="0"/>
-          <a:chOff x="0" y="0"/>
-          <a:chExt cx="0" cy="0"/>
-        </a:xfrm>
-      </p:grpSpPr>
-      <p:sp>
-        <p:nvSpPr>
-          <p:cNvPr id="2" name="Title 1"/>
-          <p:cNvSpPr>
-            <a:spLocks noGrp="1"/>
-          </p:cNvSpPr>
-          <p:nvPr>
-            <p:ph type="title"/>
-          </p:nvPr>
-        </p:nvSpPr>
-        <p:spPr/>
-        <p:txBody>
-          <a:bodyPr/>
-          <a:lstStyle/>
-          <a:p>
-            <a:r>
               <a:rPr lang="hr-HR" dirty="0"/>
               <a:t>Opis izrade aplikacije</a:t>
             </a:r>
@@ -6462,9 +6322,6 @@
               </a:rPr>
               <a:t>}</a:t>
             </a:r>
-            <a:endParaRPr lang="hr-HR" sz="1400" dirty="0">
-              <a:latin typeface="Calibri" panose="020F0502020204030204" pitchFamily="34" charset="0"/>
-            </a:endParaRPr>
           </a:p>
           <a:p>
             <a:pPr marL="0" indent="0">
@@ -6487,13 +6344,13 @@
   <p:clrMapOvr>
     <a:masterClrMapping/>
   </p:clrMapOvr>
-  <mc:AlternateContent xmlns:mc="http://schemas.openxmlformats.org/markup-compatibility/2006">
-    <mc:Choice xmlns:p14="http://schemas.microsoft.com/office/powerpoint/2010/main" Requires="p14">
+  <mc:AlternateContent xmlns:mc="http://schemas.openxmlformats.org/markup-compatibility/2006" xmlns:p14="http://schemas.microsoft.com/office/powerpoint/2010/main">
+    <mc:Choice Requires="p14">
       <p:transition spd="med" p14:dur="700">
         <p:fade/>
       </p:transition>
     </mc:Choice>
-    <mc:Fallback>
+    <mc:Fallback xmlns="">
       <p:transition spd="med">
         <p:fade/>
       </p:transition>
@@ -6509,7 +6366,7 @@
 </p:sld>
 </file>
 
-<file path=ppt/slides/slide12.xml><?xml version="1.0" encoding="utf-8"?>
+<file path=ppt/slides/slide11.xml><?xml version="1.0" encoding="utf-8"?>
 <p:sld xmlns:a="http://schemas.openxmlformats.org/drawingml/2006/main" xmlns:r="http://schemas.openxmlformats.org/officeDocument/2006/relationships" xmlns:p="http://schemas.openxmlformats.org/presentationml/2006/main">
   <p:cSld>
     <p:spTree>
@@ -6621,13 +6478,716 @@
   <p:clrMapOvr>
     <a:masterClrMapping/>
   </p:clrMapOvr>
-  <mc:AlternateContent xmlns:mc="http://schemas.openxmlformats.org/markup-compatibility/2006">
-    <mc:Choice xmlns:p14="http://schemas.microsoft.com/office/powerpoint/2010/main" Requires="p14">
+  <mc:AlternateContent xmlns:mc="http://schemas.openxmlformats.org/markup-compatibility/2006" xmlns:p14="http://schemas.microsoft.com/office/powerpoint/2010/main">
+    <mc:Choice Requires="p14">
       <p:transition spd="med" p14:dur="700">
         <p:fade/>
       </p:transition>
     </mc:Choice>
-    <mc:Fallback>
+    <mc:Fallback xmlns="">
+      <p:transition spd="med">
+        <p:fade/>
+      </p:transition>
+    </mc:Fallback>
+  </mc:AlternateContent>
+</p:sld>
+</file>
+
+<file path=ppt/slides/slide12.xml><?xml version="1.0" encoding="utf-8"?>
+<p:sld xmlns:a="http://schemas.openxmlformats.org/drawingml/2006/main" xmlns:r="http://schemas.openxmlformats.org/officeDocument/2006/relationships" xmlns:p="http://schemas.openxmlformats.org/presentationml/2006/main">
+  <p:cSld>
+    <p:spTree>
+      <p:nvGrpSpPr>
+        <p:cNvPr id="1" name=""/>
+        <p:cNvGrpSpPr/>
+        <p:nvPr/>
+      </p:nvGrpSpPr>
+      <p:grpSpPr>
+        <a:xfrm>
+          <a:off x="0" y="0"/>
+          <a:ext cx="0" cy="0"/>
+          <a:chOff x="0" y="0"/>
+          <a:chExt cx="0" cy="0"/>
+        </a:xfrm>
+      </p:grpSpPr>
+      <p:sp>
+        <p:nvSpPr>
+          <p:cNvPr id="3" name="Content Placeholder 2"/>
+          <p:cNvSpPr>
+            <a:spLocks noGrp="1"/>
+          </p:cNvSpPr>
+          <p:nvPr>
+            <p:ph sz="half" idx="1"/>
+          </p:nvPr>
+        </p:nvSpPr>
+        <p:spPr>
+          <a:xfrm>
+            <a:off x="838200" y="1825625"/>
+            <a:ext cx="10515600" cy="4351338"/>
+          </a:xfrm>
+        </p:spPr>
+        <p:txBody>
+          <a:bodyPr>
+            <a:normAutofit/>
+          </a:bodyPr>
+          <a:lstStyle/>
+          <a:p>
+            <a:r>
+              <a:rPr lang="hr-HR" dirty="0" smtClean="0"/>
+              <a:t>Ispis zabilješki</a:t>
+            </a:r>
+          </a:p>
+          <a:p>
+            <a:pPr marL="0" indent="0">
+              <a:buNone/>
+            </a:pPr>
+            <a:r>
+              <a:rPr lang="hr-HR" sz="1300" dirty="0">
+                <a:latin typeface="Calibri" panose="020F0502020204030204" pitchFamily="34" charset="0"/>
+              </a:rPr>
+              <a:t> for (var i = 0; i &lt; </a:t>
+            </a:r>
+            <a:r>
+              <a:rPr lang="hr-HR" sz="1300" dirty="0" err="1">
+                <a:latin typeface="Calibri" panose="020F0502020204030204" pitchFamily="34" charset="0"/>
+              </a:rPr>
+              <a:t>len</a:t>
+            </a:r>
+            <a:r>
+              <a:rPr lang="hr-HR" sz="1300" dirty="0">
+                <a:latin typeface="Calibri" panose="020F0502020204030204" pitchFamily="34" charset="0"/>
+              </a:rPr>
+              <a:t>; i++) </a:t>
+            </a:r>
+            <a:br>
+              <a:rPr lang="hr-HR" sz="1300" dirty="0">
+                <a:latin typeface="Calibri" panose="020F0502020204030204" pitchFamily="34" charset="0"/>
+              </a:rPr>
+            </a:br>
+            <a:r>
+              <a:rPr lang="hr-HR" sz="1300" dirty="0">
+                <a:latin typeface="Calibri" panose="020F0502020204030204" pitchFamily="34" charset="0"/>
+              </a:rPr>
+              <a:t> {	</a:t>
+            </a:r>
+            <a:br>
+              <a:rPr lang="hr-HR" sz="1300" dirty="0">
+                <a:latin typeface="Calibri" panose="020F0502020204030204" pitchFamily="34" charset="0"/>
+              </a:rPr>
+            </a:br>
+            <a:r>
+              <a:rPr lang="hr-HR" sz="1300" dirty="0">
+                <a:latin typeface="Calibri" panose="020F0502020204030204" pitchFamily="34" charset="0"/>
+              </a:rPr>
+              <a:t>var x = </a:t>
+            </a:r>
+            <a:r>
+              <a:rPr lang="hr-HR" sz="1300" dirty="0" err="1">
+                <a:latin typeface="Calibri" panose="020F0502020204030204" pitchFamily="34" charset="0"/>
+              </a:rPr>
+              <a:t>results.rows.item</a:t>
+            </a:r>
+            <a:r>
+              <a:rPr lang="hr-HR" sz="1300" dirty="0">
+                <a:latin typeface="Calibri" panose="020F0502020204030204" pitchFamily="34" charset="0"/>
+              </a:rPr>
+              <a:t>(i).</a:t>
+            </a:r>
+            <a:r>
+              <a:rPr lang="hr-HR" sz="1300" dirty="0" err="1">
+                <a:latin typeface="Calibri" panose="020F0502020204030204" pitchFamily="34" charset="0"/>
+              </a:rPr>
+              <a:t>id</a:t>
+            </a:r>
+            <a:r>
+              <a:rPr lang="hr-HR" sz="1300" dirty="0">
+                <a:latin typeface="Calibri" panose="020F0502020204030204" pitchFamily="34" charset="0"/>
+              </a:rPr>
+              <a:t>;</a:t>
+            </a:r>
+            <a:br>
+              <a:rPr lang="hr-HR" sz="1300" dirty="0">
+                <a:latin typeface="Calibri" panose="020F0502020204030204" pitchFamily="34" charset="0"/>
+              </a:rPr>
+            </a:br>
+            <a:r>
+              <a:rPr lang="hr-HR" sz="1300" dirty="0" smtClean="0">
+                <a:latin typeface="Calibri" panose="020F0502020204030204" pitchFamily="34" charset="0"/>
+              </a:rPr>
+              <a:t> </a:t>
+            </a:r>
+            <a:r>
+              <a:rPr lang="hr-HR" sz="1300" dirty="0" err="1">
+                <a:latin typeface="Calibri" panose="020F0502020204030204" pitchFamily="34" charset="0"/>
+              </a:rPr>
+              <a:t>document.getElementById</a:t>
+            </a:r>
+            <a:r>
+              <a:rPr lang="hr-HR" sz="1300" dirty="0">
+                <a:latin typeface="Calibri" panose="020F0502020204030204" pitchFamily="34" charset="0"/>
+              </a:rPr>
+              <a:t>("output").</a:t>
+            </a:r>
+            <a:r>
+              <a:rPr lang="hr-HR" sz="1300" dirty="0" err="1">
+                <a:latin typeface="Calibri" panose="020F0502020204030204" pitchFamily="34" charset="0"/>
+              </a:rPr>
+              <a:t>innerHTML</a:t>
+            </a:r>
+            <a:r>
+              <a:rPr lang="hr-HR" sz="1300" dirty="0">
+                <a:latin typeface="Calibri" panose="020F0502020204030204" pitchFamily="34" charset="0"/>
+              </a:rPr>
+              <a:t> += "&lt;table </a:t>
+            </a:r>
+            <a:r>
+              <a:rPr lang="hr-HR" sz="1300" dirty="0" err="1">
+                <a:latin typeface="Calibri" panose="020F0502020204030204" pitchFamily="34" charset="0"/>
+              </a:rPr>
+              <a:t>id</a:t>
+            </a:r>
+            <a:r>
+              <a:rPr lang="hr-HR" sz="1300" dirty="0">
+                <a:latin typeface="Calibri" panose="020F0502020204030204" pitchFamily="34" charset="0"/>
+              </a:rPr>
+              <a:t>='</a:t>
+            </a:r>
+            <a:r>
+              <a:rPr lang="hr-HR" sz="1300" dirty="0" err="1">
+                <a:latin typeface="Calibri" panose="020F0502020204030204" pitchFamily="34" charset="0"/>
+              </a:rPr>
+              <a:t>newTasks</a:t>
+            </a:r>
+            <a:r>
+              <a:rPr lang="hr-HR" sz="1300" dirty="0">
+                <a:latin typeface="Calibri" panose="020F0502020204030204" pitchFamily="34" charset="0"/>
+              </a:rPr>
+              <a:t>' </a:t>
+            </a:r>
+            <a:r>
+              <a:rPr lang="hr-HR" sz="1300" dirty="0" err="1">
+                <a:latin typeface="Calibri" panose="020F0502020204030204" pitchFamily="34" charset="0"/>
+              </a:rPr>
+              <a:t>class</a:t>
+            </a:r>
+            <a:r>
+              <a:rPr lang="hr-HR" sz="1300" dirty="0">
+                <a:latin typeface="Calibri" panose="020F0502020204030204" pitchFamily="34" charset="0"/>
+              </a:rPr>
+              <a:t>='</a:t>
+            </a:r>
+            <a:r>
+              <a:rPr lang="hr-HR" sz="1300" dirty="0" err="1">
+                <a:latin typeface="Calibri" panose="020F0502020204030204" pitchFamily="34" charset="0"/>
+              </a:rPr>
+              <a:t>newTasks</a:t>
+            </a:r>
+            <a:r>
+              <a:rPr lang="hr-HR" sz="1300" dirty="0">
+                <a:latin typeface="Calibri" panose="020F0502020204030204" pitchFamily="34" charset="0"/>
+              </a:rPr>
+              <a:t>' </a:t>
+            </a:r>
+            <a:r>
+              <a:rPr lang="hr-HR" sz="1300" dirty="0" err="1">
+                <a:latin typeface="Calibri" panose="020F0502020204030204" pitchFamily="34" charset="0"/>
+              </a:rPr>
+              <a:t>onmousedown</a:t>
+            </a:r>
+            <a:r>
+              <a:rPr lang="hr-HR" sz="1300" dirty="0">
+                <a:latin typeface="Calibri" panose="020F0502020204030204" pitchFamily="34" charset="0"/>
+              </a:rPr>
+              <a:t>='</a:t>
+            </a:r>
+            <a:r>
+              <a:rPr lang="hr-HR" sz="1300" dirty="0" err="1">
+                <a:latin typeface="Calibri" panose="020F0502020204030204" pitchFamily="34" charset="0"/>
+              </a:rPr>
+              <a:t>deleterow</a:t>
+            </a:r>
+            <a:r>
+              <a:rPr lang="hr-HR" sz="1300" dirty="0">
+                <a:latin typeface="Calibri" panose="020F0502020204030204" pitchFamily="34" charset="0"/>
+              </a:rPr>
+              <a:t>(</a:t>
+            </a:r>
+            <a:r>
+              <a:rPr lang="hr-HR" sz="1300" dirty="0" err="1">
+                <a:latin typeface="Calibri" panose="020F0502020204030204" pitchFamily="34" charset="0"/>
+              </a:rPr>
+              <a:t>this</a:t>
+            </a:r>
+            <a:r>
+              <a:rPr lang="hr-HR" sz="1300" dirty="0">
+                <a:latin typeface="Calibri" panose="020F0502020204030204" pitchFamily="34" charset="0"/>
+              </a:rPr>
+              <a:t>)'; &gt;&lt;</a:t>
+            </a:r>
+            <a:r>
+              <a:rPr lang="hr-HR" sz="1300" dirty="0" err="1">
+                <a:latin typeface="Calibri" panose="020F0502020204030204" pitchFamily="34" charset="0"/>
+              </a:rPr>
+              <a:t>tr</a:t>
+            </a:r>
+            <a:r>
+              <a:rPr lang="hr-HR" sz="1300" dirty="0">
+                <a:latin typeface="Calibri" panose="020F0502020204030204" pitchFamily="34" charset="0"/>
+              </a:rPr>
+              <a:t> </a:t>
+            </a:r>
+            <a:r>
+              <a:rPr lang="hr-HR" sz="1300" dirty="0" err="1">
+                <a:latin typeface="Calibri" panose="020F0502020204030204" pitchFamily="34" charset="0"/>
+              </a:rPr>
+              <a:t>id</a:t>
+            </a:r>
+            <a:r>
+              <a:rPr lang="hr-HR" sz="1300" dirty="0">
+                <a:latin typeface="Calibri" panose="020F0502020204030204" pitchFamily="34" charset="0"/>
+              </a:rPr>
+              <a:t>='</a:t>
+            </a:r>
+            <a:r>
+              <a:rPr lang="hr-HR" sz="1300" dirty="0" err="1">
+                <a:latin typeface="Calibri" panose="020F0502020204030204" pitchFamily="34" charset="0"/>
+              </a:rPr>
+              <a:t>editable</a:t>
+            </a:r>
+            <a:r>
+              <a:rPr lang="hr-HR" sz="1300" dirty="0">
+                <a:latin typeface="Calibri" panose="020F0502020204030204" pitchFamily="34" charset="0"/>
+              </a:rPr>
+              <a:t>'&gt;&lt;</a:t>
+            </a:r>
+            <a:r>
+              <a:rPr lang="hr-HR" sz="1300" dirty="0" err="1">
+                <a:latin typeface="Calibri" panose="020F0502020204030204" pitchFamily="34" charset="0"/>
+              </a:rPr>
+              <a:t>td</a:t>
+            </a:r>
+            <a:r>
+              <a:rPr lang="hr-HR" sz="1300" dirty="0">
+                <a:latin typeface="Calibri" panose="020F0502020204030204" pitchFamily="34" charset="0"/>
+              </a:rPr>
+              <a:t>&gt;&lt;li&gt;" +</a:t>
+            </a:r>
+            <a:r>
+              <a:rPr lang="hr-HR" sz="1300" dirty="0" err="1">
+                <a:latin typeface="Calibri" panose="020F0502020204030204" pitchFamily="34" charset="0"/>
+              </a:rPr>
+              <a:t>results.rows.item</a:t>
+            </a:r>
+            <a:r>
+              <a:rPr lang="hr-HR" sz="1300" dirty="0">
+                <a:latin typeface="Calibri" panose="020F0502020204030204" pitchFamily="34" charset="0"/>
+              </a:rPr>
+              <a:t>(i).Note +  "&lt;/</a:t>
+            </a:r>
+            <a:r>
+              <a:rPr lang="hr-HR" sz="1300" dirty="0" err="1">
+                <a:latin typeface="Calibri" panose="020F0502020204030204" pitchFamily="34" charset="0"/>
+              </a:rPr>
+              <a:t>td</a:t>
+            </a:r>
+            <a:r>
+              <a:rPr lang="hr-HR" sz="1300" dirty="0">
+                <a:latin typeface="Calibri" panose="020F0502020204030204" pitchFamily="34" charset="0"/>
+              </a:rPr>
+              <a:t>&gt;&lt;</a:t>
+            </a:r>
+            <a:r>
+              <a:rPr lang="hr-HR" sz="1300" dirty="0" err="1">
+                <a:latin typeface="Calibri" panose="020F0502020204030204" pitchFamily="34" charset="0"/>
+              </a:rPr>
+              <a:t>td</a:t>
+            </a:r>
+            <a:r>
+              <a:rPr lang="hr-HR" sz="1300" dirty="0">
+                <a:latin typeface="Calibri" panose="020F0502020204030204" pitchFamily="34" charset="0"/>
+              </a:rPr>
+              <a:t>&gt;&lt;/</a:t>
+            </a:r>
+            <a:r>
+              <a:rPr lang="hr-HR" sz="1300" dirty="0" err="1">
+                <a:latin typeface="Calibri" panose="020F0502020204030204" pitchFamily="34" charset="0"/>
+              </a:rPr>
+              <a:t>td</a:t>
+            </a:r>
+            <a:r>
+              <a:rPr lang="hr-HR" sz="1300" dirty="0">
+                <a:latin typeface="Calibri" panose="020F0502020204030204" pitchFamily="34" charset="0"/>
+              </a:rPr>
+              <a:t>&gt;&lt;</a:t>
+            </a:r>
+            <a:r>
+              <a:rPr lang="hr-HR" sz="1300" dirty="0" err="1">
+                <a:latin typeface="Calibri" panose="020F0502020204030204" pitchFamily="34" charset="0"/>
+              </a:rPr>
+              <a:t>td</a:t>
+            </a:r>
+            <a:r>
+              <a:rPr lang="hr-HR" sz="1300" dirty="0">
+                <a:latin typeface="Calibri" panose="020F0502020204030204" pitchFamily="34" charset="0"/>
+              </a:rPr>
+              <a:t>&gt;" + </a:t>
+            </a:r>
+            <a:r>
+              <a:rPr lang="hr-HR" sz="1300" dirty="0" err="1">
+                <a:latin typeface="Calibri" panose="020F0502020204030204" pitchFamily="34" charset="0"/>
+              </a:rPr>
+              <a:t>results.rows.item</a:t>
+            </a:r>
+            <a:r>
+              <a:rPr lang="hr-HR" sz="1300" dirty="0">
+                <a:latin typeface="Calibri" panose="020F0502020204030204" pitchFamily="34" charset="0"/>
+              </a:rPr>
+              <a:t>(i).Date +"&lt;/li&gt;&lt;/</a:t>
+            </a:r>
+            <a:r>
+              <a:rPr lang="hr-HR" sz="1300" dirty="0" err="1">
+                <a:latin typeface="Calibri" panose="020F0502020204030204" pitchFamily="34" charset="0"/>
+              </a:rPr>
+              <a:t>td</a:t>
+            </a:r>
+            <a:r>
+              <a:rPr lang="hr-HR" sz="1300" dirty="0">
+                <a:latin typeface="Calibri" panose="020F0502020204030204" pitchFamily="34" charset="0"/>
+              </a:rPr>
+              <a:t>&gt;&lt;</a:t>
+            </a:r>
+            <a:r>
+              <a:rPr lang="hr-HR" sz="1300" dirty="0" err="1">
+                <a:latin typeface="Calibri" panose="020F0502020204030204" pitchFamily="34" charset="0"/>
+              </a:rPr>
+              <a:t>td</a:t>
+            </a:r>
+            <a:r>
+              <a:rPr lang="hr-HR" sz="1300" dirty="0">
+                <a:latin typeface="Calibri" panose="020F0502020204030204" pitchFamily="34" charset="0"/>
+              </a:rPr>
+              <a:t> </a:t>
+            </a:r>
+            <a:r>
+              <a:rPr lang="hr-HR" sz="1300" dirty="0" err="1">
+                <a:latin typeface="Calibri" panose="020F0502020204030204" pitchFamily="34" charset="0"/>
+              </a:rPr>
+              <a:t>id</a:t>
+            </a:r>
+            <a:r>
+              <a:rPr lang="hr-HR" sz="1300" dirty="0">
+                <a:latin typeface="Calibri" panose="020F0502020204030204" pitchFamily="34" charset="0"/>
+              </a:rPr>
+              <a:t>='</a:t>
+            </a:r>
+            <a:r>
+              <a:rPr lang="hr-HR" sz="1300" dirty="0" err="1">
+                <a:latin typeface="Calibri" panose="020F0502020204030204" pitchFamily="34" charset="0"/>
+              </a:rPr>
+              <a:t>newTasks</a:t>
+            </a:r>
+            <a:r>
+              <a:rPr lang="hr-HR" sz="1300" dirty="0">
+                <a:latin typeface="Calibri" panose="020F0502020204030204" pitchFamily="34" charset="0"/>
+              </a:rPr>
+              <a:t>' &gt;" + slika + "&lt;/</a:t>
+            </a:r>
+            <a:r>
+              <a:rPr lang="hr-HR" sz="1300" dirty="0" err="1">
+                <a:latin typeface="Calibri" panose="020F0502020204030204" pitchFamily="34" charset="0"/>
+              </a:rPr>
+              <a:t>td</a:t>
+            </a:r>
+            <a:r>
+              <a:rPr lang="hr-HR" sz="1300" dirty="0">
+                <a:latin typeface="Calibri" panose="020F0502020204030204" pitchFamily="34" charset="0"/>
+              </a:rPr>
+              <a:t>&gt;&lt;/</a:t>
+            </a:r>
+            <a:r>
+              <a:rPr lang="hr-HR" sz="1300" dirty="0" err="1">
+                <a:latin typeface="Calibri" panose="020F0502020204030204" pitchFamily="34" charset="0"/>
+              </a:rPr>
+              <a:t>tr</a:t>
+            </a:r>
+            <a:r>
+              <a:rPr lang="hr-HR" sz="1300" dirty="0">
+                <a:latin typeface="Calibri" panose="020F0502020204030204" pitchFamily="34" charset="0"/>
+              </a:rPr>
+              <a:t>&gt;&lt;/table</a:t>
+            </a:r>
+            <a:r>
+              <a:rPr lang="hr-HR" sz="1300" dirty="0" smtClean="0">
+                <a:latin typeface="Calibri" panose="020F0502020204030204" pitchFamily="34" charset="0"/>
+              </a:rPr>
+              <a:t>&gt;";</a:t>
+            </a:r>
+          </a:p>
+          <a:p>
+            <a:pPr marL="0" indent="0">
+              <a:buNone/>
+            </a:pPr>
+            <a:r>
+              <a:rPr lang="hr-HR" sz="1300" dirty="0" smtClean="0">
+                <a:latin typeface="Calibri" panose="020F0502020204030204" pitchFamily="34" charset="0"/>
+              </a:rPr>
+              <a:t>}</a:t>
+            </a:r>
+          </a:p>
+          <a:p>
+            <a:pPr marL="0" indent="0">
+              <a:buNone/>
+            </a:pPr>
+            <a:endParaRPr lang="hr-HR" sz="1300" i="1" dirty="0">
+              <a:latin typeface="Calibri" panose="020F0502020204030204" pitchFamily="34" charset="0"/>
+            </a:endParaRPr>
+          </a:p>
+          <a:p>
+            <a:r>
+              <a:rPr lang="hr-HR" dirty="0"/>
+              <a:t>Brisanje zabilješki</a:t>
+            </a:r>
+          </a:p>
+          <a:p>
+            <a:pPr marL="0" indent="0">
+              <a:buNone/>
+            </a:pPr>
+            <a:r>
+              <a:rPr lang="hr-HR" sz="1300" dirty="0" err="1">
+                <a:latin typeface="Calibri" panose="020F0502020204030204" pitchFamily="34" charset="0"/>
+              </a:rPr>
+              <a:t>function</a:t>
+            </a:r>
+            <a:r>
+              <a:rPr lang="hr-HR" sz="1300" dirty="0">
+                <a:latin typeface="Calibri" panose="020F0502020204030204" pitchFamily="34" charset="0"/>
+              </a:rPr>
+              <a:t> </a:t>
+            </a:r>
+            <a:r>
+              <a:rPr lang="hr-HR" sz="1300" dirty="0" err="1">
+                <a:latin typeface="Calibri" panose="020F0502020204030204" pitchFamily="34" charset="0"/>
+              </a:rPr>
+              <a:t>deletenote</a:t>
+            </a:r>
+            <a:r>
+              <a:rPr lang="hr-HR" sz="1300" dirty="0">
+                <a:latin typeface="Calibri" panose="020F0502020204030204" pitchFamily="34" charset="0"/>
+              </a:rPr>
+              <a:t>(</a:t>
+            </a:r>
+            <a:r>
+              <a:rPr lang="hr-HR" sz="1300" dirty="0" err="1">
+                <a:latin typeface="Calibri" panose="020F0502020204030204" pitchFamily="34" charset="0"/>
+              </a:rPr>
+              <a:t>tx</a:t>
+            </a:r>
+            <a:r>
+              <a:rPr lang="hr-HR" sz="1300" dirty="0">
+                <a:latin typeface="Calibri" panose="020F0502020204030204" pitchFamily="34" charset="0"/>
+              </a:rPr>
+              <a:t>)</a:t>
+            </a:r>
+          </a:p>
+          <a:p>
+            <a:pPr marL="0" indent="0">
+              <a:buNone/>
+            </a:pPr>
+            <a:r>
+              <a:rPr lang="hr-HR" sz="1300" dirty="0">
+                <a:latin typeface="Calibri" panose="020F0502020204030204" pitchFamily="34" charset="0"/>
+              </a:rPr>
+              <a:t>{</a:t>
+            </a:r>
+          </a:p>
+          <a:p>
+            <a:pPr marL="0" indent="0">
+              <a:buNone/>
+            </a:pPr>
+            <a:r>
+              <a:rPr lang="hr-HR" sz="1300" dirty="0">
+                <a:latin typeface="Calibri" panose="020F0502020204030204" pitchFamily="34" charset="0"/>
+              </a:rPr>
+              <a:t> </a:t>
+            </a:r>
+            <a:r>
+              <a:rPr lang="hr-HR" sz="1300" dirty="0" err="1">
+                <a:latin typeface="Calibri" panose="020F0502020204030204" pitchFamily="34" charset="0"/>
+              </a:rPr>
+              <a:t>tx.executeSql</a:t>
+            </a:r>
+            <a:r>
+              <a:rPr lang="hr-HR" sz="1300" dirty="0">
+                <a:latin typeface="Calibri" panose="020F0502020204030204" pitchFamily="34" charset="0"/>
+              </a:rPr>
+              <a:t>('DELETE FROM Notes WHERE </a:t>
+            </a:r>
+            <a:r>
+              <a:rPr lang="hr-HR" sz="1300" dirty="0" err="1">
+                <a:latin typeface="Calibri" panose="020F0502020204030204" pitchFamily="34" charset="0"/>
+              </a:rPr>
+              <a:t>id</a:t>
+            </a:r>
+            <a:r>
+              <a:rPr lang="hr-HR" sz="1300" dirty="0">
+                <a:latin typeface="Calibri" panose="020F0502020204030204" pitchFamily="34" charset="0"/>
+              </a:rPr>
+              <a:t> = ?', [id1]);</a:t>
+            </a:r>
+          </a:p>
+          <a:p>
+            <a:pPr marL="0" indent="0">
+              <a:buNone/>
+            </a:pPr>
+            <a:r>
+              <a:rPr lang="hr-HR" sz="1300" dirty="0">
+                <a:latin typeface="Calibri" panose="020F0502020204030204" pitchFamily="34" charset="0"/>
+              </a:rPr>
+              <a:t> </a:t>
+            </a:r>
+            <a:r>
+              <a:rPr lang="hr-HR" sz="1300" dirty="0" err="1">
+                <a:latin typeface="Calibri" panose="020F0502020204030204" pitchFamily="34" charset="0"/>
+              </a:rPr>
+              <a:t>window.location.reload</a:t>
+            </a:r>
+            <a:r>
+              <a:rPr lang="hr-HR" sz="1300" dirty="0">
+                <a:latin typeface="Calibri" panose="020F0502020204030204" pitchFamily="34" charset="0"/>
+              </a:rPr>
+              <a:t>(</a:t>
+            </a:r>
+            <a:r>
+              <a:rPr lang="hr-HR" sz="1300" dirty="0" err="1">
+                <a:latin typeface="Calibri" panose="020F0502020204030204" pitchFamily="34" charset="0"/>
+              </a:rPr>
+              <a:t>true</a:t>
+            </a:r>
+            <a:r>
+              <a:rPr lang="hr-HR" sz="1300" dirty="0">
+                <a:latin typeface="Calibri" panose="020F0502020204030204" pitchFamily="34" charset="0"/>
+              </a:rPr>
+              <a:t>);</a:t>
+            </a:r>
+          </a:p>
+          <a:p>
+            <a:pPr marL="0" indent="0">
+              <a:buNone/>
+            </a:pPr>
+            <a:r>
+              <a:rPr lang="hr-HR" sz="1300" dirty="0">
+                <a:latin typeface="Calibri" panose="020F0502020204030204" pitchFamily="34" charset="0"/>
+              </a:rPr>
+              <a:t> </a:t>
+            </a:r>
+            <a:r>
+              <a:rPr lang="hr-HR" sz="1300" dirty="0" err="1">
+                <a:latin typeface="Calibri" panose="020F0502020204030204" pitchFamily="34" charset="0"/>
+              </a:rPr>
+              <a:t>queryDB</a:t>
+            </a:r>
+            <a:r>
+              <a:rPr lang="hr-HR" sz="1300" dirty="0">
+                <a:latin typeface="Calibri" panose="020F0502020204030204" pitchFamily="34" charset="0"/>
+              </a:rPr>
+              <a:t>(</a:t>
+            </a:r>
+            <a:r>
+              <a:rPr lang="hr-HR" sz="1300" dirty="0" err="1">
+                <a:latin typeface="Calibri" panose="020F0502020204030204" pitchFamily="34" charset="0"/>
+              </a:rPr>
+              <a:t>tx</a:t>
+            </a:r>
+            <a:r>
+              <a:rPr lang="hr-HR" sz="1300" dirty="0">
+                <a:latin typeface="Calibri" panose="020F0502020204030204" pitchFamily="34" charset="0"/>
+              </a:rPr>
+              <a:t>);</a:t>
+            </a:r>
+          </a:p>
+          <a:p>
+            <a:pPr marL="0" indent="0">
+              <a:buNone/>
+            </a:pPr>
+            <a:r>
+              <a:rPr lang="hr-HR" sz="1300" dirty="0">
+                <a:latin typeface="Calibri" panose="020F0502020204030204" pitchFamily="34" charset="0"/>
+              </a:rPr>
+              <a:t> </a:t>
+            </a:r>
+          </a:p>
+          <a:p>
+            <a:pPr marL="0" indent="0">
+              <a:buNone/>
+            </a:pPr>
+            <a:r>
+              <a:rPr lang="hr-HR" sz="1300" dirty="0">
+                <a:latin typeface="Calibri" panose="020F0502020204030204" pitchFamily="34" charset="0"/>
+              </a:rPr>
+              <a:t>}</a:t>
+            </a:r>
+          </a:p>
+          <a:p>
+            <a:pPr marL="0" indent="0">
+              <a:buNone/>
+            </a:pPr>
+            <a:endParaRPr lang="hr-HR" sz="1300" i="1" dirty="0" smtClean="0">
+              <a:latin typeface="Calibri" panose="020F0502020204030204" pitchFamily="34" charset="0"/>
+            </a:endParaRPr>
+          </a:p>
+          <a:p>
+            <a:pPr marL="0" indent="0">
+              <a:buNone/>
+            </a:pPr>
+            <a:endParaRPr lang="hr-HR" sz="1300" i="1" dirty="0">
+              <a:latin typeface="Calibri" panose="020F0502020204030204" pitchFamily="34" charset="0"/>
+            </a:endParaRPr>
+          </a:p>
+          <a:p>
+            <a:endParaRPr lang="hr-HR" dirty="0"/>
+          </a:p>
+        </p:txBody>
+      </p:sp>
+      <p:sp>
+        <p:nvSpPr>
+          <p:cNvPr id="4" name="Title 3"/>
+          <p:cNvSpPr>
+            <a:spLocks noGrp="1"/>
+          </p:cNvSpPr>
+          <p:nvPr>
+            <p:ph type="title"/>
+          </p:nvPr>
+        </p:nvSpPr>
+        <p:spPr/>
+        <p:txBody>
+          <a:bodyPr/>
+          <a:lstStyle/>
+          <a:p>
+            <a:r>
+              <a:rPr lang="hr-HR" dirty="0" smtClean="0"/>
+              <a:t>Opis izrade aplikacije</a:t>
+            </a:r>
+            <a:endParaRPr lang="hr-HR" dirty="0"/>
+          </a:p>
+        </p:txBody>
+      </p:sp>
+    </p:spTree>
+    <p:extLst>
+      <p:ext uri="{BB962C8B-B14F-4D97-AF65-F5344CB8AC3E}">
+        <p14:creationId xmlns:p14="http://schemas.microsoft.com/office/powerpoint/2010/main" val="680300250"/>
+      </p:ext>
+    </p:extLst>
+  </p:cSld>
+  <p:clrMapOvr>
+    <a:masterClrMapping/>
+  </p:clrMapOvr>
+  <mc:AlternateContent xmlns:mc="http://schemas.openxmlformats.org/markup-compatibility/2006" xmlns:p14="http://schemas.microsoft.com/office/powerpoint/2010/main">
+    <mc:Choice Requires="p14">
+      <p:transition spd="med" p14:dur="700">
+        <p:fade/>
+      </p:transition>
+    </mc:Choice>
+    <mc:Fallback xmlns="">
       <p:transition spd="med">
         <p:fade/>
       </p:transition>
@@ -6671,13 +7231,13 @@
         </p:spPr>
         <p:txBody>
           <a:bodyPr>
-            <a:normAutofit/>
+            <a:normAutofit fontScale="85000" lnSpcReduction="20000"/>
           </a:bodyPr>
           <a:lstStyle/>
           <a:p>
             <a:r>
               <a:rPr lang="hr-HR" dirty="0" smtClean="0"/>
-              <a:t>Ispis zabilješki</a:t>
+              <a:t>Pretraživanje zabilješki po tekstu</a:t>
             </a:r>
           </a:p>
           <a:p>
@@ -6685,76 +7245,616 @@
               <a:buNone/>
             </a:pPr>
             <a:r>
-              <a:rPr lang="hr-HR" sz="1300" dirty="0">
-                <a:latin typeface="Calibri" panose="020F0502020204030204" pitchFamily="34" charset="0"/>
-              </a:rPr>
-              <a:t> for (var i = 0; i &lt; </a:t>
-            </a:r>
+              <a:rPr lang="hr-HR" sz="1300" dirty="0" err="1" smtClean="0">
+                <a:latin typeface="Calibri" panose="020F0502020204030204" pitchFamily="34" charset="0"/>
+              </a:rPr>
+              <a:t>function</a:t>
+            </a:r>
+            <a:r>
+              <a:rPr lang="hr-HR" sz="1300" dirty="0" smtClean="0">
+                <a:latin typeface="Calibri" panose="020F0502020204030204" pitchFamily="34" charset="0"/>
+              </a:rPr>
+              <a:t> </a:t>
+            </a:r>
+            <a:r>
+              <a:rPr lang="hr-HR" sz="1300" dirty="0" err="1" smtClean="0">
+                <a:latin typeface="Calibri" panose="020F0502020204030204" pitchFamily="34" charset="0"/>
+              </a:rPr>
+              <a:t>search</a:t>
+            </a:r>
+            <a:r>
+              <a:rPr lang="hr-HR" sz="1300" dirty="0" smtClean="0">
+                <a:latin typeface="Calibri" panose="020F0502020204030204" pitchFamily="34" charset="0"/>
+              </a:rPr>
+              <a:t>(</a:t>
+            </a:r>
+            <a:r>
+              <a:rPr lang="hr-HR" sz="1300" dirty="0" err="1" smtClean="0">
+                <a:latin typeface="Calibri" panose="020F0502020204030204" pitchFamily="34" charset="0"/>
+              </a:rPr>
+              <a:t>tx</a:t>
+            </a:r>
+            <a:r>
+              <a:rPr lang="hr-HR" sz="1300" dirty="0" smtClean="0">
+                <a:latin typeface="Calibri" panose="020F0502020204030204" pitchFamily="34" charset="0"/>
+              </a:rPr>
+              <a:t>)</a:t>
+            </a:r>
+          </a:p>
+          <a:p>
+            <a:pPr marL="0" indent="0">
+              <a:buNone/>
+            </a:pPr>
+            <a:r>
+              <a:rPr lang="hr-HR" sz="1300" dirty="0" smtClean="0">
+                <a:latin typeface="Calibri" panose="020F0502020204030204" pitchFamily="34" charset="0"/>
+              </a:rPr>
+              <a:t>{</a:t>
+            </a:r>
+          </a:p>
+          <a:p>
+            <a:pPr marL="0" indent="0">
+              <a:buNone/>
+            </a:pPr>
+            <a:r>
+              <a:rPr lang="hr-HR" sz="1300" dirty="0" smtClean="0">
+                <a:latin typeface="Calibri" panose="020F0502020204030204" pitchFamily="34" charset="0"/>
+              </a:rPr>
+              <a:t>    </a:t>
+            </a:r>
+            <a:r>
+              <a:rPr lang="hr-HR" sz="1300" dirty="0" err="1" smtClean="0">
+                <a:latin typeface="Calibri" panose="020F0502020204030204" pitchFamily="34" charset="0"/>
+              </a:rPr>
+              <a:t>search_text</a:t>
+            </a:r>
+            <a:r>
+              <a:rPr lang="hr-HR" sz="1300" dirty="0" smtClean="0">
+                <a:latin typeface="Calibri" panose="020F0502020204030204" pitchFamily="34" charset="0"/>
+              </a:rPr>
+              <a:t> = </a:t>
+            </a:r>
+            <a:r>
+              <a:rPr lang="hr-HR" sz="1300" dirty="0" err="1" smtClean="0">
+                <a:latin typeface="Calibri" panose="020F0502020204030204" pitchFamily="34" charset="0"/>
+              </a:rPr>
+              <a:t>document.getElementById</a:t>
+            </a:r>
+            <a:r>
+              <a:rPr lang="hr-HR" sz="1300" dirty="0" smtClean="0">
+                <a:latin typeface="Calibri" panose="020F0502020204030204" pitchFamily="34" charset="0"/>
+              </a:rPr>
+              <a:t>('</a:t>
+            </a:r>
+            <a:r>
+              <a:rPr lang="hr-HR" sz="1300" dirty="0" err="1" smtClean="0">
+                <a:latin typeface="Calibri" panose="020F0502020204030204" pitchFamily="34" charset="0"/>
+              </a:rPr>
+              <a:t>search</a:t>
+            </a:r>
+            <a:r>
+              <a:rPr lang="hr-HR" sz="1300" dirty="0" smtClean="0">
+                <a:latin typeface="Calibri" panose="020F0502020204030204" pitchFamily="34" charset="0"/>
+              </a:rPr>
+              <a:t>').</a:t>
+            </a:r>
+            <a:r>
+              <a:rPr lang="hr-HR" sz="1300" dirty="0" err="1" smtClean="0">
+                <a:latin typeface="Calibri" panose="020F0502020204030204" pitchFamily="34" charset="0"/>
+              </a:rPr>
+              <a:t>value</a:t>
+            </a:r>
+            <a:r>
+              <a:rPr lang="hr-HR" sz="1300" dirty="0" smtClean="0">
+                <a:latin typeface="Calibri" panose="020F0502020204030204" pitchFamily="34" charset="0"/>
+              </a:rPr>
+              <a:t>;</a:t>
+            </a:r>
+          </a:p>
+          <a:p>
+            <a:pPr marL="0" indent="0">
+              <a:buNone/>
+            </a:pPr>
+            <a:r>
+              <a:rPr lang="hr-HR" sz="1300" dirty="0" smtClean="0">
+                <a:latin typeface="Calibri" panose="020F0502020204030204" pitchFamily="34" charset="0"/>
+              </a:rPr>
+              <a:t>    </a:t>
+            </a:r>
+            <a:r>
+              <a:rPr lang="hr-HR" sz="1300" dirty="0" err="1" smtClean="0">
+                <a:latin typeface="Calibri" panose="020F0502020204030204" pitchFamily="34" charset="0"/>
+              </a:rPr>
+              <a:t>tx.executeSql</a:t>
+            </a:r>
+            <a:r>
+              <a:rPr lang="hr-HR" sz="1300" dirty="0" smtClean="0">
+                <a:latin typeface="Calibri" panose="020F0502020204030204" pitchFamily="34" charset="0"/>
+              </a:rPr>
+              <a:t>("SELECT </a:t>
+            </a:r>
+            <a:r>
+              <a:rPr lang="hr-HR" sz="1300" dirty="0" err="1" smtClean="0">
+                <a:latin typeface="Calibri" panose="020F0502020204030204" pitchFamily="34" charset="0"/>
+              </a:rPr>
+              <a:t>id</a:t>
+            </a:r>
+            <a:r>
+              <a:rPr lang="hr-HR" sz="1300" dirty="0" smtClean="0">
+                <a:latin typeface="Calibri" panose="020F0502020204030204" pitchFamily="34" charset="0"/>
+              </a:rPr>
+              <a:t>, Note, Date, </a:t>
+            </a:r>
+            <a:r>
+              <a:rPr lang="hr-HR" sz="1300" dirty="0" err="1" smtClean="0">
+                <a:latin typeface="Calibri" panose="020F0502020204030204" pitchFamily="34" charset="0"/>
+              </a:rPr>
+              <a:t>Colour</a:t>
+            </a:r>
+            <a:r>
+              <a:rPr lang="hr-HR" sz="1300" dirty="0" smtClean="0">
+                <a:latin typeface="Calibri" panose="020F0502020204030204" pitchFamily="34" charset="0"/>
+              </a:rPr>
+              <a:t> </a:t>
+            </a:r>
+            <a:r>
+              <a:rPr lang="hr-HR" sz="1300" dirty="0" err="1" smtClean="0">
+                <a:latin typeface="Calibri" panose="020F0502020204030204" pitchFamily="34" charset="0"/>
+              </a:rPr>
+              <a:t>from</a:t>
+            </a:r>
+            <a:r>
+              <a:rPr lang="hr-HR" sz="1300" dirty="0" smtClean="0">
+                <a:latin typeface="Calibri" panose="020F0502020204030204" pitchFamily="34" charset="0"/>
+              </a:rPr>
+              <a:t> Notes WHERE Note </a:t>
+            </a:r>
+            <a:r>
+              <a:rPr lang="hr-HR" sz="1300" dirty="0" err="1" smtClean="0">
+                <a:latin typeface="Calibri" panose="020F0502020204030204" pitchFamily="34" charset="0"/>
+              </a:rPr>
+              <a:t>like</a:t>
+            </a:r>
+            <a:r>
+              <a:rPr lang="hr-HR" sz="1300" dirty="0" smtClean="0">
+                <a:latin typeface="Calibri" panose="020F0502020204030204" pitchFamily="34" charset="0"/>
+              </a:rPr>
+              <a:t> ?;", [</a:t>
+            </a:r>
+            <a:r>
+              <a:rPr lang="hr-HR" sz="1300" dirty="0" err="1" smtClean="0">
+                <a:latin typeface="Calibri" panose="020F0502020204030204" pitchFamily="34" charset="0"/>
+              </a:rPr>
+              <a:t>search_text</a:t>
+            </a:r>
+            <a:r>
+              <a:rPr lang="hr-HR" sz="1300" dirty="0" smtClean="0">
+                <a:latin typeface="Calibri" panose="020F0502020204030204" pitchFamily="34" charset="0"/>
+              </a:rPr>
+              <a:t>], </a:t>
+            </a:r>
+            <a:r>
+              <a:rPr lang="hr-HR" sz="1300" dirty="0" err="1" smtClean="0">
+                <a:latin typeface="Calibri" panose="020F0502020204030204" pitchFamily="34" charset="0"/>
+              </a:rPr>
+              <a:t>querySuccess</a:t>
+            </a:r>
+            <a:r>
+              <a:rPr lang="hr-HR" sz="1300" dirty="0" smtClean="0">
+                <a:latin typeface="Calibri" panose="020F0502020204030204" pitchFamily="34" charset="0"/>
+              </a:rPr>
+              <a:t>, </a:t>
+            </a:r>
+            <a:r>
+              <a:rPr lang="hr-HR" sz="1300" dirty="0" err="1" smtClean="0">
+                <a:latin typeface="Calibri" panose="020F0502020204030204" pitchFamily="34" charset="0"/>
+              </a:rPr>
+              <a:t>errorCB</a:t>
+            </a:r>
+            <a:r>
+              <a:rPr lang="hr-HR" sz="1300" dirty="0" smtClean="0">
+                <a:latin typeface="Calibri" panose="020F0502020204030204" pitchFamily="34" charset="0"/>
+              </a:rPr>
+              <a:t>);</a:t>
+            </a:r>
+          </a:p>
+          <a:p>
+            <a:pPr marL="0" indent="0">
+              <a:buNone/>
+            </a:pPr>
+            <a:r>
+              <a:rPr lang="hr-HR" sz="1300" dirty="0" smtClean="0">
+                <a:latin typeface="Calibri" panose="020F0502020204030204" pitchFamily="34" charset="0"/>
+              </a:rPr>
+              <a:t>    </a:t>
+            </a:r>
+            <a:r>
+              <a:rPr lang="hr-HR" sz="1300" dirty="0" err="1" smtClean="0">
+                <a:latin typeface="Calibri" panose="020F0502020204030204" pitchFamily="34" charset="0"/>
+              </a:rPr>
+              <a:t>if</a:t>
+            </a:r>
+            <a:r>
+              <a:rPr lang="hr-HR" sz="1300" dirty="0" smtClean="0">
+                <a:latin typeface="Calibri" panose="020F0502020204030204" pitchFamily="34" charset="0"/>
+              </a:rPr>
+              <a:t>(!</a:t>
+            </a:r>
+            <a:r>
+              <a:rPr lang="hr-HR" sz="1300" dirty="0" err="1" smtClean="0">
+                <a:latin typeface="Calibri" panose="020F0502020204030204" pitchFamily="34" charset="0"/>
+              </a:rPr>
+              <a:t>search_text</a:t>
+            </a:r>
+            <a:r>
+              <a:rPr lang="hr-HR" sz="1300" dirty="0" smtClean="0">
+                <a:latin typeface="Calibri" panose="020F0502020204030204" pitchFamily="34" charset="0"/>
+              </a:rPr>
+              <a:t>){</a:t>
+            </a:r>
+          </a:p>
+          <a:p>
+            <a:pPr marL="0" indent="0">
+              <a:buNone/>
+            </a:pPr>
+            <a:r>
+              <a:rPr lang="hr-HR" sz="1300" dirty="0" smtClean="0">
+                <a:latin typeface="Calibri" panose="020F0502020204030204" pitchFamily="34" charset="0"/>
+              </a:rPr>
+              <a:t>       </a:t>
+            </a:r>
+            <a:r>
+              <a:rPr lang="hr-HR" sz="1300" dirty="0" err="1" smtClean="0">
+                <a:latin typeface="Calibri" panose="020F0502020204030204" pitchFamily="34" charset="0"/>
+              </a:rPr>
+              <a:t>tx.executeSql</a:t>
+            </a:r>
+            <a:r>
+              <a:rPr lang="hr-HR" sz="1300" dirty="0" smtClean="0">
+                <a:latin typeface="Calibri" panose="020F0502020204030204" pitchFamily="34" charset="0"/>
+              </a:rPr>
+              <a:t>("SELECT </a:t>
+            </a:r>
+            <a:r>
+              <a:rPr lang="hr-HR" sz="1300" dirty="0" err="1" smtClean="0">
+                <a:latin typeface="Calibri" panose="020F0502020204030204" pitchFamily="34" charset="0"/>
+              </a:rPr>
+              <a:t>id</a:t>
+            </a:r>
+            <a:r>
+              <a:rPr lang="hr-HR" sz="1300" dirty="0" smtClean="0">
+                <a:latin typeface="Calibri" panose="020F0502020204030204" pitchFamily="34" charset="0"/>
+              </a:rPr>
+              <a:t>, Note, Date, </a:t>
+            </a:r>
+            <a:r>
+              <a:rPr lang="hr-HR" sz="1300" dirty="0" err="1" smtClean="0">
+                <a:latin typeface="Calibri" panose="020F0502020204030204" pitchFamily="34" charset="0"/>
+              </a:rPr>
+              <a:t>Colour</a:t>
+            </a:r>
+            <a:r>
+              <a:rPr lang="hr-HR" sz="1300" dirty="0" smtClean="0">
+                <a:latin typeface="Calibri" panose="020F0502020204030204" pitchFamily="34" charset="0"/>
+              </a:rPr>
+              <a:t> </a:t>
+            </a:r>
+            <a:r>
+              <a:rPr lang="hr-HR" sz="1300" dirty="0" err="1" smtClean="0">
+                <a:latin typeface="Calibri" panose="020F0502020204030204" pitchFamily="34" charset="0"/>
+              </a:rPr>
+              <a:t>from</a:t>
+            </a:r>
+            <a:r>
+              <a:rPr lang="hr-HR" sz="1300" dirty="0" smtClean="0">
+                <a:latin typeface="Calibri" panose="020F0502020204030204" pitchFamily="34" charset="0"/>
+              </a:rPr>
+              <a:t> Notes;", [], </a:t>
+            </a:r>
+            <a:r>
+              <a:rPr lang="hr-HR" sz="1300" dirty="0" err="1" smtClean="0">
+                <a:latin typeface="Calibri" panose="020F0502020204030204" pitchFamily="34" charset="0"/>
+              </a:rPr>
+              <a:t>querySuccess</a:t>
+            </a:r>
+            <a:r>
+              <a:rPr lang="hr-HR" sz="1300" dirty="0" smtClean="0">
+                <a:latin typeface="Calibri" panose="020F0502020204030204" pitchFamily="34" charset="0"/>
+              </a:rPr>
+              <a:t>, </a:t>
+            </a:r>
+            <a:r>
+              <a:rPr lang="hr-HR" sz="1300" dirty="0" err="1" smtClean="0">
+                <a:latin typeface="Calibri" panose="020F0502020204030204" pitchFamily="34" charset="0"/>
+              </a:rPr>
+              <a:t>errorCB</a:t>
+            </a:r>
+            <a:r>
+              <a:rPr lang="hr-HR" sz="1300" dirty="0" smtClean="0">
+                <a:latin typeface="Calibri" panose="020F0502020204030204" pitchFamily="34" charset="0"/>
+              </a:rPr>
+              <a:t>);</a:t>
+            </a:r>
+          </a:p>
+          <a:p>
+            <a:pPr marL="0" indent="0">
+              <a:buNone/>
+            </a:pPr>
+            <a:r>
+              <a:rPr lang="hr-HR" sz="1300" dirty="0" smtClean="0">
+                <a:latin typeface="Calibri" panose="020F0502020204030204" pitchFamily="34" charset="0"/>
+              </a:rPr>
+              <a:t>}}</a:t>
+            </a:r>
+          </a:p>
+          <a:p>
+            <a:r>
+              <a:rPr lang="hr-HR" dirty="0"/>
+              <a:t>Pretraživanje zabilješki po kategoriji</a:t>
+            </a:r>
+          </a:p>
+          <a:p>
+            <a:pPr marL="0" indent="0">
+              <a:buNone/>
+            </a:pPr>
             <a:r>
               <a:rPr lang="hr-HR" sz="1300" dirty="0" err="1">
                 <a:latin typeface="Calibri" panose="020F0502020204030204" pitchFamily="34" charset="0"/>
               </a:rPr>
-              <a:t>len</a:t>
-            </a:r>
-            <a:r>
-              <a:rPr lang="hr-HR" sz="1300" dirty="0">
-                <a:latin typeface="Calibri" panose="020F0502020204030204" pitchFamily="34" charset="0"/>
-              </a:rPr>
-              <a:t>; i++) </a:t>
-            </a:r>
-            <a:br>
-              <a:rPr lang="hr-HR" sz="1300" dirty="0">
-                <a:latin typeface="Calibri" panose="020F0502020204030204" pitchFamily="34" charset="0"/>
-              </a:rPr>
-            </a:br>
-            <a:r>
-              <a:rPr lang="hr-HR" sz="1300" dirty="0">
-                <a:latin typeface="Calibri" panose="020F0502020204030204" pitchFamily="34" charset="0"/>
-              </a:rPr>
-              <a:t> {	</a:t>
-            </a:r>
-            <a:br>
-              <a:rPr lang="hr-HR" sz="1300" dirty="0">
-                <a:latin typeface="Calibri" panose="020F0502020204030204" pitchFamily="34" charset="0"/>
-              </a:rPr>
-            </a:br>
-            <a:r>
-              <a:rPr lang="hr-HR" sz="1300" dirty="0">
-                <a:latin typeface="Calibri" panose="020F0502020204030204" pitchFamily="34" charset="0"/>
-              </a:rPr>
-              <a:t>var x = </a:t>
+              <a:t>function</a:t>
+            </a:r>
+            <a:r>
+              <a:rPr lang="hr-HR" sz="1300" dirty="0">
+                <a:latin typeface="Calibri" panose="020F0502020204030204" pitchFamily="34" charset="0"/>
+              </a:rPr>
+              <a:t> </a:t>
             </a:r>
             <a:r>
               <a:rPr lang="hr-HR" sz="1300" dirty="0" err="1">
                 <a:latin typeface="Calibri" panose="020F0502020204030204" pitchFamily="34" charset="0"/>
               </a:rPr>
-              <a:t>results.rows.item</a:t>
-            </a:r>
-            <a:r>
-              <a:rPr lang="hr-HR" sz="1300" dirty="0">
-                <a:latin typeface="Calibri" panose="020F0502020204030204" pitchFamily="34" charset="0"/>
-              </a:rPr>
-              <a:t>(i).</a:t>
+              <a:t>select</a:t>
+            </a:r>
+            <a:r>
+              <a:rPr lang="hr-HR" sz="1300" dirty="0">
+                <a:latin typeface="Calibri" panose="020F0502020204030204" pitchFamily="34" charset="0"/>
+              </a:rPr>
+              <a:t>(</a:t>
             </a:r>
             <a:r>
               <a:rPr lang="hr-HR" sz="1300" dirty="0" err="1">
                 <a:latin typeface="Calibri" panose="020F0502020204030204" pitchFamily="34" charset="0"/>
               </a:rPr>
+              <a:t>tx</a:t>
+            </a:r>
+            <a:r>
+              <a:rPr lang="hr-HR" sz="1300" dirty="0">
+                <a:latin typeface="Calibri" panose="020F0502020204030204" pitchFamily="34" charset="0"/>
+              </a:rPr>
+              <a:t>)</a:t>
+            </a:r>
+          </a:p>
+          <a:p>
+            <a:pPr marL="0" indent="0">
+              <a:buNone/>
+            </a:pPr>
+            <a:r>
+              <a:rPr lang="hr-HR" sz="1300" dirty="0">
+                <a:latin typeface="Calibri" panose="020F0502020204030204" pitchFamily="34" charset="0"/>
+              </a:rPr>
+              <a:t>{</a:t>
+            </a:r>
+          </a:p>
+          <a:p>
+            <a:pPr marL="0" indent="0">
+              <a:buNone/>
+            </a:pPr>
+            <a:r>
+              <a:rPr lang="hr-HR" sz="1300" dirty="0" err="1">
+                <a:latin typeface="Calibri" panose="020F0502020204030204" pitchFamily="34" charset="0"/>
+              </a:rPr>
+              <a:t>selections</a:t>
+            </a:r>
+            <a:r>
+              <a:rPr lang="hr-HR" sz="1300" dirty="0">
+                <a:latin typeface="Calibri" panose="020F0502020204030204" pitchFamily="34" charset="0"/>
+              </a:rPr>
+              <a:t> = </a:t>
+            </a:r>
+            <a:r>
+              <a:rPr lang="hr-HR" sz="1300" dirty="0" err="1">
+                <a:latin typeface="Calibri" panose="020F0502020204030204" pitchFamily="34" charset="0"/>
+              </a:rPr>
+              <a:t>document.getElementById</a:t>
+            </a:r>
+            <a:r>
+              <a:rPr lang="hr-HR" sz="1300" dirty="0">
+                <a:latin typeface="Calibri" panose="020F0502020204030204" pitchFamily="34" charset="0"/>
+              </a:rPr>
+              <a:t>('</a:t>
+            </a:r>
+            <a:r>
+              <a:rPr lang="hr-HR" sz="1300" dirty="0" err="1">
+                <a:latin typeface="Calibri" panose="020F0502020204030204" pitchFamily="34" charset="0"/>
+              </a:rPr>
+              <a:t>selects</a:t>
+            </a:r>
+            <a:r>
+              <a:rPr lang="hr-HR" sz="1300" dirty="0">
+                <a:latin typeface="Calibri" panose="020F0502020204030204" pitchFamily="34" charset="0"/>
+              </a:rPr>
+              <a:t>').</a:t>
+            </a:r>
+            <a:r>
+              <a:rPr lang="hr-HR" sz="1300" dirty="0" err="1">
+                <a:latin typeface="Calibri" panose="020F0502020204030204" pitchFamily="34" charset="0"/>
+              </a:rPr>
+              <a:t>value</a:t>
+            </a:r>
+            <a:r>
+              <a:rPr lang="hr-HR" sz="1300" dirty="0">
+                <a:latin typeface="Calibri" panose="020F0502020204030204" pitchFamily="34" charset="0"/>
+              </a:rPr>
+              <a:t>;</a:t>
+            </a:r>
+          </a:p>
+          <a:p>
+            <a:pPr marL="0" indent="0">
+              <a:buNone/>
+            </a:pPr>
+            <a:r>
+              <a:rPr lang="hr-HR" sz="1300" dirty="0" err="1">
+                <a:latin typeface="Calibri" panose="020F0502020204030204" pitchFamily="34" charset="0"/>
+              </a:rPr>
+              <a:t>if</a:t>
+            </a:r>
+            <a:r>
+              <a:rPr lang="hr-HR" sz="1300" dirty="0">
+                <a:latin typeface="Calibri" panose="020F0502020204030204" pitchFamily="34" charset="0"/>
+              </a:rPr>
+              <a:t>(</a:t>
+            </a:r>
+            <a:r>
+              <a:rPr lang="hr-HR" sz="1300" dirty="0" err="1">
+                <a:latin typeface="Calibri" panose="020F0502020204030204" pitchFamily="34" charset="0"/>
+              </a:rPr>
+              <a:t>selections</a:t>
+            </a:r>
+            <a:r>
+              <a:rPr lang="hr-HR" sz="1300" dirty="0">
+                <a:latin typeface="Calibri" panose="020F0502020204030204" pitchFamily="34" charset="0"/>
+              </a:rPr>
+              <a:t>=='All')</a:t>
+            </a:r>
+          </a:p>
+          <a:p>
+            <a:pPr marL="0" indent="0">
+              <a:buNone/>
+            </a:pPr>
+            <a:r>
+              <a:rPr lang="hr-HR" sz="1300" dirty="0">
+                <a:latin typeface="Calibri" panose="020F0502020204030204" pitchFamily="34" charset="0"/>
+              </a:rPr>
+              <a:t>{</a:t>
+            </a:r>
+          </a:p>
+          <a:p>
+            <a:pPr marL="0" indent="0">
+              <a:buNone/>
+            </a:pPr>
+            <a:r>
+              <a:rPr lang="hr-HR" sz="1300" dirty="0">
+                <a:latin typeface="Calibri" panose="020F0502020204030204" pitchFamily="34" charset="0"/>
+              </a:rPr>
+              <a:t>	</a:t>
+            </a:r>
+            <a:r>
+              <a:rPr lang="hr-HR" sz="1300" dirty="0" err="1">
+                <a:latin typeface="Calibri" panose="020F0502020204030204" pitchFamily="34" charset="0"/>
+              </a:rPr>
+              <a:t>queryDB</a:t>
+            </a:r>
+            <a:r>
+              <a:rPr lang="hr-HR" sz="1300" dirty="0">
+                <a:latin typeface="Calibri" panose="020F0502020204030204" pitchFamily="34" charset="0"/>
+              </a:rPr>
+              <a:t>(</a:t>
+            </a:r>
+            <a:r>
+              <a:rPr lang="hr-HR" sz="1300" dirty="0" err="1">
+                <a:latin typeface="Calibri" panose="020F0502020204030204" pitchFamily="34" charset="0"/>
+              </a:rPr>
+              <a:t>tx</a:t>
+            </a:r>
+            <a:r>
+              <a:rPr lang="hr-HR" sz="1300" dirty="0">
+                <a:latin typeface="Calibri" panose="020F0502020204030204" pitchFamily="34" charset="0"/>
+              </a:rPr>
+              <a:t>);</a:t>
+            </a:r>
+          </a:p>
+          <a:p>
+            <a:pPr marL="0" indent="0">
+              <a:buNone/>
+            </a:pPr>
+            <a:r>
+              <a:rPr lang="hr-HR" sz="1300" dirty="0">
+                <a:latin typeface="Calibri" panose="020F0502020204030204" pitchFamily="34" charset="0"/>
+              </a:rPr>
+              <a:t>}</a:t>
+            </a:r>
+          </a:p>
+          <a:p>
+            <a:pPr marL="0" indent="0">
+              <a:buNone/>
+            </a:pPr>
+            <a:r>
+              <a:rPr lang="hr-HR" sz="1300" dirty="0" err="1">
+                <a:latin typeface="Calibri" panose="020F0502020204030204" pitchFamily="34" charset="0"/>
+              </a:rPr>
+              <a:t>else</a:t>
+            </a:r>
+            <a:r>
+              <a:rPr lang="hr-HR" sz="1300" dirty="0">
+                <a:latin typeface="Calibri" panose="020F0502020204030204" pitchFamily="34" charset="0"/>
+              </a:rPr>
+              <a:t>{</a:t>
+            </a:r>
+          </a:p>
+          <a:p>
+            <a:pPr marL="0" indent="0">
+              <a:buNone/>
+            </a:pPr>
+            <a:r>
+              <a:rPr lang="hr-HR" sz="1300" dirty="0">
+                <a:latin typeface="Calibri" panose="020F0502020204030204" pitchFamily="34" charset="0"/>
+              </a:rPr>
+              <a:t>	var </a:t>
+            </a:r>
+            <a:r>
+              <a:rPr lang="hr-HR" sz="1300" dirty="0" err="1">
+                <a:latin typeface="Calibri" panose="020F0502020204030204" pitchFamily="34" charset="0"/>
+              </a:rPr>
+              <a:t>select_id</a:t>
+            </a:r>
+            <a:r>
+              <a:rPr lang="hr-HR" sz="1300" dirty="0">
+                <a:latin typeface="Calibri" panose="020F0502020204030204" pitchFamily="34" charset="0"/>
+              </a:rPr>
+              <a:t> = </a:t>
+            </a:r>
+            <a:r>
+              <a:rPr lang="hr-HR" sz="1300" dirty="0" err="1">
+                <a:latin typeface="Calibri" panose="020F0502020204030204" pitchFamily="34" charset="0"/>
+              </a:rPr>
+              <a:t>tx.executeSql</a:t>
+            </a:r>
+            <a:r>
+              <a:rPr lang="hr-HR" sz="1300" dirty="0">
+                <a:latin typeface="Calibri" panose="020F0502020204030204" pitchFamily="34" charset="0"/>
+              </a:rPr>
+              <a:t>("SELECT </a:t>
+            </a:r>
+            <a:r>
+              <a:rPr lang="hr-HR" sz="1300" dirty="0" err="1">
+                <a:latin typeface="Calibri" panose="020F0502020204030204" pitchFamily="34" charset="0"/>
+              </a:rPr>
               <a:t>id</a:t>
             </a:r>
             <a:r>
               <a:rPr lang="hr-HR" sz="1300" dirty="0">
                 <a:latin typeface="Calibri" panose="020F0502020204030204" pitchFamily="34" charset="0"/>
               </a:rPr>
-              <a:t>;</a:t>
-            </a:r>
-            <a:br>
-              <a:rPr lang="hr-HR" sz="1300" dirty="0">
-                <a:latin typeface="Calibri" panose="020F0502020204030204" pitchFamily="34" charset="0"/>
-              </a:rPr>
-            </a:br>
-            <a:r>
-              <a:rPr lang="hr-HR" sz="1300" dirty="0" smtClean="0">
+              <a:t>, </a:t>
+            </a:r>
+            <a:r>
+              <a:rPr lang="hr-HR" sz="1300" dirty="0" err="1">
+                <a:latin typeface="Calibri" panose="020F0502020204030204" pitchFamily="34" charset="0"/>
+              </a:rPr>
+              <a:t>category_name</a:t>
+            </a:r>
+            <a:r>
+              <a:rPr lang="hr-HR" sz="1300" dirty="0">
                 <a:latin typeface="Calibri" panose="020F0502020204030204" pitchFamily="34" charset="0"/>
               </a:rPr>
               <a:t> </a:t>
@@ -6763,307 +7863,387 @@
               <a:rPr lang="hr-HR" sz="1300" dirty="0" err="1">
                 <a:latin typeface="Calibri" panose="020F0502020204030204" pitchFamily="34" charset="0"/>
               </a:rPr>
-              <a:t>document.getElementById</a:t>
-            </a:r>
-            <a:r>
-              <a:rPr lang="hr-HR" sz="1300" dirty="0">
-                <a:latin typeface="Calibri" panose="020F0502020204030204" pitchFamily="34" charset="0"/>
-              </a:rPr>
-              <a:t>("output").</a:t>
+              <a:t>from</a:t>
+            </a:r>
+            <a:r>
+              <a:rPr lang="hr-HR" sz="1300" dirty="0">
+                <a:latin typeface="Calibri" panose="020F0502020204030204" pitchFamily="34" charset="0"/>
+              </a:rPr>
+              <a:t> </a:t>
             </a:r>
             <a:r>
               <a:rPr lang="hr-HR" sz="1300" dirty="0" err="1">
                 <a:latin typeface="Calibri" panose="020F0502020204030204" pitchFamily="34" charset="0"/>
               </a:rPr>
-              <a:t>innerHTML</a:t>
-            </a:r>
-            <a:r>
-              <a:rPr lang="hr-HR" sz="1300" dirty="0">
-                <a:latin typeface="Calibri" panose="020F0502020204030204" pitchFamily="34" charset="0"/>
-              </a:rPr>
-              <a:t> += "&lt;table </a:t>
+              <a:t>Category</a:t>
+            </a:r>
+            <a:r>
+              <a:rPr lang="hr-HR" sz="1300" dirty="0">
+                <a:latin typeface="Calibri" panose="020F0502020204030204" pitchFamily="34" charset="0"/>
+              </a:rPr>
+              <a:t> WHERE </a:t>
             </a:r>
             <a:r>
               <a:rPr lang="hr-HR" sz="1300" dirty="0" err="1">
                 <a:latin typeface="Calibri" panose="020F0502020204030204" pitchFamily="34" charset="0"/>
               </a:rPr>
+              <a:t>category_name</a:t>
+            </a:r>
+            <a:r>
+              <a:rPr lang="hr-HR" sz="1300" dirty="0">
+                <a:latin typeface="Calibri" panose="020F0502020204030204" pitchFamily="34" charset="0"/>
+              </a:rPr>
+              <a:t> </a:t>
+            </a:r>
+            <a:r>
+              <a:rPr lang="hr-HR" sz="1300" dirty="0" err="1">
+                <a:latin typeface="Calibri" panose="020F0502020204030204" pitchFamily="34" charset="0"/>
+              </a:rPr>
+              <a:t>like</a:t>
+            </a:r>
+            <a:r>
+              <a:rPr lang="hr-HR" sz="1300" dirty="0">
+                <a:latin typeface="Calibri" panose="020F0502020204030204" pitchFamily="34" charset="0"/>
+              </a:rPr>
+              <a:t> ?;", [</a:t>
+            </a:r>
+            <a:r>
+              <a:rPr lang="hr-HR" sz="1300" dirty="0" err="1">
+                <a:latin typeface="Calibri" panose="020F0502020204030204" pitchFamily="34" charset="0"/>
+              </a:rPr>
+              <a:t>selections</a:t>
+            </a:r>
+            <a:r>
+              <a:rPr lang="hr-HR" sz="1300" dirty="0">
+                <a:latin typeface="Calibri" panose="020F0502020204030204" pitchFamily="34" charset="0"/>
+              </a:rPr>
+              <a:t>], </a:t>
+            </a:r>
+            <a:r>
+              <a:rPr lang="hr-HR" sz="1300" dirty="0" err="1">
+                <a:latin typeface="Calibri" panose="020F0502020204030204" pitchFamily="34" charset="0"/>
+              </a:rPr>
+              <a:t>querySuccess</a:t>
+            </a:r>
+            <a:r>
+              <a:rPr lang="hr-HR" sz="1300" dirty="0">
+                <a:latin typeface="Calibri" panose="020F0502020204030204" pitchFamily="34" charset="0"/>
+              </a:rPr>
+              <a:t>, </a:t>
+            </a:r>
+            <a:r>
+              <a:rPr lang="hr-HR" sz="1300" dirty="0" err="1">
+                <a:latin typeface="Calibri" panose="020F0502020204030204" pitchFamily="34" charset="0"/>
+              </a:rPr>
+              <a:t>errorCB</a:t>
+            </a:r>
+            <a:r>
+              <a:rPr lang="hr-HR" sz="1300" dirty="0">
+                <a:latin typeface="Calibri" panose="020F0502020204030204" pitchFamily="34" charset="0"/>
+              </a:rPr>
+              <a:t>);</a:t>
+            </a:r>
+          </a:p>
+          <a:p>
+            <a:pPr marL="0" indent="0">
+              <a:buNone/>
+            </a:pPr>
+            <a:r>
+              <a:rPr lang="hr-HR" sz="1300" dirty="0">
+                <a:latin typeface="Calibri" panose="020F0502020204030204" pitchFamily="34" charset="0"/>
+              </a:rPr>
+              <a:t>var  </a:t>
+            </a:r>
+            <a:r>
+              <a:rPr lang="hr-HR" sz="1300" dirty="0" err="1">
+                <a:latin typeface="Calibri" panose="020F0502020204030204" pitchFamily="34" charset="0"/>
+              </a:rPr>
+              <a:t>category_id</a:t>
+            </a:r>
+            <a:r>
+              <a:rPr lang="hr-HR" sz="1300" dirty="0">
+                <a:latin typeface="Calibri" panose="020F0502020204030204" pitchFamily="34" charset="0"/>
+              </a:rPr>
+              <a:t> = </a:t>
+            </a:r>
+            <a:r>
+              <a:rPr lang="hr-HR" sz="1300" dirty="0" err="1">
+                <a:latin typeface="Calibri" panose="020F0502020204030204" pitchFamily="34" charset="0"/>
+              </a:rPr>
+              <a:t>tx.executeSql</a:t>
+            </a:r>
+            <a:r>
+              <a:rPr lang="hr-HR" sz="1300" dirty="0">
+                <a:latin typeface="Calibri" panose="020F0502020204030204" pitchFamily="34" charset="0"/>
+              </a:rPr>
+              <a:t>("SELECT </a:t>
+            </a:r>
+            <a:r>
+              <a:rPr lang="hr-HR" sz="1300" dirty="0" err="1">
+                <a:latin typeface="Calibri" panose="020F0502020204030204" pitchFamily="34" charset="0"/>
+              </a:rPr>
+              <a:t>id_note</a:t>
+            </a:r>
+            <a:r>
+              <a:rPr lang="hr-HR" sz="1300" dirty="0">
+                <a:latin typeface="Calibri" panose="020F0502020204030204" pitchFamily="34" charset="0"/>
+              </a:rPr>
+              <a:t>, </a:t>
+            </a:r>
+            <a:r>
+              <a:rPr lang="hr-HR" sz="1300" dirty="0" err="1">
+                <a:latin typeface="Calibri" panose="020F0502020204030204" pitchFamily="34" charset="0"/>
+              </a:rPr>
+              <a:t>id_category</a:t>
+            </a:r>
+            <a:r>
+              <a:rPr lang="hr-HR" sz="1300" dirty="0">
+                <a:latin typeface="Calibri" panose="020F0502020204030204" pitchFamily="34" charset="0"/>
+              </a:rPr>
+              <a:t> </a:t>
+            </a:r>
+            <a:r>
+              <a:rPr lang="hr-HR" sz="1300" dirty="0" err="1">
+                <a:latin typeface="Calibri" panose="020F0502020204030204" pitchFamily="34" charset="0"/>
+              </a:rPr>
+              <a:t>from</a:t>
+            </a:r>
+            <a:r>
+              <a:rPr lang="hr-HR" sz="1300" dirty="0">
+                <a:latin typeface="Calibri" panose="020F0502020204030204" pitchFamily="34" charset="0"/>
+              </a:rPr>
+              <a:t> </a:t>
+            </a:r>
+            <a:r>
+              <a:rPr lang="hr-HR" sz="1300" dirty="0" err="1">
+                <a:latin typeface="Calibri" panose="020F0502020204030204" pitchFamily="34" charset="0"/>
+              </a:rPr>
+              <a:t>Notes_Category</a:t>
+            </a:r>
+            <a:r>
+              <a:rPr lang="hr-HR" sz="1300" dirty="0">
+                <a:latin typeface="Calibri" panose="020F0502020204030204" pitchFamily="34" charset="0"/>
+              </a:rPr>
+              <a:t> WHERE </a:t>
+            </a:r>
+            <a:r>
+              <a:rPr lang="hr-HR" sz="1300" dirty="0" err="1">
+                <a:latin typeface="Calibri" panose="020F0502020204030204" pitchFamily="34" charset="0"/>
+              </a:rPr>
+              <a:t>id_category</a:t>
+            </a:r>
+            <a:r>
+              <a:rPr lang="hr-HR" sz="1300" dirty="0">
+                <a:latin typeface="Calibri" panose="020F0502020204030204" pitchFamily="34" charset="0"/>
+              </a:rPr>
+              <a:t> </a:t>
+            </a:r>
+            <a:r>
+              <a:rPr lang="hr-HR" sz="1300" dirty="0" err="1">
+                <a:latin typeface="Calibri" panose="020F0502020204030204" pitchFamily="34" charset="0"/>
+              </a:rPr>
+              <a:t>like</a:t>
+            </a:r>
+            <a:r>
+              <a:rPr lang="hr-HR" sz="1300" dirty="0">
+                <a:latin typeface="Calibri" panose="020F0502020204030204" pitchFamily="34" charset="0"/>
+              </a:rPr>
+              <a:t>?;"[</a:t>
+            </a:r>
+            <a:r>
+              <a:rPr lang="hr-HR" sz="1300" dirty="0" err="1">
+                <a:latin typeface="Calibri" panose="020F0502020204030204" pitchFamily="34" charset="0"/>
+              </a:rPr>
+              <a:t>select_id</a:t>
+            </a:r>
+            <a:r>
+              <a:rPr lang="hr-HR" sz="1300" dirty="0">
+                <a:latin typeface="Calibri" panose="020F0502020204030204" pitchFamily="34" charset="0"/>
+              </a:rPr>
+              <a:t>], </a:t>
+            </a:r>
+            <a:r>
+              <a:rPr lang="hr-HR" sz="1300" dirty="0" err="1">
+                <a:latin typeface="Calibri" panose="020F0502020204030204" pitchFamily="34" charset="0"/>
+              </a:rPr>
+              <a:t>querySuccess</a:t>
+            </a:r>
+            <a:r>
+              <a:rPr lang="hr-HR" sz="1300" dirty="0">
+                <a:latin typeface="Calibri" panose="020F0502020204030204" pitchFamily="34" charset="0"/>
+              </a:rPr>
+              <a:t>, </a:t>
+            </a:r>
+            <a:r>
+              <a:rPr lang="hr-HR" sz="1300" dirty="0" err="1">
+                <a:latin typeface="Calibri" panose="020F0502020204030204" pitchFamily="34" charset="0"/>
+              </a:rPr>
+              <a:t>errorCB</a:t>
+            </a:r>
+            <a:r>
+              <a:rPr lang="hr-HR" sz="1300" dirty="0">
+                <a:latin typeface="Calibri" panose="020F0502020204030204" pitchFamily="34" charset="0"/>
+              </a:rPr>
+              <a:t>)</a:t>
+            </a:r>
+          </a:p>
+          <a:p>
+            <a:pPr marL="0" indent="0">
+              <a:buNone/>
+            </a:pPr>
+            <a:r>
+              <a:rPr lang="hr-HR" sz="1300" dirty="0">
+                <a:latin typeface="Calibri" panose="020F0502020204030204" pitchFamily="34" charset="0"/>
+              </a:rPr>
+              <a:t> </a:t>
+            </a:r>
+          </a:p>
+          <a:p>
+            <a:pPr marL="0" indent="0">
+              <a:buNone/>
+            </a:pPr>
+            <a:r>
+              <a:rPr lang="hr-HR" sz="1300" dirty="0" err="1">
+                <a:latin typeface="Calibri" panose="020F0502020204030204" pitchFamily="34" charset="0"/>
+              </a:rPr>
+              <a:t>tx.executeSql</a:t>
+            </a:r>
+            <a:r>
+              <a:rPr lang="hr-HR" sz="1300" dirty="0">
+                <a:latin typeface="Calibri" panose="020F0502020204030204" pitchFamily="34" charset="0"/>
+              </a:rPr>
+              <a:t>("SELECT </a:t>
+            </a:r>
+            <a:r>
+              <a:rPr lang="hr-HR" sz="1300" dirty="0" err="1">
+                <a:latin typeface="Calibri" panose="020F0502020204030204" pitchFamily="34" charset="0"/>
+              </a:rPr>
               <a:t>id</a:t>
             </a:r>
             <a:r>
               <a:rPr lang="hr-HR" sz="1300" dirty="0">
                 <a:latin typeface="Calibri" panose="020F0502020204030204" pitchFamily="34" charset="0"/>
               </a:rPr>
-              <a:t>='</a:t>
+              <a:t>, Note, Date, </a:t>
             </a:r>
             <a:r>
               <a:rPr lang="hr-HR" sz="1300" dirty="0" err="1">
                 <a:latin typeface="Calibri" panose="020F0502020204030204" pitchFamily="34" charset="0"/>
               </a:rPr>
-              <a:t>newTasks</a:t>
-            </a:r>
-            <a:r>
-              <a:rPr lang="hr-HR" sz="1300" dirty="0">
-                <a:latin typeface="Calibri" panose="020F0502020204030204" pitchFamily="34" charset="0"/>
-              </a:rPr>
-              <a:t>' </a:t>
+              <a:t>Colour</a:t>
+            </a:r>
+            <a:r>
+              <a:rPr lang="hr-HR" sz="1300" dirty="0">
+                <a:latin typeface="Calibri" panose="020F0502020204030204" pitchFamily="34" charset="0"/>
+              </a:rPr>
+              <a:t> </a:t>
             </a:r>
             <a:r>
               <a:rPr lang="hr-HR" sz="1300" dirty="0" err="1">
                 <a:latin typeface="Calibri" panose="020F0502020204030204" pitchFamily="34" charset="0"/>
               </a:rPr>
-              <a:t>class</a:t>
-            </a:r>
-            <a:r>
-              <a:rPr lang="hr-HR" sz="1300" dirty="0">
-                <a:latin typeface="Calibri" panose="020F0502020204030204" pitchFamily="34" charset="0"/>
-              </a:rPr>
-              <a:t>='</a:t>
+              <a:t>from</a:t>
+            </a:r>
+            <a:r>
+              <a:rPr lang="hr-HR" sz="1300" dirty="0">
+                <a:latin typeface="Calibri" panose="020F0502020204030204" pitchFamily="34" charset="0"/>
+              </a:rPr>
+              <a:t> Notes WHERE </a:t>
             </a:r>
             <a:r>
               <a:rPr lang="hr-HR" sz="1300" dirty="0" err="1">
                 <a:latin typeface="Calibri" panose="020F0502020204030204" pitchFamily="34" charset="0"/>
               </a:rPr>
-              <a:t>newTasks</a:t>
-            </a:r>
-            <a:r>
-              <a:rPr lang="hr-HR" sz="1300" dirty="0">
-                <a:latin typeface="Calibri" panose="020F0502020204030204" pitchFamily="34" charset="0"/>
-              </a:rPr>
-              <a:t>' </a:t>
+              <a:t>id</a:t>
+            </a:r>
+            <a:r>
+              <a:rPr lang="hr-HR" sz="1300" dirty="0">
+                <a:latin typeface="Calibri" panose="020F0502020204030204" pitchFamily="34" charset="0"/>
+              </a:rPr>
+              <a:t> </a:t>
             </a:r>
             <a:r>
               <a:rPr lang="hr-HR" sz="1300" dirty="0" err="1">
                 <a:latin typeface="Calibri" panose="020F0502020204030204" pitchFamily="34" charset="0"/>
               </a:rPr>
-              <a:t>onmousedown</a:t>
-            </a:r>
-            <a:r>
-              <a:rPr lang="hr-HR" sz="1300" dirty="0">
-                <a:latin typeface="Calibri" panose="020F0502020204030204" pitchFamily="34" charset="0"/>
-              </a:rPr>
-              <a:t>='</a:t>
+              <a:t>like</a:t>
+            </a:r>
+            <a:r>
+              <a:rPr lang="hr-HR" sz="1300" dirty="0">
+                <a:latin typeface="Calibri" panose="020F0502020204030204" pitchFamily="34" charset="0"/>
+              </a:rPr>
+              <a:t> ?;", [</a:t>
             </a:r>
             <a:r>
               <a:rPr lang="hr-HR" sz="1300" dirty="0" err="1">
                 <a:latin typeface="Calibri" panose="020F0502020204030204" pitchFamily="34" charset="0"/>
               </a:rPr>
-              <a:t>deleterow</a:t>
-            </a:r>
-            <a:r>
-              <a:rPr lang="hr-HR" sz="1300" dirty="0">
-                <a:latin typeface="Calibri" panose="020F0502020204030204" pitchFamily="34" charset="0"/>
-              </a:rPr>
-              <a:t>(</a:t>
+              <a:t>category_id</a:t>
+            </a:r>
+            <a:r>
+              <a:rPr lang="hr-HR" sz="1300" dirty="0">
+                <a:latin typeface="Calibri" panose="020F0502020204030204" pitchFamily="34" charset="0"/>
+              </a:rPr>
+              <a:t>], </a:t>
             </a:r>
             <a:r>
               <a:rPr lang="hr-HR" sz="1300" dirty="0" err="1">
                 <a:latin typeface="Calibri" panose="020F0502020204030204" pitchFamily="34" charset="0"/>
               </a:rPr>
-              <a:t>this</a:t>
-            </a:r>
-            <a:r>
-              <a:rPr lang="hr-HR" sz="1300" dirty="0">
-                <a:latin typeface="Calibri" panose="020F0502020204030204" pitchFamily="34" charset="0"/>
-              </a:rPr>
-              <a:t>)'; &gt;&lt;</a:t>
+              <a:t>querySuccess</a:t>
+            </a:r>
+            <a:r>
+              <a:rPr lang="hr-HR" sz="1300" dirty="0">
+                <a:latin typeface="Calibri" panose="020F0502020204030204" pitchFamily="34" charset="0"/>
+              </a:rPr>
+              <a:t>, </a:t>
             </a:r>
             <a:r>
               <a:rPr lang="hr-HR" sz="1300" dirty="0" err="1">
                 <a:latin typeface="Calibri" panose="020F0502020204030204" pitchFamily="34" charset="0"/>
               </a:rPr>
-              <a:t>tr</a:t>
-            </a:r>
-            <a:r>
-              <a:rPr lang="hr-HR" sz="1300" dirty="0">
-                <a:latin typeface="Calibri" panose="020F0502020204030204" pitchFamily="34" charset="0"/>
-              </a:rPr>
-              <a:t> </a:t>
+              <a:t>errorCB</a:t>
+            </a:r>
+            <a:r>
+              <a:rPr lang="hr-HR" sz="1300" dirty="0">
+                <a:latin typeface="Calibri" panose="020F0502020204030204" pitchFamily="34" charset="0"/>
+              </a:rPr>
+              <a:t>);	}</a:t>
+            </a:r>
+          </a:p>
+          <a:p>
+            <a:pPr marL="0" indent="0">
+              <a:buNone/>
+            </a:pPr>
+            <a:r>
+              <a:rPr lang="hr-HR" sz="1300" dirty="0">
+                <a:latin typeface="Calibri" panose="020F0502020204030204" pitchFamily="34" charset="0"/>
+              </a:rPr>
+              <a:t>	</a:t>
             </a:r>
             <a:r>
               <a:rPr lang="hr-HR" sz="1300" dirty="0" err="1">
                 <a:latin typeface="Calibri" panose="020F0502020204030204" pitchFamily="34" charset="0"/>
               </a:rPr>
-              <a:t>id</a:t>
-            </a:r>
-            <a:r>
-              <a:rPr lang="hr-HR" sz="1300" dirty="0">
-                <a:latin typeface="Calibri" panose="020F0502020204030204" pitchFamily="34" charset="0"/>
-              </a:rPr>
-              <a:t>='</a:t>
+              <a:t>tx</a:t>
+            </a:r>
+            <a:r>
+              <a:rPr lang="hr-HR" sz="1300" dirty="0">
+                <a:latin typeface="Calibri" panose="020F0502020204030204" pitchFamily="34" charset="0"/>
+              </a:rPr>
+              <a:t> = </a:t>
             </a:r>
             <a:r>
               <a:rPr lang="hr-HR" sz="1300" dirty="0" err="1">
                 <a:latin typeface="Calibri" panose="020F0502020204030204" pitchFamily="34" charset="0"/>
               </a:rPr>
-              <a:t>editable</a:t>
-            </a:r>
-            <a:r>
-              <a:rPr lang="hr-HR" sz="1300" dirty="0">
-                <a:latin typeface="Calibri" panose="020F0502020204030204" pitchFamily="34" charset="0"/>
-              </a:rPr>
-              <a:t>'&gt;&lt;</a:t>
-            </a:r>
-            <a:r>
-              <a:rPr lang="hr-HR" sz="1300" dirty="0" err="1">
-                <a:latin typeface="Calibri" panose="020F0502020204030204" pitchFamily="34" charset="0"/>
-              </a:rPr>
-              <a:t>td</a:t>
-            </a:r>
-            <a:r>
-              <a:rPr lang="hr-HR" sz="1300" dirty="0">
-                <a:latin typeface="Calibri" panose="020F0502020204030204" pitchFamily="34" charset="0"/>
-              </a:rPr>
-              <a:t>&gt;&lt;li&gt;" +</a:t>
-            </a:r>
-            <a:r>
-              <a:rPr lang="hr-HR" sz="1300" dirty="0" err="1">
-                <a:latin typeface="Calibri" panose="020F0502020204030204" pitchFamily="34" charset="0"/>
-              </a:rPr>
-              <a:t>results.rows.item</a:t>
-            </a:r>
-            <a:r>
-              <a:rPr lang="hr-HR" sz="1300" dirty="0">
-                <a:latin typeface="Calibri" panose="020F0502020204030204" pitchFamily="34" charset="0"/>
-              </a:rPr>
-              <a:t>(i).Note +  "&lt;/</a:t>
-            </a:r>
-            <a:r>
-              <a:rPr lang="hr-HR" sz="1300" dirty="0" err="1">
-                <a:latin typeface="Calibri" panose="020F0502020204030204" pitchFamily="34" charset="0"/>
-              </a:rPr>
-              <a:t>td</a:t>
-            </a:r>
-            <a:r>
-              <a:rPr lang="hr-HR" sz="1300" dirty="0">
-                <a:latin typeface="Calibri" panose="020F0502020204030204" pitchFamily="34" charset="0"/>
-              </a:rPr>
-              <a:t>&gt;&lt;</a:t>
-            </a:r>
-            <a:r>
-              <a:rPr lang="hr-HR" sz="1300" dirty="0" err="1">
-                <a:latin typeface="Calibri" panose="020F0502020204030204" pitchFamily="34" charset="0"/>
-              </a:rPr>
-              <a:t>td</a:t>
-            </a:r>
-            <a:r>
-              <a:rPr lang="hr-HR" sz="1300" dirty="0">
-                <a:latin typeface="Calibri" panose="020F0502020204030204" pitchFamily="34" charset="0"/>
-              </a:rPr>
-              <a:t>&gt;&lt;/</a:t>
-            </a:r>
-            <a:r>
-              <a:rPr lang="hr-HR" sz="1300" dirty="0" err="1">
-                <a:latin typeface="Calibri" panose="020F0502020204030204" pitchFamily="34" charset="0"/>
-              </a:rPr>
-              <a:t>td</a:t>
-            </a:r>
-            <a:r>
-              <a:rPr lang="hr-HR" sz="1300" dirty="0">
-                <a:latin typeface="Calibri" panose="020F0502020204030204" pitchFamily="34" charset="0"/>
-              </a:rPr>
-              <a:t>&gt;&lt;</a:t>
-            </a:r>
-            <a:r>
-              <a:rPr lang="hr-HR" sz="1300" dirty="0" err="1">
-                <a:latin typeface="Calibri" panose="020F0502020204030204" pitchFamily="34" charset="0"/>
-              </a:rPr>
-              <a:t>td</a:t>
-            </a:r>
-            <a:r>
-              <a:rPr lang="hr-HR" sz="1300" dirty="0">
-                <a:latin typeface="Calibri" panose="020F0502020204030204" pitchFamily="34" charset="0"/>
-              </a:rPr>
-              <a:t>&gt;" + </a:t>
-            </a:r>
-            <a:r>
-              <a:rPr lang="hr-HR" sz="1300" dirty="0" err="1">
-                <a:latin typeface="Calibri" panose="020F0502020204030204" pitchFamily="34" charset="0"/>
-              </a:rPr>
-              <a:t>results.rows.item</a:t>
-            </a:r>
-            <a:r>
-              <a:rPr lang="hr-HR" sz="1300" dirty="0">
-                <a:latin typeface="Calibri" panose="020F0502020204030204" pitchFamily="34" charset="0"/>
-              </a:rPr>
-              <a:t>(i).Date +"&lt;/li&gt;&lt;/</a:t>
-            </a:r>
-            <a:r>
-              <a:rPr lang="hr-HR" sz="1300" dirty="0" err="1">
-                <a:latin typeface="Calibri" panose="020F0502020204030204" pitchFamily="34" charset="0"/>
-              </a:rPr>
-              <a:t>td</a:t>
-            </a:r>
-            <a:r>
-              <a:rPr lang="hr-HR" sz="1300" dirty="0">
-                <a:latin typeface="Calibri" panose="020F0502020204030204" pitchFamily="34" charset="0"/>
-              </a:rPr>
-              <a:t>&gt;&lt;</a:t>
-            </a:r>
-            <a:r>
-              <a:rPr lang="hr-HR" sz="1300" dirty="0" err="1">
-                <a:latin typeface="Calibri" panose="020F0502020204030204" pitchFamily="34" charset="0"/>
-              </a:rPr>
-              <a:t>td</a:t>
-            </a:r>
-            <a:r>
-              <a:rPr lang="hr-HR" sz="1300" dirty="0">
-                <a:latin typeface="Calibri" panose="020F0502020204030204" pitchFamily="34" charset="0"/>
-              </a:rPr>
-              <a:t> </a:t>
-            </a:r>
-            <a:r>
-              <a:rPr lang="hr-HR" sz="1300" dirty="0" err="1">
-                <a:latin typeface="Calibri" panose="020F0502020204030204" pitchFamily="34" charset="0"/>
-              </a:rPr>
-              <a:t>id</a:t>
-            </a:r>
-            <a:r>
-              <a:rPr lang="hr-HR" sz="1300" dirty="0">
-                <a:latin typeface="Calibri" panose="020F0502020204030204" pitchFamily="34" charset="0"/>
-              </a:rPr>
-              <a:t>='</a:t>
-            </a:r>
-            <a:r>
-              <a:rPr lang="hr-HR" sz="1300" dirty="0" err="1">
-                <a:latin typeface="Calibri" panose="020F0502020204030204" pitchFamily="34" charset="0"/>
-              </a:rPr>
-              <a:t>newTasks</a:t>
-            </a:r>
-            <a:r>
-              <a:rPr lang="hr-HR" sz="1300" dirty="0">
-                <a:latin typeface="Calibri" panose="020F0502020204030204" pitchFamily="34" charset="0"/>
-              </a:rPr>
-              <a:t>' &gt;" + slika + "&lt;/</a:t>
-            </a:r>
-            <a:r>
-              <a:rPr lang="hr-HR" sz="1300" dirty="0" err="1">
-                <a:latin typeface="Calibri" panose="020F0502020204030204" pitchFamily="34" charset="0"/>
-              </a:rPr>
-              <a:t>td</a:t>
-            </a:r>
-            <a:r>
-              <a:rPr lang="hr-HR" sz="1300" dirty="0">
-                <a:latin typeface="Calibri" panose="020F0502020204030204" pitchFamily="34" charset="0"/>
-              </a:rPr>
-              <a:t>&gt;&lt;/</a:t>
-            </a:r>
-            <a:r>
-              <a:rPr lang="hr-HR" sz="1300" dirty="0" err="1">
-                <a:latin typeface="Calibri" panose="020F0502020204030204" pitchFamily="34" charset="0"/>
-              </a:rPr>
-              <a:t>tr</a:t>
-            </a:r>
-            <a:r>
-              <a:rPr lang="hr-HR" sz="1300" dirty="0">
-                <a:latin typeface="Calibri" panose="020F0502020204030204" pitchFamily="34" charset="0"/>
-              </a:rPr>
-              <a:t>&gt;&lt;/table</a:t>
-            </a:r>
-            <a:r>
-              <a:rPr lang="hr-HR" sz="1300" dirty="0" smtClean="0">
-                <a:latin typeface="Calibri" panose="020F0502020204030204" pitchFamily="34" charset="0"/>
-              </a:rPr>
-              <a:t>&gt;";</a:t>
+              <a:t>null</a:t>
+            </a:r>
+            <a:r>
+              <a:rPr lang="hr-HR" sz="1300" dirty="0">
+                <a:latin typeface="Calibri" panose="020F0502020204030204" pitchFamily="34" charset="0"/>
+              </a:rPr>
+              <a:t>;	</a:t>
             </a:r>
           </a:p>
           <a:p>
@@ -7071,204 +8251,16 @@
               <a:buNone/>
             </a:pPr>
             <a:r>
-              <a:rPr lang="hr-HR" sz="1300" dirty="0" smtClean="0">
+              <a:rPr lang="hr-HR" sz="1300" dirty="0">
                 <a:latin typeface="Calibri" panose="020F0502020204030204" pitchFamily="34" charset="0"/>
               </a:rPr>
               <a:t>}</a:t>
             </a:r>
           </a:p>
           <a:p>
-            <a:pPr marL="0" indent="0">
-              <a:buNone/>
-            </a:pPr>
-            <a:endParaRPr lang="hr-HR" sz="1300" i="1" dirty="0">
+            <a:endParaRPr lang="hr-HR" sz="1300" dirty="0" smtClean="0">
               <a:latin typeface="Calibri" panose="020F0502020204030204" pitchFamily="34" charset="0"/>
             </a:endParaRPr>
-          </a:p>
-          <a:p>
-            <a:r>
-              <a:rPr lang="hr-HR" dirty="0"/>
-              <a:t>Brisanje zabilješki</a:t>
-            </a:r>
-          </a:p>
-          <a:p>
-            <a:pPr marL="0" indent="0">
-              <a:buNone/>
-            </a:pPr>
-            <a:r>
-              <a:rPr lang="hr-HR" sz="1300" dirty="0" err="1">
-                <a:latin typeface="Calibri" panose="020F0502020204030204" pitchFamily="34" charset="0"/>
-              </a:rPr>
-              <a:t>function</a:t>
-            </a:r>
-            <a:r>
-              <a:rPr lang="hr-HR" sz="1300" dirty="0">
-                <a:latin typeface="Calibri" panose="020F0502020204030204" pitchFamily="34" charset="0"/>
-              </a:rPr>
-              <a:t> </a:t>
-            </a:r>
-            <a:r>
-              <a:rPr lang="hr-HR" sz="1300" dirty="0" err="1">
-                <a:latin typeface="Calibri" panose="020F0502020204030204" pitchFamily="34" charset="0"/>
-              </a:rPr>
-              <a:t>deletenote</a:t>
-            </a:r>
-            <a:r>
-              <a:rPr lang="hr-HR" sz="1300" dirty="0">
-                <a:latin typeface="Calibri" panose="020F0502020204030204" pitchFamily="34" charset="0"/>
-              </a:rPr>
-              <a:t>(</a:t>
-            </a:r>
-            <a:r>
-              <a:rPr lang="hr-HR" sz="1300" dirty="0" err="1">
-                <a:latin typeface="Calibri" panose="020F0502020204030204" pitchFamily="34" charset="0"/>
-              </a:rPr>
-              <a:t>tx</a:t>
-            </a:r>
-            <a:r>
-              <a:rPr lang="hr-HR" sz="1300" dirty="0">
-                <a:latin typeface="Calibri" panose="020F0502020204030204" pitchFamily="34" charset="0"/>
-              </a:rPr>
-              <a:t>)</a:t>
-            </a:r>
-          </a:p>
-          <a:p>
-            <a:pPr marL="0" indent="0">
-              <a:buNone/>
-            </a:pPr>
-            <a:r>
-              <a:rPr lang="hr-HR" sz="1300" dirty="0">
-                <a:latin typeface="Calibri" panose="020F0502020204030204" pitchFamily="34" charset="0"/>
-              </a:rPr>
-              <a:t>{</a:t>
-            </a:r>
-          </a:p>
-          <a:p>
-            <a:pPr marL="0" indent="0">
-              <a:buNone/>
-            </a:pPr>
-            <a:r>
-              <a:rPr lang="hr-HR" sz="1300" dirty="0">
-                <a:latin typeface="Calibri" panose="020F0502020204030204" pitchFamily="34" charset="0"/>
-              </a:rPr>
-              <a:t> </a:t>
-            </a:r>
-            <a:r>
-              <a:rPr lang="hr-HR" sz="1300" dirty="0" err="1">
-                <a:latin typeface="Calibri" panose="020F0502020204030204" pitchFamily="34" charset="0"/>
-              </a:rPr>
-              <a:t>tx.executeSql</a:t>
-            </a:r>
-            <a:r>
-              <a:rPr lang="hr-HR" sz="1300" dirty="0">
-                <a:latin typeface="Calibri" panose="020F0502020204030204" pitchFamily="34" charset="0"/>
-              </a:rPr>
-              <a:t>('DELETE FROM Notes WHERE </a:t>
-            </a:r>
-            <a:r>
-              <a:rPr lang="hr-HR" sz="1300" dirty="0" err="1">
-                <a:latin typeface="Calibri" panose="020F0502020204030204" pitchFamily="34" charset="0"/>
-              </a:rPr>
-              <a:t>id</a:t>
-            </a:r>
-            <a:r>
-              <a:rPr lang="hr-HR" sz="1300" dirty="0">
-                <a:latin typeface="Calibri" panose="020F0502020204030204" pitchFamily="34" charset="0"/>
-              </a:rPr>
-              <a:t> = ?', [id1]);</a:t>
-            </a:r>
-          </a:p>
-          <a:p>
-            <a:pPr marL="0" indent="0">
-              <a:buNone/>
-            </a:pPr>
-            <a:r>
-              <a:rPr lang="hr-HR" sz="1300" dirty="0">
-                <a:latin typeface="Calibri" panose="020F0502020204030204" pitchFamily="34" charset="0"/>
-              </a:rPr>
-              <a:t> </a:t>
-            </a:r>
-            <a:r>
-              <a:rPr lang="hr-HR" sz="1300" dirty="0" err="1">
-                <a:latin typeface="Calibri" panose="020F0502020204030204" pitchFamily="34" charset="0"/>
-              </a:rPr>
-              <a:t>window.location.reload</a:t>
-            </a:r>
-            <a:r>
-              <a:rPr lang="hr-HR" sz="1300" dirty="0">
-                <a:latin typeface="Calibri" panose="020F0502020204030204" pitchFamily="34" charset="0"/>
-              </a:rPr>
-              <a:t>(</a:t>
-            </a:r>
-            <a:r>
-              <a:rPr lang="hr-HR" sz="1300" dirty="0" err="1">
-                <a:latin typeface="Calibri" panose="020F0502020204030204" pitchFamily="34" charset="0"/>
-              </a:rPr>
-              <a:t>true</a:t>
-            </a:r>
-            <a:r>
-              <a:rPr lang="hr-HR" sz="1300" dirty="0">
-                <a:latin typeface="Calibri" panose="020F0502020204030204" pitchFamily="34" charset="0"/>
-              </a:rPr>
-              <a:t>);</a:t>
-            </a:r>
-          </a:p>
-          <a:p>
-            <a:pPr marL="0" indent="0">
-              <a:buNone/>
-            </a:pPr>
-            <a:r>
-              <a:rPr lang="hr-HR" sz="1300" dirty="0">
-                <a:latin typeface="Calibri" panose="020F0502020204030204" pitchFamily="34" charset="0"/>
-              </a:rPr>
-              <a:t> </a:t>
-            </a:r>
-            <a:r>
-              <a:rPr lang="hr-HR" sz="1300" dirty="0" err="1">
-                <a:latin typeface="Calibri" panose="020F0502020204030204" pitchFamily="34" charset="0"/>
-              </a:rPr>
-              <a:t>queryDB</a:t>
-            </a:r>
-            <a:r>
-              <a:rPr lang="hr-HR" sz="1300" dirty="0">
-                <a:latin typeface="Calibri" panose="020F0502020204030204" pitchFamily="34" charset="0"/>
-              </a:rPr>
-              <a:t>(</a:t>
-            </a:r>
-            <a:r>
-              <a:rPr lang="hr-HR" sz="1300" dirty="0" err="1">
-                <a:latin typeface="Calibri" panose="020F0502020204030204" pitchFamily="34" charset="0"/>
-              </a:rPr>
-              <a:t>tx</a:t>
-            </a:r>
-            <a:r>
-              <a:rPr lang="hr-HR" sz="1300" dirty="0">
-                <a:latin typeface="Calibri" panose="020F0502020204030204" pitchFamily="34" charset="0"/>
-              </a:rPr>
-              <a:t>);</a:t>
-            </a:r>
-          </a:p>
-          <a:p>
-            <a:pPr marL="0" indent="0">
-              <a:buNone/>
-            </a:pPr>
-            <a:r>
-              <a:rPr lang="hr-HR" sz="1300" dirty="0">
-                <a:latin typeface="Calibri" panose="020F0502020204030204" pitchFamily="34" charset="0"/>
-              </a:rPr>
-              <a:t> </a:t>
-            </a:r>
-          </a:p>
-          <a:p>
-            <a:pPr marL="0" indent="0">
-              <a:buNone/>
-            </a:pPr>
-            <a:r>
-              <a:rPr lang="hr-HR" sz="1300" dirty="0">
-                <a:latin typeface="Calibri" panose="020F0502020204030204" pitchFamily="34" charset="0"/>
-              </a:rPr>
-              <a:t>}</a:t>
-            </a:r>
           </a:p>
           <a:p>
             <a:pPr marL="0" indent="0">
@@ -7317,20 +8309,20 @@
     </p:spTree>
     <p:extLst>
       <p:ext uri="{BB962C8B-B14F-4D97-AF65-F5344CB8AC3E}">
-        <p14:creationId xmlns:p14="http://schemas.microsoft.com/office/powerpoint/2010/main" val="680300250"/>
+        <p14:creationId xmlns:p14="http://schemas.microsoft.com/office/powerpoint/2010/main" val="4043694706"/>
       </p:ext>
     </p:extLst>
   </p:cSld>
   <p:clrMapOvr>
     <a:masterClrMapping/>
   </p:clrMapOvr>
-  <mc:AlternateContent xmlns:mc="http://schemas.openxmlformats.org/markup-compatibility/2006">
-    <mc:Choice xmlns:p14="http://schemas.microsoft.com/office/powerpoint/2010/main" Requires="p14">
+  <mc:AlternateContent xmlns:mc="http://schemas.openxmlformats.org/markup-compatibility/2006" xmlns:p14="http://schemas.microsoft.com/office/powerpoint/2010/main">
+    <mc:Choice Requires="p14">
       <p:transition spd="med" p14:dur="700">
         <p:fade/>
       </p:transition>
     </mc:Choice>
-    <mc:Fallback>
+    <mc:Fallback xmlns="">
       <p:transition spd="med">
         <p:fade/>
       </p:transition>
@@ -7374,13 +8366,18 @@
         </p:spPr>
         <p:txBody>
           <a:bodyPr>
-            <a:normAutofit fontScale="85000" lnSpcReduction="20000"/>
+            <a:normAutofit/>
           </a:bodyPr>
           <a:lstStyle/>
           <a:p>
-            <a:r>
-              <a:rPr lang="hr-HR" dirty="0" smtClean="0"/>
-              <a:t>Pretraživanje zabilješki po tekstu</a:t>
+            <a:pPr>
+              <a:lnSpc>
+                <a:spcPct val="100000"/>
+              </a:lnSpc>
+            </a:pPr>
+            <a:r>
+              <a:rPr lang="hr-HR" dirty="0"/>
+              <a:t>Alarm zabilješke</a:t>
             </a:r>
           </a:p>
           <a:p>
@@ -7388,40 +8385,234 @@
               <a:buNone/>
             </a:pPr>
             <a:r>
-              <a:rPr lang="hr-HR" sz="1300" dirty="0" err="1" smtClean="0">
-                <a:latin typeface="Calibri" panose="020F0502020204030204" pitchFamily="34" charset="0"/>
-              </a:rPr>
-              <a:t>function</a:t>
-            </a:r>
-            <a:r>
-              <a:rPr lang="hr-HR" sz="1300" dirty="0" smtClean="0">
+              <a:rPr lang="hr-HR" sz="1400" dirty="0" err="1">
+                <a:latin typeface="Calibri" panose="020F0502020204030204" pitchFamily="34" charset="0"/>
+              </a:rPr>
+              <a:t>if</a:t>
+            </a:r>
+            <a:r>
+              <a:rPr lang="hr-HR" sz="1400" dirty="0">
+                <a:latin typeface="Calibri" panose="020F0502020204030204" pitchFamily="34" charset="0"/>
+              </a:rPr>
+              <a:t> (time == </a:t>
+            </a:r>
+            <a:r>
+              <a:rPr lang="hr-HR" sz="1400" dirty="0" err="1">
+                <a:latin typeface="Calibri" panose="020F0502020204030204" pitchFamily="34" charset="0"/>
+              </a:rPr>
+              <a:t>null</a:t>
+            </a:r>
+            <a:r>
+              <a:rPr lang="hr-HR" sz="1400" dirty="0">
+                <a:latin typeface="Calibri" panose="020F0502020204030204" pitchFamily="34" charset="0"/>
+              </a:rPr>
+              <a:t> || time == </a:t>
+            </a:r>
+            <a:r>
+              <a:rPr lang="hr-HR" sz="1400" dirty="0" err="1">
+                <a:latin typeface="Calibri" panose="020F0502020204030204" pitchFamily="34" charset="0"/>
+              </a:rPr>
+              <a:t>undefined</a:t>
+            </a:r>
+            <a:r>
+              <a:rPr lang="hr-HR" sz="1400" dirty="0">
+                <a:latin typeface="Calibri" panose="020F0502020204030204" pitchFamily="34" charset="0"/>
+              </a:rPr>
+              <a:t> || time == "")  </a:t>
+            </a:r>
+          </a:p>
+          <a:p>
+            <a:pPr marL="0" indent="0">
+              <a:buNone/>
+            </a:pPr>
+            <a:r>
+              <a:rPr lang="hr-HR" sz="1400" dirty="0">
+                <a:latin typeface="Calibri" panose="020F0502020204030204" pitchFamily="34" charset="0"/>
+              </a:rPr>
+              <a:t> {</a:t>
+            </a:r>
+            <a:br>
+              <a:rPr lang="hr-HR" sz="1400" dirty="0">
+                <a:latin typeface="Calibri" panose="020F0502020204030204" pitchFamily="34" charset="0"/>
+              </a:rPr>
+            </a:br>
+            <a:r>
+              <a:rPr lang="hr-HR" sz="1400" dirty="0">
+                <a:latin typeface="Calibri" panose="020F0502020204030204" pitchFamily="34" charset="0"/>
+              </a:rPr>
+              <a:t>	 </a:t>
+            </a:r>
+            <a:r>
+              <a:rPr lang="hr-HR" sz="1400" dirty="0" err="1">
+                <a:latin typeface="Calibri" panose="020F0502020204030204" pitchFamily="34" charset="0"/>
+              </a:rPr>
+              <a:t>continue</a:t>
+            </a:r>
+            <a:r>
+              <a:rPr lang="hr-HR" sz="1400" dirty="0">
+                <a:latin typeface="Calibri" panose="020F0502020204030204" pitchFamily="34" charset="0"/>
+              </a:rPr>
+              <a:t>;</a:t>
+            </a:r>
+            <a:br>
+              <a:rPr lang="hr-HR" sz="1400" dirty="0">
+                <a:latin typeface="Calibri" panose="020F0502020204030204" pitchFamily="34" charset="0"/>
+              </a:rPr>
+            </a:br>
+            <a:r>
+              <a:rPr lang="hr-HR" sz="1400" dirty="0">
+                <a:latin typeface="Calibri" panose="020F0502020204030204" pitchFamily="34" charset="0"/>
+              </a:rPr>
+              <a:t> }</a:t>
+            </a:r>
+            <a:br>
+              <a:rPr lang="hr-HR" sz="1400" dirty="0">
+                <a:latin typeface="Calibri" panose="020F0502020204030204" pitchFamily="34" charset="0"/>
+              </a:rPr>
+            </a:br>
+            <a:r>
+              <a:rPr lang="hr-HR" sz="1400" dirty="0">
                 <a:latin typeface="Calibri" panose="020F0502020204030204" pitchFamily="34" charset="0"/>
               </a:rPr>
               <a:t> </a:t>
             </a:r>
             <a:r>
-              <a:rPr lang="hr-HR" sz="1300" dirty="0" err="1" smtClean="0">
-                <a:latin typeface="Calibri" panose="020F0502020204030204" pitchFamily="34" charset="0"/>
-              </a:rPr>
-              <a:t>search</a:t>
-            </a:r>
-            <a:r>
-              <a:rPr lang="hr-HR" sz="1300" dirty="0" smtClean="0">
+              <a:rPr lang="hr-HR" sz="1400" dirty="0" err="1">
+                <a:latin typeface="Calibri" panose="020F0502020204030204" pitchFamily="34" charset="0"/>
+              </a:rPr>
+              <a:t>else</a:t>
+            </a:r>
+            <a:r>
+              <a:rPr lang="hr-HR" sz="1400" dirty="0">
+                <a:latin typeface="Calibri" panose="020F0502020204030204" pitchFamily="34" charset="0"/>
+              </a:rPr>
+              <a:t>{</a:t>
+            </a:r>
+            <a:br>
+              <a:rPr lang="hr-HR" sz="1400" dirty="0">
+                <a:latin typeface="Calibri" panose="020F0502020204030204" pitchFamily="34" charset="0"/>
+              </a:rPr>
+            </a:br>
+            <a:r>
+              <a:rPr lang="hr-HR" sz="1400" dirty="0">
+                <a:latin typeface="Calibri" panose="020F0502020204030204" pitchFamily="34" charset="0"/>
+              </a:rPr>
+              <a:t>    var da = </a:t>
+            </a:r>
+            <a:r>
+              <a:rPr lang="hr-HR" sz="1400" dirty="0" err="1">
+                <a:latin typeface="Calibri" panose="020F0502020204030204" pitchFamily="34" charset="0"/>
+              </a:rPr>
+              <a:t>new</a:t>
+            </a:r>
+            <a:r>
+              <a:rPr lang="hr-HR" sz="1400" dirty="0">
+                <a:latin typeface="Calibri" panose="020F0502020204030204" pitchFamily="34" charset="0"/>
+              </a:rPr>
+              <a:t> Date(time);</a:t>
+            </a:r>
+            <a:br>
+              <a:rPr lang="hr-HR" sz="1400" dirty="0">
+                <a:latin typeface="Calibri" panose="020F0502020204030204" pitchFamily="34" charset="0"/>
+              </a:rPr>
+            </a:br>
+            <a:r>
+              <a:rPr lang="hr-HR" sz="1400" dirty="0">
+                <a:latin typeface="Calibri" panose="020F0502020204030204" pitchFamily="34" charset="0"/>
+              </a:rPr>
+              <a:t>    var na = </a:t>
+            </a:r>
+            <a:r>
+              <a:rPr lang="hr-HR" sz="1400" dirty="0" err="1">
+                <a:latin typeface="Calibri" panose="020F0502020204030204" pitchFamily="34" charset="0"/>
+              </a:rPr>
+              <a:t>da.valueOf</a:t>
+            </a:r>
+            <a:r>
+              <a:rPr lang="hr-HR" sz="1400" dirty="0">
+                <a:latin typeface="Calibri" panose="020F0502020204030204" pitchFamily="34" charset="0"/>
+              </a:rPr>
+              <a:t>();</a:t>
+            </a:r>
+            <a:br>
+              <a:rPr lang="hr-HR" sz="1400" dirty="0">
+                <a:latin typeface="Calibri" panose="020F0502020204030204" pitchFamily="34" charset="0"/>
+              </a:rPr>
+            </a:br>
+            <a:r>
+              <a:rPr lang="hr-HR" sz="1400" dirty="0">
+                <a:latin typeface="Calibri" panose="020F0502020204030204" pitchFamily="34" charset="0"/>
+              </a:rPr>
+              <a:t>	 </a:t>
+            </a:r>
+            <a:r>
+              <a:rPr lang="hr-HR" sz="1400" dirty="0" err="1">
+                <a:latin typeface="Calibri" panose="020F0502020204030204" pitchFamily="34" charset="0"/>
+              </a:rPr>
+              <a:t>if</a:t>
+            </a:r>
+            <a:r>
+              <a:rPr lang="hr-HR" sz="1400" dirty="0">
+                <a:latin typeface="Calibri" panose="020F0502020204030204" pitchFamily="34" charset="0"/>
+              </a:rPr>
+              <a:t> (n &lt; na)</a:t>
+            </a:r>
+          </a:p>
+          <a:p>
+            <a:pPr marL="0" indent="0">
+              <a:buNone/>
+            </a:pPr>
+            <a:r>
+              <a:rPr lang="hr-HR" sz="1400" dirty="0">
+                <a:latin typeface="Calibri" panose="020F0502020204030204" pitchFamily="34" charset="0"/>
+              </a:rPr>
+              <a:t>	 {</a:t>
+            </a:r>
+            <a:br>
+              <a:rPr lang="hr-HR" sz="1400" dirty="0">
+                <a:latin typeface="Calibri" panose="020F0502020204030204" pitchFamily="34" charset="0"/>
+              </a:rPr>
+            </a:br>
+            <a:r>
+              <a:rPr lang="hr-HR" sz="1400" dirty="0">
+                <a:latin typeface="Calibri" panose="020F0502020204030204" pitchFamily="34" charset="0"/>
+              </a:rPr>
+              <a:t>        </a:t>
+            </a:r>
+            <a:r>
+              <a:rPr lang="hr-HR" sz="1400" dirty="0" err="1">
+                <a:latin typeface="Calibri" panose="020F0502020204030204" pitchFamily="34" charset="0"/>
+              </a:rPr>
+              <a:t>scheduleDelayed</a:t>
+            </a:r>
+            <a:r>
+              <a:rPr lang="hr-HR" sz="1400" dirty="0">
                 <a:latin typeface="Calibri" panose="020F0502020204030204" pitchFamily="34" charset="0"/>
               </a:rPr>
               <a:t>(</a:t>
             </a:r>
             <a:r>
-              <a:rPr lang="hr-HR" sz="1300" dirty="0" err="1" smtClean="0">
-                <a:latin typeface="Calibri" panose="020F0502020204030204" pitchFamily="34" charset="0"/>
-              </a:rPr>
-              <a:t>tx</a:t>
-            </a:r>
-            <a:r>
-              <a:rPr lang="hr-HR" sz="1300" dirty="0" smtClean="0">
-                <a:latin typeface="Calibri" panose="020F0502020204030204" pitchFamily="34" charset="0"/>
-              </a:rPr>
-              <a:t>)</a:t>
+              <a:rPr lang="hr-HR" sz="1400" dirty="0" err="1">
+                <a:latin typeface="Calibri" panose="020F0502020204030204" pitchFamily="34" charset="0"/>
+              </a:rPr>
+              <a:t>x,time,category,notetxt</a:t>
+            </a:r>
+            <a:r>
+              <a:rPr lang="hr-HR" sz="1400" dirty="0">
+                <a:latin typeface="Calibri" panose="020F0502020204030204" pitchFamily="34" charset="0"/>
+              </a:rPr>
+              <a:t>);</a:t>
+            </a:r>
+            <a:br>
+              <a:rPr lang="hr-HR" sz="1400" dirty="0">
+                <a:latin typeface="Calibri" panose="020F0502020204030204" pitchFamily="34" charset="0"/>
+              </a:rPr>
+            </a:br>
+            <a:r>
+              <a:rPr lang="hr-HR" sz="1400" dirty="0">
+                <a:latin typeface="Calibri" panose="020F0502020204030204" pitchFamily="34" charset="0"/>
+              </a:rPr>
+              <a:t>	 }</a:t>
             </a:r>
           </a:p>
           <a:p>
@@ -7429,989 +8620,11 @@
               <a:buNone/>
             </a:pPr>
             <a:r>
-              <a:rPr lang="hr-HR" sz="1300" dirty="0" smtClean="0">
-                <a:latin typeface="Calibri" panose="020F0502020204030204" pitchFamily="34" charset="0"/>
-              </a:rPr>
-              <a:t>{</a:t>
-            </a:r>
-          </a:p>
-          <a:p>
-            <a:pPr marL="0" indent="0">
-              <a:buNone/>
-            </a:pPr>
-            <a:r>
-              <a:rPr lang="hr-HR" sz="1300" dirty="0" smtClean="0">
-                <a:latin typeface="Calibri" panose="020F0502020204030204" pitchFamily="34" charset="0"/>
-              </a:rPr>
-              <a:t>    </a:t>
-            </a:r>
-            <a:r>
-              <a:rPr lang="hr-HR" sz="1300" dirty="0" err="1" smtClean="0">
-                <a:latin typeface="Calibri" panose="020F0502020204030204" pitchFamily="34" charset="0"/>
-              </a:rPr>
-              <a:t>search_text</a:t>
-            </a:r>
-            <a:r>
-              <a:rPr lang="hr-HR" sz="1300" dirty="0" smtClean="0">
-                <a:latin typeface="Calibri" panose="020F0502020204030204" pitchFamily="34" charset="0"/>
-              </a:rPr>
-              <a:t> = </a:t>
-            </a:r>
-            <a:r>
-              <a:rPr lang="hr-HR" sz="1300" dirty="0" err="1" smtClean="0">
-                <a:latin typeface="Calibri" panose="020F0502020204030204" pitchFamily="34" charset="0"/>
-              </a:rPr>
-              <a:t>document.getElementById</a:t>
-            </a:r>
-            <a:r>
-              <a:rPr lang="hr-HR" sz="1300" dirty="0" smtClean="0">
-                <a:latin typeface="Calibri" panose="020F0502020204030204" pitchFamily="34" charset="0"/>
-              </a:rPr>
-              <a:t>('</a:t>
-            </a:r>
-            <a:r>
-              <a:rPr lang="hr-HR" sz="1300" dirty="0" err="1" smtClean="0">
-                <a:latin typeface="Calibri" panose="020F0502020204030204" pitchFamily="34" charset="0"/>
-              </a:rPr>
-              <a:t>search</a:t>
-            </a:r>
-            <a:r>
-              <a:rPr lang="hr-HR" sz="1300" dirty="0" smtClean="0">
-                <a:latin typeface="Calibri" panose="020F0502020204030204" pitchFamily="34" charset="0"/>
-              </a:rPr>
-              <a:t>').</a:t>
-            </a:r>
-            <a:r>
-              <a:rPr lang="hr-HR" sz="1300" dirty="0" err="1" smtClean="0">
-                <a:latin typeface="Calibri" panose="020F0502020204030204" pitchFamily="34" charset="0"/>
-              </a:rPr>
-              <a:t>value</a:t>
-            </a:r>
-            <a:r>
-              <a:rPr lang="hr-HR" sz="1300" dirty="0" smtClean="0">
-                <a:latin typeface="Calibri" panose="020F0502020204030204" pitchFamily="34" charset="0"/>
-              </a:rPr>
-              <a:t>;</a:t>
-            </a:r>
-          </a:p>
-          <a:p>
-            <a:pPr marL="0" indent="0">
-              <a:buNone/>
-            </a:pPr>
-            <a:r>
-              <a:rPr lang="hr-HR" sz="1300" dirty="0" smtClean="0">
-                <a:latin typeface="Calibri" panose="020F0502020204030204" pitchFamily="34" charset="0"/>
-              </a:rPr>
-              <a:t>    </a:t>
-            </a:r>
-            <a:r>
-              <a:rPr lang="hr-HR" sz="1300" dirty="0" err="1" smtClean="0">
-                <a:latin typeface="Calibri" panose="020F0502020204030204" pitchFamily="34" charset="0"/>
-              </a:rPr>
-              <a:t>tx.executeSql</a:t>
-            </a:r>
-            <a:r>
-              <a:rPr lang="hr-HR" sz="1300" dirty="0" smtClean="0">
-                <a:latin typeface="Calibri" panose="020F0502020204030204" pitchFamily="34" charset="0"/>
-              </a:rPr>
-              <a:t>("SELECT </a:t>
-            </a:r>
-            <a:r>
-              <a:rPr lang="hr-HR" sz="1300" dirty="0" err="1" smtClean="0">
-                <a:latin typeface="Calibri" panose="020F0502020204030204" pitchFamily="34" charset="0"/>
-              </a:rPr>
-              <a:t>id</a:t>
-            </a:r>
-            <a:r>
-              <a:rPr lang="hr-HR" sz="1300" dirty="0" smtClean="0">
-                <a:latin typeface="Calibri" panose="020F0502020204030204" pitchFamily="34" charset="0"/>
-              </a:rPr>
-              <a:t>, Note, Date, </a:t>
-            </a:r>
-            <a:r>
-              <a:rPr lang="hr-HR" sz="1300" dirty="0" err="1" smtClean="0">
-                <a:latin typeface="Calibri" panose="020F0502020204030204" pitchFamily="34" charset="0"/>
-              </a:rPr>
-              <a:t>Colour</a:t>
-            </a:r>
-            <a:r>
-              <a:rPr lang="hr-HR" sz="1300" dirty="0" smtClean="0">
-                <a:latin typeface="Calibri" panose="020F0502020204030204" pitchFamily="34" charset="0"/>
-              </a:rPr>
-              <a:t> </a:t>
-            </a:r>
-            <a:r>
-              <a:rPr lang="hr-HR" sz="1300" dirty="0" err="1" smtClean="0">
-                <a:latin typeface="Calibri" panose="020F0502020204030204" pitchFamily="34" charset="0"/>
-              </a:rPr>
-              <a:t>from</a:t>
-            </a:r>
-            <a:r>
-              <a:rPr lang="hr-HR" sz="1300" dirty="0" smtClean="0">
-                <a:latin typeface="Calibri" panose="020F0502020204030204" pitchFamily="34" charset="0"/>
-              </a:rPr>
-              <a:t> Notes WHERE Note </a:t>
-            </a:r>
-            <a:r>
-              <a:rPr lang="hr-HR" sz="1300" dirty="0" err="1" smtClean="0">
-                <a:latin typeface="Calibri" panose="020F0502020204030204" pitchFamily="34" charset="0"/>
-              </a:rPr>
-              <a:t>like</a:t>
-            </a:r>
-            <a:r>
-              <a:rPr lang="hr-HR" sz="1300" dirty="0" smtClean="0">
-                <a:latin typeface="Calibri" panose="020F0502020204030204" pitchFamily="34" charset="0"/>
-              </a:rPr>
-              <a:t> ?;", [</a:t>
-            </a:r>
-            <a:r>
-              <a:rPr lang="hr-HR" sz="1300" dirty="0" err="1" smtClean="0">
-                <a:latin typeface="Calibri" panose="020F0502020204030204" pitchFamily="34" charset="0"/>
-              </a:rPr>
-              <a:t>search_text</a:t>
-            </a:r>
-            <a:r>
-              <a:rPr lang="hr-HR" sz="1300" dirty="0" smtClean="0">
-                <a:latin typeface="Calibri" panose="020F0502020204030204" pitchFamily="34" charset="0"/>
-              </a:rPr>
-              <a:t>], </a:t>
-            </a:r>
-            <a:r>
-              <a:rPr lang="hr-HR" sz="1300" dirty="0" err="1" smtClean="0">
-                <a:latin typeface="Calibri" panose="020F0502020204030204" pitchFamily="34" charset="0"/>
-              </a:rPr>
-              <a:t>querySuccess</a:t>
-            </a:r>
-            <a:r>
-              <a:rPr lang="hr-HR" sz="1300" dirty="0" smtClean="0">
-                <a:latin typeface="Calibri" panose="020F0502020204030204" pitchFamily="34" charset="0"/>
-              </a:rPr>
-              <a:t>, </a:t>
-            </a:r>
-            <a:r>
-              <a:rPr lang="hr-HR" sz="1300" dirty="0" err="1" smtClean="0">
-                <a:latin typeface="Calibri" panose="020F0502020204030204" pitchFamily="34" charset="0"/>
-              </a:rPr>
-              <a:t>errorCB</a:t>
-            </a:r>
-            <a:r>
-              <a:rPr lang="hr-HR" sz="1300" dirty="0" smtClean="0">
-                <a:latin typeface="Calibri" panose="020F0502020204030204" pitchFamily="34" charset="0"/>
-              </a:rPr>
-              <a:t>);</a:t>
-            </a:r>
-          </a:p>
-          <a:p>
-            <a:pPr marL="0" indent="0">
-              <a:buNone/>
-            </a:pPr>
-            <a:r>
-              <a:rPr lang="hr-HR" sz="1300" dirty="0" smtClean="0">
-                <a:latin typeface="Calibri" panose="020F0502020204030204" pitchFamily="34" charset="0"/>
-              </a:rPr>
-              <a:t>    </a:t>
-            </a:r>
-            <a:r>
-              <a:rPr lang="hr-HR" sz="1300" dirty="0" err="1" smtClean="0">
-                <a:latin typeface="Calibri" panose="020F0502020204030204" pitchFamily="34" charset="0"/>
-              </a:rPr>
-              <a:t>if</a:t>
-            </a:r>
-            <a:r>
-              <a:rPr lang="hr-HR" sz="1300" dirty="0" smtClean="0">
-                <a:latin typeface="Calibri" panose="020F0502020204030204" pitchFamily="34" charset="0"/>
-              </a:rPr>
-              <a:t>(!</a:t>
-            </a:r>
-            <a:r>
-              <a:rPr lang="hr-HR" sz="1300" dirty="0" err="1" smtClean="0">
-                <a:latin typeface="Calibri" panose="020F0502020204030204" pitchFamily="34" charset="0"/>
-              </a:rPr>
-              <a:t>search_text</a:t>
-            </a:r>
-            <a:r>
-              <a:rPr lang="hr-HR" sz="1300" dirty="0" smtClean="0">
-                <a:latin typeface="Calibri" panose="020F0502020204030204" pitchFamily="34" charset="0"/>
-              </a:rPr>
-              <a:t>){</a:t>
-            </a:r>
-          </a:p>
-          <a:p>
-            <a:pPr marL="0" indent="0">
-              <a:buNone/>
-            </a:pPr>
-            <a:r>
-              <a:rPr lang="hr-HR" sz="1300" dirty="0" smtClean="0">
-                <a:latin typeface="Calibri" panose="020F0502020204030204" pitchFamily="34" charset="0"/>
-              </a:rPr>
-              <a:t>       </a:t>
-            </a:r>
-            <a:r>
-              <a:rPr lang="hr-HR" sz="1300" dirty="0" err="1" smtClean="0">
-                <a:latin typeface="Calibri" panose="020F0502020204030204" pitchFamily="34" charset="0"/>
-              </a:rPr>
-              <a:t>tx.executeSql</a:t>
-            </a:r>
-            <a:r>
-              <a:rPr lang="hr-HR" sz="1300" dirty="0" smtClean="0">
-                <a:latin typeface="Calibri" panose="020F0502020204030204" pitchFamily="34" charset="0"/>
-              </a:rPr>
-              <a:t>("SELECT </a:t>
-            </a:r>
-            <a:r>
-              <a:rPr lang="hr-HR" sz="1300" dirty="0" err="1" smtClean="0">
-                <a:latin typeface="Calibri" panose="020F0502020204030204" pitchFamily="34" charset="0"/>
-              </a:rPr>
-              <a:t>id</a:t>
-            </a:r>
-            <a:r>
-              <a:rPr lang="hr-HR" sz="1300" dirty="0" smtClean="0">
-                <a:latin typeface="Calibri" panose="020F0502020204030204" pitchFamily="34" charset="0"/>
-              </a:rPr>
-              <a:t>, Note, Date, </a:t>
-            </a:r>
-            <a:r>
-              <a:rPr lang="hr-HR" sz="1300" dirty="0" err="1" smtClean="0">
-                <a:latin typeface="Calibri" panose="020F0502020204030204" pitchFamily="34" charset="0"/>
-              </a:rPr>
-              <a:t>Colour</a:t>
-            </a:r>
-            <a:r>
-              <a:rPr lang="hr-HR" sz="1300" dirty="0" smtClean="0">
-                <a:latin typeface="Calibri" panose="020F0502020204030204" pitchFamily="34" charset="0"/>
-              </a:rPr>
-              <a:t> </a:t>
-            </a:r>
-            <a:r>
-              <a:rPr lang="hr-HR" sz="1300" dirty="0" err="1" smtClean="0">
-                <a:latin typeface="Calibri" panose="020F0502020204030204" pitchFamily="34" charset="0"/>
-              </a:rPr>
-              <a:t>from</a:t>
-            </a:r>
-            <a:r>
-              <a:rPr lang="hr-HR" sz="1300" dirty="0" smtClean="0">
-                <a:latin typeface="Calibri" panose="020F0502020204030204" pitchFamily="34" charset="0"/>
-              </a:rPr>
-              <a:t> Notes;", [], </a:t>
-            </a:r>
-            <a:r>
-              <a:rPr lang="hr-HR" sz="1300" dirty="0" err="1" smtClean="0">
-                <a:latin typeface="Calibri" panose="020F0502020204030204" pitchFamily="34" charset="0"/>
-              </a:rPr>
-              <a:t>querySuccess</a:t>
-            </a:r>
-            <a:r>
-              <a:rPr lang="hr-HR" sz="1300" dirty="0" smtClean="0">
-                <a:latin typeface="Calibri" panose="020F0502020204030204" pitchFamily="34" charset="0"/>
-              </a:rPr>
-              <a:t>, </a:t>
-            </a:r>
-            <a:r>
-              <a:rPr lang="hr-HR" sz="1300" dirty="0" err="1" smtClean="0">
-                <a:latin typeface="Calibri" panose="020F0502020204030204" pitchFamily="34" charset="0"/>
-              </a:rPr>
-              <a:t>errorCB</a:t>
-            </a:r>
-            <a:r>
-              <a:rPr lang="hr-HR" sz="1300" dirty="0" smtClean="0">
-                <a:latin typeface="Calibri" panose="020F0502020204030204" pitchFamily="34" charset="0"/>
-              </a:rPr>
-              <a:t>);</a:t>
-            </a:r>
-          </a:p>
-          <a:p>
-            <a:pPr marL="0" indent="0">
-              <a:buNone/>
-            </a:pPr>
-            <a:r>
-              <a:rPr lang="hr-HR" sz="1300" dirty="0" smtClean="0">
-                <a:latin typeface="Calibri" panose="020F0502020204030204" pitchFamily="34" charset="0"/>
-              </a:rPr>
-              <a:t>}}</a:t>
-            </a:r>
-          </a:p>
-          <a:p>
-            <a:r>
-              <a:rPr lang="hr-HR" dirty="0"/>
-              <a:t>Pretraživanje zabilješki po kategoriji</a:t>
-            </a:r>
-          </a:p>
-          <a:p>
-            <a:pPr marL="0" indent="0">
-              <a:buNone/>
-            </a:pPr>
-            <a:r>
-              <a:rPr lang="hr-HR" sz="1300" dirty="0" err="1">
-                <a:latin typeface="Calibri" panose="020F0502020204030204" pitchFamily="34" charset="0"/>
-              </a:rPr>
-              <a:t>function</a:t>
-            </a:r>
-            <a:r>
-              <a:rPr lang="hr-HR" sz="1300" dirty="0">
-                <a:latin typeface="Calibri" panose="020F0502020204030204" pitchFamily="34" charset="0"/>
-              </a:rPr>
-              <a:t> </a:t>
-            </a:r>
-            <a:r>
-              <a:rPr lang="hr-HR" sz="1300" dirty="0" err="1">
-                <a:latin typeface="Calibri" panose="020F0502020204030204" pitchFamily="34" charset="0"/>
-              </a:rPr>
-              <a:t>select</a:t>
-            </a:r>
-            <a:r>
-              <a:rPr lang="hr-HR" sz="1300" dirty="0">
-                <a:latin typeface="Calibri" panose="020F0502020204030204" pitchFamily="34" charset="0"/>
-              </a:rPr>
-              <a:t>(</a:t>
-            </a:r>
-            <a:r>
-              <a:rPr lang="hr-HR" sz="1300" dirty="0" err="1">
-                <a:latin typeface="Calibri" panose="020F0502020204030204" pitchFamily="34" charset="0"/>
-              </a:rPr>
-              <a:t>tx</a:t>
-            </a:r>
-            <a:r>
-              <a:rPr lang="hr-HR" sz="1300" dirty="0">
-                <a:latin typeface="Calibri" panose="020F0502020204030204" pitchFamily="34" charset="0"/>
-              </a:rPr>
-              <a:t>)</a:t>
-            </a:r>
-          </a:p>
-          <a:p>
-            <a:pPr marL="0" indent="0">
-              <a:buNone/>
-            </a:pPr>
-            <a:r>
-              <a:rPr lang="hr-HR" sz="1300" dirty="0">
-                <a:latin typeface="Calibri" panose="020F0502020204030204" pitchFamily="34" charset="0"/>
-              </a:rPr>
-              <a:t>{</a:t>
-            </a:r>
-          </a:p>
-          <a:p>
-            <a:pPr marL="0" indent="0">
-              <a:buNone/>
-            </a:pPr>
-            <a:r>
-              <a:rPr lang="hr-HR" sz="1300" dirty="0" err="1">
-                <a:latin typeface="Calibri" panose="020F0502020204030204" pitchFamily="34" charset="0"/>
-              </a:rPr>
-              <a:t>selections</a:t>
-            </a:r>
-            <a:r>
-              <a:rPr lang="hr-HR" sz="1300" dirty="0">
-                <a:latin typeface="Calibri" panose="020F0502020204030204" pitchFamily="34" charset="0"/>
-              </a:rPr>
-              <a:t> = </a:t>
-            </a:r>
-            <a:r>
-              <a:rPr lang="hr-HR" sz="1300" dirty="0" err="1">
-                <a:latin typeface="Calibri" panose="020F0502020204030204" pitchFamily="34" charset="0"/>
-              </a:rPr>
-              <a:t>document.getElementById</a:t>
-            </a:r>
-            <a:r>
-              <a:rPr lang="hr-HR" sz="1300" dirty="0">
-                <a:latin typeface="Calibri" panose="020F0502020204030204" pitchFamily="34" charset="0"/>
-              </a:rPr>
-              <a:t>('</a:t>
-            </a:r>
-            <a:r>
-              <a:rPr lang="hr-HR" sz="1300" dirty="0" err="1">
-                <a:latin typeface="Calibri" panose="020F0502020204030204" pitchFamily="34" charset="0"/>
-              </a:rPr>
-              <a:t>selects</a:t>
-            </a:r>
-            <a:r>
-              <a:rPr lang="hr-HR" sz="1300" dirty="0">
-                <a:latin typeface="Calibri" panose="020F0502020204030204" pitchFamily="34" charset="0"/>
-              </a:rPr>
-              <a:t>').</a:t>
-            </a:r>
-            <a:r>
-              <a:rPr lang="hr-HR" sz="1300" dirty="0" err="1">
-                <a:latin typeface="Calibri" panose="020F0502020204030204" pitchFamily="34" charset="0"/>
-              </a:rPr>
-              <a:t>value</a:t>
-            </a:r>
-            <a:r>
-              <a:rPr lang="hr-HR" sz="1300" dirty="0">
-                <a:latin typeface="Calibri" panose="020F0502020204030204" pitchFamily="34" charset="0"/>
-              </a:rPr>
-              <a:t>;</a:t>
-            </a:r>
-          </a:p>
-          <a:p>
-            <a:pPr marL="0" indent="0">
-              <a:buNone/>
-            </a:pPr>
-            <a:r>
-              <a:rPr lang="hr-HR" sz="1300" dirty="0" err="1">
-                <a:latin typeface="Calibri" panose="020F0502020204030204" pitchFamily="34" charset="0"/>
-              </a:rPr>
-              <a:t>if</a:t>
-            </a:r>
-            <a:r>
-              <a:rPr lang="hr-HR" sz="1300" dirty="0">
-                <a:latin typeface="Calibri" panose="020F0502020204030204" pitchFamily="34" charset="0"/>
-              </a:rPr>
-              <a:t>(</a:t>
-            </a:r>
-            <a:r>
-              <a:rPr lang="hr-HR" sz="1300" dirty="0" err="1">
-                <a:latin typeface="Calibri" panose="020F0502020204030204" pitchFamily="34" charset="0"/>
-              </a:rPr>
-              <a:t>selections</a:t>
-            </a:r>
-            <a:r>
-              <a:rPr lang="hr-HR" sz="1300" dirty="0">
-                <a:latin typeface="Calibri" panose="020F0502020204030204" pitchFamily="34" charset="0"/>
-              </a:rPr>
-              <a:t>=='All')</a:t>
-            </a:r>
-          </a:p>
-          <a:p>
-            <a:pPr marL="0" indent="0">
-              <a:buNone/>
-            </a:pPr>
-            <a:r>
-              <a:rPr lang="hr-HR" sz="1300" dirty="0">
-                <a:latin typeface="Calibri" panose="020F0502020204030204" pitchFamily="34" charset="0"/>
-              </a:rPr>
-              <a:t>{</a:t>
-            </a:r>
-          </a:p>
-          <a:p>
-            <a:pPr marL="0" indent="0">
-              <a:buNone/>
-            </a:pPr>
-            <a:r>
-              <a:rPr lang="hr-HR" sz="1300" dirty="0">
-                <a:latin typeface="Calibri" panose="020F0502020204030204" pitchFamily="34" charset="0"/>
-              </a:rPr>
-              <a:t>	</a:t>
-            </a:r>
-            <a:r>
-              <a:rPr lang="hr-HR" sz="1300" dirty="0" err="1">
-                <a:latin typeface="Calibri" panose="020F0502020204030204" pitchFamily="34" charset="0"/>
-              </a:rPr>
-              <a:t>queryDB</a:t>
-            </a:r>
-            <a:r>
-              <a:rPr lang="hr-HR" sz="1300" dirty="0">
-                <a:latin typeface="Calibri" panose="020F0502020204030204" pitchFamily="34" charset="0"/>
-              </a:rPr>
-              <a:t>(</a:t>
-            </a:r>
-            <a:r>
-              <a:rPr lang="hr-HR" sz="1300" dirty="0" err="1">
-                <a:latin typeface="Calibri" panose="020F0502020204030204" pitchFamily="34" charset="0"/>
-              </a:rPr>
-              <a:t>tx</a:t>
-            </a:r>
-            <a:r>
-              <a:rPr lang="hr-HR" sz="1300" dirty="0">
-                <a:latin typeface="Calibri" panose="020F0502020204030204" pitchFamily="34" charset="0"/>
-              </a:rPr>
-              <a:t>);</a:t>
-            </a:r>
-          </a:p>
-          <a:p>
-            <a:pPr marL="0" indent="0">
-              <a:buNone/>
-            </a:pPr>
-            <a:r>
-              <a:rPr lang="hr-HR" sz="1300" dirty="0">
+              <a:rPr lang="hr-HR" sz="1400" dirty="0">
                 <a:latin typeface="Calibri" panose="020F0502020204030204" pitchFamily="34" charset="0"/>
               </a:rPr>
               <a:t>}</a:t>
             </a:r>
-          </a:p>
-          <a:p>
-            <a:pPr marL="0" indent="0">
-              <a:buNone/>
-            </a:pPr>
-            <a:r>
-              <a:rPr lang="hr-HR" sz="1300" dirty="0" err="1">
-                <a:latin typeface="Calibri" panose="020F0502020204030204" pitchFamily="34" charset="0"/>
-              </a:rPr>
-              <a:t>else</a:t>
-            </a:r>
-            <a:r>
-              <a:rPr lang="hr-HR" sz="1300" dirty="0">
-                <a:latin typeface="Calibri" panose="020F0502020204030204" pitchFamily="34" charset="0"/>
-              </a:rPr>
-              <a:t>{</a:t>
-            </a:r>
-          </a:p>
-          <a:p>
-            <a:pPr marL="0" indent="0">
-              <a:buNone/>
-            </a:pPr>
-            <a:r>
-              <a:rPr lang="hr-HR" sz="1300" dirty="0">
-                <a:latin typeface="Calibri" panose="020F0502020204030204" pitchFamily="34" charset="0"/>
-              </a:rPr>
-              <a:t>	var </a:t>
-            </a:r>
-            <a:r>
-              <a:rPr lang="hr-HR" sz="1300" dirty="0" err="1">
-                <a:latin typeface="Calibri" panose="020F0502020204030204" pitchFamily="34" charset="0"/>
-              </a:rPr>
-              <a:t>select_id</a:t>
-            </a:r>
-            <a:r>
-              <a:rPr lang="hr-HR" sz="1300" dirty="0">
-                <a:latin typeface="Calibri" panose="020F0502020204030204" pitchFamily="34" charset="0"/>
-              </a:rPr>
-              <a:t> = </a:t>
-            </a:r>
-            <a:r>
-              <a:rPr lang="hr-HR" sz="1300" dirty="0" err="1">
-                <a:latin typeface="Calibri" panose="020F0502020204030204" pitchFamily="34" charset="0"/>
-              </a:rPr>
-              <a:t>tx.executeSql</a:t>
-            </a:r>
-            <a:r>
-              <a:rPr lang="hr-HR" sz="1300" dirty="0">
-                <a:latin typeface="Calibri" panose="020F0502020204030204" pitchFamily="34" charset="0"/>
-              </a:rPr>
-              <a:t>("SELECT </a:t>
-            </a:r>
-            <a:r>
-              <a:rPr lang="hr-HR" sz="1300" dirty="0" err="1">
-                <a:latin typeface="Calibri" panose="020F0502020204030204" pitchFamily="34" charset="0"/>
-              </a:rPr>
-              <a:t>id</a:t>
-            </a:r>
-            <a:r>
-              <a:rPr lang="hr-HR" sz="1300" dirty="0">
-                <a:latin typeface="Calibri" panose="020F0502020204030204" pitchFamily="34" charset="0"/>
-              </a:rPr>
-              <a:t>, </a:t>
-            </a:r>
-            <a:r>
-              <a:rPr lang="hr-HR" sz="1300" dirty="0" err="1">
-                <a:latin typeface="Calibri" panose="020F0502020204030204" pitchFamily="34" charset="0"/>
-              </a:rPr>
-              <a:t>category_name</a:t>
-            </a:r>
-            <a:r>
-              <a:rPr lang="hr-HR" sz="1300" dirty="0">
-                <a:latin typeface="Calibri" panose="020F0502020204030204" pitchFamily="34" charset="0"/>
-              </a:rPr>
-              <a:t> </a:t>
-            </a:r>
-            <a:r>
-              <a:rPr lang="hr-HR" sz="1300" dirty="0" err="1">
-                <a:latin typeface="Calibri" panose="020F0502020204030204" pitchFamily="34" charset="0"/>
-              </a:rPr>
-              <a:t>from</a:t>
-            </a:r>
-            <a:r>
-              <a:rPr lang="hr-HR" sz="1300" dirty="0">
-                <a:latin typeface="Calibri" panose="020F0502020204030204" pitchFamily="34" charset="0"/>
-              </a:rPr>
-              <a:t> </a:t>
-            </a:r>
-            <a:r>
-              <a:rPr lang="hr-HR" sz="1300" dirty="0" err="1">
-                <a:latin typeface="Calibri" panose="020F0502020204030204" pitchFamily="34" charset="0"/>
-              </a:rPr>
-              <a:t>Category</a:t>
-            </a:r>
-            <a:r>
-              <a:rPr lang="hr-HR" sz="1300" dirty="0">
-                <a:latin typeface="Calibri" panose="020F0502020204030204" pitchFamily="34" charset="0"/>
-              </a:rPr>
-              <a:t> WHERE </a:t>
-            </a:r>
-            <a:r>
-              <a:rPr lang="hr-HR" sz="1300" dirty="0" err="1">
-                <a:latin typeface="Calibri" panose="020F0502020204030204" pitchFamily="34" charset="0"/>
-              </a:rPr>
-              <a:t>category_name</a:t>
-            </a:r>
-            <a:r>
-              <a:rPr lang="hr-HR" sz="1300" dirty="0">
-                <a:latin typeface="Calibri" panose="020F0502020204030204" pitchFamily="34" charset="0"/>
-              </a:rPr>
-              <a:t> </a:t>
-            </a:r>
-            <a:r>
-              <a:rPr lang="hr-HR" sz="1300" dirty="0" err="1">
-                <a:latin typeface="Calibri" panose="020F0502020204030204" pitchFamily="34" charset="0"/>
-              </a:rPr>
-              <a:t>like</a:t>
-            </a:r>
-            <a:r>
-              <a:rPr lang="hr-HR" sz="1300" dirty="0">
-                <a:latin typeface="Calibri" panose="020F0502020204030204" pitchFamily="34" charset="0"/>
-              </a:rPr>
-              <a:t> ?;", [</a:t>
-            </a:r>
-            <a:r>
-              <a:rPr lang="hr-HR" sz="1300" dirty="0" err="1">
-                <a:latin typeface="Calibri" panose="020F0502020204030204" pitchFamily="34" charset="0"/>
-              </a:rPr>
-              <a:t>selections</a:t>
-            </a:r>
-            <a:r>
-              <a:rPr lang="hr-HR" sz="1300" dirty="0">
-                <a:latin typeface="Calibri" panose="020F0502020204030204" pitchFamily="34" charset="0"/>
-              </a:rPr>
-              <a:t>], </a:t>
-            </a:r>
-            <a:r>
-              <a:rPr lang="hr-HR" sz="1300" dirty="0" err="1">
-                <a:latin typeface="Calibri" panose="020F0502020204030204" pitchFamily="34" charset="0"/>
-              </a:rPr>
-              <a:t>querySuccess</a:t>
-            </a:r>
-            <a:r>
-              <a:rPr lang="hr-HR" sz="1300" dirty="0">
-                <a:latin typeface="Calibri" panose="020F0502020204030204" pitchFamily="34" charset="0"/>
-              </a:rPr>
-              <a:t>, </a:t>
-            </a:r>
-            <a:r>
-              <a:rPr lang="hr-HR" sz="1300" dirty="0" err="1">
-                <a:latin typeface="Calibri" panose="020F0502020204030204" pitchFamily="34" charset="0"/>
-              </a:rPr>
-              <a:t>errorCB</a:t>
-            </a:r>
-            <a:r>
-              <a:rPr lang="hr-HR" sz="1300" dirty="0">
-                <a:latin typeface="Calibri" panose="020F0502020204030204" pitchFamily="34" charset="0"/>
-              </a:rPr>
-              <a:t>);</a:t>
-            </a:r>
-          </a:p>
-          <a:p>
-            <a:pPr marL="0" indent="0">
-              <a:buNone/>
-            </a:pPr>
-            <a:r>
-              <a:rPr lang="hr-HR" sz="1300" dirty="0">
-                <a:latin typeface="Calibri" panose="020F0502020204030204" pitchFamily="34" charset="0"/>
-              </a:rPr>
-              <a:t>var  </a:t>
-            </a:r>
-            <a:r>
-              <a:rPr lang="hr-HR" sz="1300" dirty="0" err="1">
-                <a:latin typeface="Calibri" panose="020F0502020204030204" pitchFamily="34" charset="0"/>
-              </a:rPr>
-              <a:t>category_id</a:t>
-            </a:r>
-            <a:r>
-              <a:rPr lang="hr-HR" sz="1300" dirty="0">
-                <a:latin typeface="Calibri" panose="020F0502020204030204" pitchFamily="34" charset="0"/>
-              </a:rPr>
-              <a:t> = </a:t>
-            </a:r>
-            <a:r>
-              <a:rPr lang="hr-HR" sz="1300" dirty="0" err="1">
-                <a:latin typeface="Calibri" panose="020F0502020204030204" pitchFamily="34" charset="0"/>
-              </a:rPr>
-              <a:t>tx.executeSql</a:t>
-            </a:r>
-            <a:r>
-              <a:rPr lang="hr-HR" sz="1300" dirty="0">
-                <a:latin typeface="Calibri" panose="020F0502020204030204" pitchFamily="34" charset="0"/>
-              </a:rPr>
-              <a:t>("SELECT </a:t>
-            </a:r>
-            <a:r>
-              <a:rPr lang="hr-HR" sz="1300" dirty="0" err="1">
-                <a:latin typeface="Calibri" panose="020F0502020204030204" pitchFamily="34" charset="0"/>
-              </a:rPr>
-              <a:t>id_note</a:t>
-            </a:r>
-            <a:r>
-              <a:rPr lang="hr-HR" sz="1300" dirty="0">
-                <a:latin typeface="Calibri" panose="020F0502020204030204" pitchFamily="34" charset="0"/>
-              </a:rPr>
-              <a:t>, </a:t>
-            </a:r>
-            <a:r>
-              <a:rPr lang="hr-HR" sz="1300" dirty="0" err="1">
-                <a:latin typeface="Calibri" panose="020F0502020204030204" pitchFamily="34" charset="0"/>
-              </a:rPr>
-              <a:t>id_category</a:t>
-            </a:r>
-            <a:r>
-              <a:rPr lang="hr-HR" sz="1300" dirty="0">
-                <a:latin typeface="Calibri" panose="020F0502020204030204" pitchFamily="34" charset="0"/>
-              </a:rPr>
-              <a:t> </a:t>
-            </a:r>
-            <a:r>
-              <a:rPr lang="hr-HR" sz="1300" dirty="0" err="1">
-                <a:latin typeface="Calibri" panose="020F0502020204030204" pitchFamily="34" charset="0"/>
-              </a:rPr>
-              <a:t>from</a:t>
-            </a:r>
-            <a:r>
-              <a:rPr lang="hr-HR" sz="1300" dirty="0">
-                <a:latin typeface="Calibri" panose="020F0502020204030204" pitchFamily="34" charset="0"/>
-              </a:rPr>
-              <a:t> </a:t>
-            </a:r>
-            <a:r>
-              <a:rPr lang="hr-HR" sz="1300" dirty="0" err="1">
-                <a:latin typeface="Calibri" panose="020F0502020204030204" pitchFamily="34" charset="0"/>
-              </a:rPr>
-              <a:t>Notes_Category</a:t>
-            </a:r>
-            <a:r>
-              <a:rPr lang="hr-HR" sz="1300" dirty="0">
-                <a:latin typeface="Calibri" panose="020F0502020204030204" pitchFamily="34" charset="0"/>
-              </a:rPr>
-              <a:t> WHERE </a:t>
-            </a:r>
-            <a:r>
-              <a:rPr lang="hr-HR" sz="1300" dirty="0" err="1">
-                <a:latin typeface="Calibri" panose="020F0502020204030204" pitchFamily="34" charset="0"/>
-              </a:rPr>
-              <a:t>id_category</a:t>
-            </a:r>
-            <a:r>
-              <a:rPr lang="hr-HR" sz="1300" dirty="0">
-                <a:latin typeface="Calibri" panose="020F0502020204030204" pitchFamily="34" charset="0"/>
-              </a:rPr>
-              <a:t> </a:t>
-            </a:r>
-            <a:r>
-              <a:rPr lang="hr-HR" sz="1300" dirty="0" err="1">
-                <a:latin typeface="Calibri" panose="020F0502020204030204" pitchFamily="34" charset="0"/>
-              </a:rPr>
-              <a:t>like</a:t>
-            </a:r>
-            <a:r>
-              <a:rPr lang="hr-HR" sz="1300" dirty="0">
-                <a:latin typeface="Calibri" panose="020F0502020204030204" pitchFamily="34" charset="0"/>
-              </a:rPr>
-              <a:t>?;"[</a:t>
-            </a:r>
-            <a:r>
-              <a:rPr lang="hr-HR" sz="1300" dirty="0" err="1">
-                <a:latin typeface="Calibri" panose="020F0502020204030204" pitchFamily="34" charset="0"/>
-              </a:rPr>
-              <a:t>select_id</a:t>
-            </a:r>
-            <a:r>
-              <a:rPr lang="hr-HR" sz="1300" dirty="0">
-                <a:latin typeface="Calibri" panose="020F0502020204030204" pitchFamily="34" charset="0"/>
-              </a:rPr>
-              <a:t>], </a:t>
-            </a:r>
-            <a:r>
-              <a:rPr lang="hr-HR" sz="1300" dirty="0" err="1">
-                <a:latin typeface="Calibri" panose="020F0502020204030204" pitchFamily="34" charset="0"/>
-              </a:rPr>
-              <a:t>querySuccess</a:t>
-            </a:r>
-            <a:r>
-              <a:rPr lang="hr-HR" sz="1300" dirty="0">
-                <a:latin typeface="Calibri" panose="020F0502020204030204" pitchFamily="34" charset="0"/>
-              </a:rPr>
-              <a:t>, </a:t>
-            </a:r>
-            <a:r>
-              <a:rPr lang="hr-HR" sz="1300" dirty="0" err="1">
-                <a:latin typeface="Calibri" panose="020F0502020204030204" pitchFamily="34" charset="0"/>
-              </a:rPr>
-              <a:t>errorCB</a:t>
-            </a:r>
-            <a:r>
-              <a:rPr lang="hr-HR" sz="1300" dirty="0">
-                <a:latin typeface="Calibri" panose="020F0502020204030204" pitchFamily="34" charset="0"/>
-              </a:rPr>
-              <a:t>)</a:t>
-            </a:r>
-          </a:p>
-          <a:p>
-            <a:pPr marL="0" indent="0">
-              <a:buNone/>
-            </a:pPr>
-            <a:r>
-              <a:rPr lang="hr-HR" sz="1300" dirty="0">
-                <a:latin typeface="Calibri" panose="020F0502020204030204" pitchFamily="34" charset="0"/>
-              </a:rPr>
-              <a:t> </a:t>
-            </a:r>
-          </a:p>
-          <a:p>
-            <a:pPr marL="0" indent="0">
-              <a:buNone/>
-            </a:pPr>
-            <a:r>
-              <a:rPr lang="hr-HR" sz="1300" dirty="0" err="1">
-                <a:latin typeface="Calibri" panose="020F0502020204030204" pitchFamily="34" charset="0"/>
-              </a:rPr>
-              <a:t>tx.executeSql</a:t>
-            </a:r>
-            <a:r>
-              <a:rPr lang="hr-HR" sz="1300" dirty="0">
-                <a:latin typeface="Calibri" panose="020F0502020204030204" pitchFamily="34" charset="0"/>
-              </a:rPr>
-              <a:t>("SELECT </a:t>
-            </a:r>
-            <a:r>
-              <a:rPr lang="hr-HR" sz="1300" dirty="0" err="1">
-                <a:latin typeface="Calibri" panose="020F0502020204030204" pitchFamily="34" charset="0"/>
-              </a:rPr>
-              <a:t>id</a:t>
-            </a:r>
-            <a:r>
-              <a:rPr lang="hr-HR" sz="1300" dirty="0">
-                <a:latin typeface="Calibri" panose="020F0502020204030204" pitchFamily="34" charset="0"/>
-              </a:rPr>
-              <a:t>, Note, Date, </a:t>
-            </a:r>
-            <a:r>
-              <a:rPr lang="hr-HR" sz="1300" dirty="0" err="1">
-                <a:latin typeface="Calibri" panose="020F0502020204030204" pitchFamily="34" charset="0"/>
-              </a:rPr>
-              <a:t>Colour</a:t>
-            </a:r>
-            <a:r>
-              <a:rPr lang="hr-HR" sz="1300" dirty="0">
-                <a:latin typeface="Calibri" panose="020F0502020204030204" pitchFamily="34" charset="0"/>
-              </a:rPr>
-              <a:t> </a:t>
-            </a:r>
-            <a:r>
-              <a:rPr lang="hr-HR" sz="1300" dirty="0" err="1">
-                <a:latin typeface="Calibri" panose="020F0502020204030204" pitchFamily="34" charset="0"/>
-              </a:rPr>
-              <a:t>from</a:t>
-            </a:r>
-            <a:r>
-              <a:rPr lang="hr-HR" sz="1300" dirty="0">
-                <a:latin typeface="Calibri" panose="020F0502020204030204" pitchFamily="34" charset="0"/>
-              </a:rPr>
-              <a:t> Notes WHERE </a:t>
-            </a:r>
-            <a:r>
-              <a:rPr lang="hr-HR" sz="1300" dirty="0" err="1">
-                <a:latin typeface="Calibri" panose="020F0502020204030204" pitchFamily="34" charset="0"/>
-              </a:rPr>
-              <a:t>id</a:t>
-            </a:r>
-            <a:r>
-              <a:rPr lang="hr-HR" sz="1300" dirty="0">
-                <a:latin typeface="Calibri" panose="020F0502020204030204" pitchFamily="34" charset="0"/>
-              </a:rPr>
-              <a:t> </a:t>
-            </a:r>
-            <a:r>
-              <a:rPr lang="hr-HR" sz="1300" dirty="0" err="1">
-                <a:latin typeface="Calibri" panose="020F0502020204030204" pitchFamily="34" charset="0"/>
-              </a:rPr>
-              <a:t>like</a:t>
-            </a:r>
-            <a:r>
-              <a:rPr lang="hr-HR" sz="1300" dirty="0">
-                <a:latin typeface="Calibri" panose="020F0502020204030204" pitchFamily="34" charset="0"/>
-              </a:rPr>
-              <a:t> ?;", [</a:t>
-            </a:r>
-            <a:r>
-              <a:rPr lang="hr-HR" sz="1300" dirty="0" err="1">
-                <a:latin typeface="Calibri" panose="020F0502020204030204" pitchFamily="34" charset="0"/>
-              </a:rPr>
-              <a:t>category_id</a:t>
-            </a:r>
-            <a:r>
-              <a:rPr lang="hr-HR" sz="1300" dirty="0">
-                <a:latin typeface="Calibri" panose="020F0502020204030204" pitchFamily="34" charset="0"/>
-              </a:rPr>
-              <a:t>], </a:t>
-            </a:r>
-            <a:r>
-              <a:rPr lang="hr-HR" sz="1300" dirty="0" err="1">
-                <a:latin typeface="Calibri" panose="020F0502020204030204" pitchFamily="34" charset="0"/>
-              </a:rPr>
-              <a:t>querySuccess</a:t>
-            </a:r>
-            <a:r>
-              <a:rPr lang="hr-HR" sz="1300" dirty="0">
-                <a:latin typeface="Calibri" panose="020F0502020204030204" pitchFamily="34" charset="0"/>
-              </a:rPr>
-              <a:t>, </a:t>
-            </a:r>
-            <a:r>
-              <a:rPr lang="hr-HR" sz="1300" dirty="0" err="1">
-                <a:latin typeface="Calibri" panose="020F0502020204030204" pitchFamily="34" charset="0"/>
-              </a:rPr>
-              <a:t>errorCB</a:t>
-            </a:r>
-            <a:r>
-              <a:rPr lang="hr-HR" sz="1300" dirty="0">
-                <a:latin typeface="Calibri" panose="020F0502020204030204" pitchFamily="34" charset="0"/>
-              </a:rPr>
-              <a:t>);	}</a:t>
-            </a:r>
-          </a:p>
-          <a:p>
-            <a:pPr marL="0" indent="0">
-              <a:buNone/>
-            </a:pPr>
-            <a:r>
-              <a:rPr lang="hr-HR" sz="1300" dirty="0">
-                <a:latin typeface="Calibri" panose="020F0502020204030204" pitchFamily="34" charset="0"/>
-              </a:rPr>
-              <a:t>	</a:t>
-            </a:r>
-            <a:r>
-              <a:rPr lang="hr-HR" sz="1300" dirty="0" err="1">
-                <a:latin typeface="Calibri" panose="020F0502020204030204" pitchFamily="34" charset="0"/>
-              </a:rPr>
-              <a:t>tx</a:t>
-            </a:r>
-            <a:r>
-              <a:rPr lang="hr-HR" sz="1300" dirty="0">
-                <a:latin typeface="Calibri" panose="020F0502020204030204" pitchFamily="34" charset="0"/>
-              </a:rPr>
-              <a:t> = </a:t>
-            </a:r>
-            <a:r>
-              <a:rPr lang="hr-HR" sz="1300" dirty="0" err="1">
-                <a:latin typeface="Calibri" panose="020F0502020204030204" pitchFamily="34" charset="0"/>
-              </a:rPr>
-              <a:t>null</a:t>
-            </a:r>
-            <a:r>
-              <a:rPr lang="hr-HR" sz="1300" dirty="0">
-                <a:latin typeface="Calibri" panose="020F0502020204030204" pitchFamily="34" charset="0"/>
-              </a:rPr>
-              <a:t>;	</a:t>
-            </a:r>
-          </a:p>
-          <a:p>
-            <a:pPr marL="0" indent="0">
-              <a:buNone/>
-            </a:pPr>
-            <a:r>
-              <a:rPr lang="hr-HR" sz="1300" dirty="0">
-                <a:latin typeface="Calibri" panose="020F0502020204030204" pitchFamily="34" charset="0"/>
-              </a:rPr>
-              <a:t>}</a:t>
-            </a:r>
-          </a:p>
-          <a:p>
-            <a:endParaRPr lang="hr-HR" sz="1300" dirty="0" smtClean="0">
-              <a:latin typeface="Calibri" panose="020F0502020204030204" pitchFamily="34" charset="0"/>
-            </a:endParaRPr>
-          </a:p>
-          <a:p>
-            <a:pPr marL="0" indent="0">
-              <a:buNone/>
-            </a:pPr>
-            <a:endParaRPr lang="hr-HR" sz="1300" i="1" dirty="0" smtClean="0">
-              <a:latin typeface="Calibri" panose="020F0502020204030204" pitchFamily="34" charset="0"/>
-            </a:endParaRPr>
           </a:p>
           <a:p>
             <a:pPr marL="0" indent="0">
@@ -8452,20 +8665,20 @@
     </p:spTree>
     <p:extLst>
       <p:ext uri="{BB962C8B-B14F-4D97-AF65-F5344CB8AC3E}">
-        <p14:creationId xmlns:p14="http://schemas.microsoft.com/office/powerpoint/2010/main" val="4043694706"/>
+        <p14:creationId xmlns:p14="http://schemas.microsoft.com/office/powerpoint/2010/main" val="1032488568"/>
       </p:ext>
     </p:extLst>
   </p:cSld>
   <p:clrMapOvr>
     <a:masterClrMapping/>
   </p:clrMapOvr>
-  <mc:AlternateContent xmlns:mc="http://schemas.openxmlformats.org/markup-compatibility/2006">
-    <mc:Choice xmlns:p14="http://schemas.microsoft.com/office/powerpoint/2010/main" Requires="p14">
+  <mc:AlternateContent xmlns:mc="http://schemas.openxmlformats.org/markup-compatibility/2006" xmlns:p14="http://schemas.microsoft.com/office/powerpoint/2010/main">
+    <mc:Choice Requires="p14">
       <p:transition spd="med" p14:dur="700">
         <p:fade/>
       </p:transition>
     </mc:Choice>
-    <mc:Fallback>
+    <mc:Fallback xmlns="">
       <p:transition spd="med">
         <p:fade/>
       </p:transition>
@@ -8503,24 +8716,66 @@
         </p:nvSpPr>
         <p:spPr>
           <a:xfrm>
-            <a:off x="838200" y="1825625"/>
-            <a:ext cx="10515600" cy="4351338"/>
+            <a:off x="838199" y="1825625"/>
+            <a:ext cx="10515601" cy="4351338"/>
           </a:xfrm>
         </p:spPr>
         <p:txBody>
           <a:bodyPr>
-            <a:normAutofit/>
+            <a:normAutofit fontScale="62500" lnSpcReduction="20000"/>
           </a:bodyPr>
           <a:lstStyle/>
           <a:p>
-            <a:pPr>
-              <a:lnSpc>
-                <a:spcPct val="100000"/>
-              </a:lnSpc>
+            <a:r>
+              <a:rPr lang="hr-HR" dirty="0" smtClean="0"/>
+              <a:t>Alarm zabilješke</a:t>
+            </a:r>
+          </a:p>
+          <a:p>
+            <a:pPr marL="0" indent="0">
+              <a:buNone/>
             </a:pPr>
             <a:r>
-              <a:rPr lang="hr-HR" dirty="0"/>
-              <a:t>Alarm zabilješke</a:t>
+              <a:rPr lang="hr-HR" sz="2400" dirty="0">
+                <a:latin typeface="Calibri" panose="020F0502020204030204" pitchFamily="34" charset="0"/>
+              </a:rPr>
+              <a:t> </a:t>
+            </a:r>
+            <a:r>
+              <a:rPr lang="hr-HR" sz="2400" dirty="0" err="1">
+                <a:latin typeface="Calibri" panose="020F0502020204030204" pitchFamily="34" charset="0"/>
+              </a:rPr>
+              <a:t>scheduleDelayed</a:t>
+            </a:r>
+            <a:r>
+              <a:rPr lang="hr-HR" sz="2400" dirty="0">
+                <a:latin typeface="Calibri" panose="020F0502020204030204" pitchFamily="34" charset="0"/>
+              </a:rPr>
+              <a:t> = </a:t>
+            </a:r>
+            <a:r>
+              <a:rPr lang="hr-HR" sz="2400" dirty="0" err="1">
+                <a:latin typeface="Calibri" panose="020F0502020204030204" pitchFamily="34" charset="0"/>
+              </a:rPr>
+              <a:t>function</a:t>
+            </a:r>
+            <a:r>
+              <a:rPr lang="hr-HR" sz="2400" dirty="0">
+                <a:latin typeface="Calibri" panose="020F0502020204030204" pitchFamily="34" charset="0"/>
+              </a:rPr>
+              <a:t> (</a:t>
+            </a:r>
+            <a:r>
+              <a:rPr lang="hr-HR" sz="2400" dirty="0" err="1">
+                <a:latin typeface="Calibri" panose="020F0502020204030204" pitchFamily="34" charset="0"/>
+              </a:rPr>
+              <a:t>x,time,category,notetxt</a:t>
+            </a:r>
+            <a:r>
+              <a:rPr lang="hr-HR" sz="2400" dirty="0">
+                <a:latin typeface="Calibri" panose="020F0502020204030204" pitchFamily="34" charset="0"/>
+              </a:rPr>
+              <a:t>) {</a:t>
             </a:r>
           </a:p>
           <a:p>
@@ -8528,40 +8783,22 @@
               <a:buNone/>
             </a:pPr>
             <a:r>
-              <a:rPr lang="hr-HR" sz="1400" dirty="0" err="1">
-                <a:latin typeface="Calibri" panose="020F0502020204030204" pitchFamily="34" charset="0"/>
-              </a:rPr>
-              <a:t>if</a:t>
-            </a:r>
-            <a:r>
-              <a:rPr lang="hr-HR" sz="1400" dirty="0">
-                <a:latin typeface="Calibri" panose="020F0502020204030204" pitchFamily="34" charset="0"/>
-              </a:rPr>
-              <a:t> (time == </a:t>
-            </a:r>
-            <a:r>
-              <a:rPr lang="hr-HR" sz="1400" dirty="0" err="1">
-                <a:latin typeface="Calibri" panose="020F0502020204030204" pitchFamily="34" charset="0"/>
-              </a:rPr>
-              <a:t>null</a:t>
-            </a:r>
-            <a:r>
-              <a:rPr lang="hr-HR" sz="1400" dirty="0">
-                <a:latin typeface="Calibri" panose="020F0502020204030204" pitchFamily="34" charset="0"/>
-              </a:rPr>
-              <a:t> || time == </a:t>
-            </a:r>
-            <a:r>
-              <a:rPr lang="hr-HR" sz="1400" dirty="0" err="1">
-                <a:latin typeface="Calibri" panose="020F0502020204030204" pitchFamily="34" charset="0"/>
-              </a:rPr>
-              <a:t>undefined</a:t>
-            </a:r>
-            <a:r>
-              <a:rPr lang="hr-HR" sz="1400" dirty="0">
-                <a:latin typeface="Calibri" panose="020F0502020204030204" pitchFamily="34" charset="0"/>
-              </a:rPr>
-              <a:t> || time == "")  </a:t>
+              <a:rPr lang="hr-HR" sz="2400" dirty="0">
+                <a:latin typeface="Calibri" panose="020F0502020204030204" pitchFamily="34" charset="0"/>
+              </a:rPr>
+              <a:t>    var d = </a:t>
+            </a:r>
+            <a:r>
+              <a:rPr lang="hr-HR" sz="2400" dirty="0" err="1">
+                <a:latin typeface="Calibri" panose="020F0502020204030204" pitchFamily="34" charset="0"/>
+              </a:rPr>
+              <a:t>new</a:t>
+            </a:r>
+            <a:r>
+              <a:rPr lang="hr-HR" sz="2400" dirty="0">
+                <a:latin typeface="Calibri" panose="020F0502020204030204" pitchFamily="34" charset="0"/>
+              </a:rPr>
+              <a:t> Date(time);</a:t>
             </a:r>
           </a:p>
           <a:p>
@@ -8569,193 +8806,33 @@
               <a:buNone/>
             </a:pPr>
             <a:r>
-              <a:rPr lang="hr-HR" sz="1400" dirty="0">
-                <a:latin typeface="Calibri" panose="020F0502020204030204" pitchFamily="34" charset="0"/>
-              </a:rPr>
-              <a:t> {</a:t>
-            </a:r>
-            <a:br>
-              <a:rPr lang="hr-HR" sz="1400" dirty="0">
-                <a:latin typeface="Calibri" panose="020F0502020204030204" pitchFamily="34" charset="0"/>
-              </a:rPr>
-            </a:br>
-            <a:r>
-              <a:rPr lang="hr-HR" sz="1400" dirty="0">
-                <a:latin typeface="Calibri" panose="020F0502020204030204" pitchFamily="34" charset="0"/>
-              </a:rPr>
-              <a:t>	 </a:t>
-            </a:r>
-            <a:r>
-              <a:rPr lang="hr-HR" sz="1400" dirty="0" err="1">
-                <a:latin typeface="Calibri" panose="020F0502020204030204" pitchFamily="34" charset="0"/>
-              </a:rPr>
-              <a:t>continue</a:t>
-            </a:r>
-            <a:r>
-              <a:rPr lang="hr-HR" sz="1400" dirty="0">
-                <a:latin typeface="Calibri" panose="020F0502020204030204" pitchFamily="34" charset="0"/>
-              </a:rPr>
-              <a:t>;</a:t>
-            </a:r>
-            <a:br>
-              <a:rPr lang="hr-HR" sz="1400" dirty="0">
-                <a:latin typeface="Calibri" panose="020F0502020204030204" pitchFamily="34" charset="0"/>
-              </a:rPr>
-            </a:br>
-            <a:r>
-              <a:rPr lang="hr-HR" sz="1400" dirty="0">
-                <a:latin typeface="Calibri" panose="020F0502020204030204" pitchFamily="34" charset="0"/>
-              </a:rPr>
-              <a:t> }</a:t>
-            </a:r>
-            <a:br>
-              <a:rPr lang="hr-HR" sz="1400" dirty="0">
-                <a:latin typeface="Calibri" panose="020F0502020204030204" pitchFamily="34" charset="0"/>
-              </a:rPr>
-            </a:br>
-            <a:r>
-              <a:rPr lang="hr-HR" sz="1400" dirty="0">
-                <a:latin typeface="Calibri" panose="020F0502020204030204" pitchFamily="34" charset="0"/>
-              </a:rPr>
-              <a:t> </a:t>
-            </a:r>
-            <a:r>
-              <a:rPr lang="hr-HR" sz="1400" dirty="0" err="1">
-                <a:latin typeface="Calibri" panose="020F0502020204030204" pitchFamily="34" charset="0"/>
-              </a:rPr>
-              <a:t>else</a:t>
-            </a:r>
-            <a:r>
-              <a:rPr lang="hr-HR" sz="1400" dirty="0">
-                <a:latin typeface="Calibri" panose="020F0502020204030204" pitchFamily="34" charset="0"/>
-              </a:rPr>
-              <a:t>{</a:t>
-            </a:r>
-            <a:br>
-              <a:rPr lang="hr-HR" sz="1400" dirty="0">
-                <a:latin typeface="Calibri" panose="020F0502020204030204" pitchFamily="34" charset="0"/>
-              </a:rPr>
-            </a:br>
-            <a:r>
-              <a:rPr lang="hr-HR" sz="1400" dirty="0">
-                <a:latin typeface="Calibri" panose="020F0502020204030204" pitchFamily="34" charset="0"/>
-              </a:rPr>
-              <a:t>    var da = </a:t>
-            </a:r>
-            <a:r>
-              <a:rPr lang="hr-HR" sz="1400" dirty="0" err="1">
-                <a:latin typeface="Calibri" panose="020F0502020204030204" pitchFamily="34" charset="0"/>
-              </a:rPr>
-              <a:t>new</a:t>
-            </a:r>
-            <a:r>
-              <a:rPr lang="hr-HR" sz="1400" dirty="0">
-                <a:latin typeface="Calibri" panose="020F0502020204030204" pitchFamily="34" charset="0"/>
-              </a:rPr>
-              <a:t> Date(time);</a:t>
-            </a:r>
-            <a:br>
-              <a:rPr lang="hr-HR" sz="1400" dirty="0">
-                <a:latin typeface="Calibri" panose="020F0502020204030204" pitchFamily="34" charset="0"/>
-              </a:rPr>
-            </a:br>
-            <a:r>
-              <a:rPr lang="hr-HR" sz="1400" dirty="0">
-                <a:latin typeface="Calibri" panose="020F0502020204030204" pitchFamily="34" charset="0"/>
-              </a:rPr>
-              <a:t>    var na = </a:t>
-            </a:r>
-            <a:r>
-              <a:rPr lang="hr-HR" sz="1400" dirty="0" err="1">
-                <a:latin typeface="Calibri" panose="020F0502020204030204" pitchFamily="34" charset="0"/>
-              </a:rPr>
-              <a:t>da.valueOf</a:t>
-            </a:r>
-            <a:r>
-              <a:rPr lang="hr-HR" sz="1400" dirty="0">
+              <a:rPr lang="hr-HR" sz="2400" dirty="0">
+                <a:latin typeface="Calibri" panose="020F0502020204030204" pitchFamily="34" charset="0"/>
+              </a:rPr>
+              <a:t>    var n = </a:t>
+            </a:r>
+            <a:r>
+              <a:rPr lang="hr-HR" sz="2400" dirty="0" err="1">
+                <a:latin typeface="Calibri" panose="020F0502020204030204" pitchFamily="34" charset="0"/>
+              </a:rPr>
+              <a:t>d.valueOf</a:t>
+            </a:r>
+            <a:r>
+              <a:rPr lang="hr-HR" sz="2400" dirty="0">
                 <a:latin typeface="Calibri" panose="020F0502020204030204" pitchFamily="34" charset="0"/>
               </a:rPr>
               <a:t>();</a:t>
             </a:r>
-            <a:br>
-              <a:rPr lang="hr-HR" sz="1400" dirty="0">
-                <a:latin typeface="Calibri" panose="020F0502020204030204" pitchFamily="34" charset="0"/>
-              </a:rPr>
-            </a:br>
-            <a:r>
-              <a:rPr lang="hr-HR" sz="1400" dirty="0">
-                <a:latin typeface="Calibri" panose="020F0502020204030204" pitchFamily="34" charset="0"/>
-              </a:rPr>
-              <a:t>	 </a:t>
-            </a:r>
-            <a:r>
-              <a:rPr lang="hr-HR" sz="1400" dirty="0" err="1">
-                <a:latin typeface="Calibri" panose="020F0502020204030204" pitchFamily="34" charset="0"/>
-              </a:rPr>
-              <a:t>if</a:t>
-            </a:r>
-            <a:r>
-              <a:rPr lang="hr-HR" sz="1400" dirty="0">
-                <a:latin typeface="Calibri" panose="020F0502020204030204" pitchFamily="34" charset="0"/>
-              </a:rPr>
-              <a:t> (n &lt; na)</a:t>
-            </a:r>
           </a:p>
           <a:p>
             <a:pPr marL="0" indent="0">
               <a:buNone/>
             </a:pPr>
             <a:r>
-              <a:rPr lang="hr-HR" sz="1400" dirty="0">
-                <a:latin typeface="Calibri" panose="020F0502020204030204" pitchFamily="34" charset="0"/>
-              </a:rPr>
-              <a:t>	 {</a:t>
-            </a:r>
-            <a:br>
-              <a:rPr lang="hr-HR" sz="1400" dirty="0">
-                <a:latin typeface="Calibri" panose="020F0502020204030204" pitchFamily="34" charset="0"/>
-              </a:rPr>
-            </a:br>
-            <a:r>
-              <a:rPr lang="hr-HR" sz="1400" dirty="0">
-                <a:latin typeface="Calibri" panose="020F0502020204030204" pitchFamily="34" charset="0"/>
-              </a:rPr>
-              <a:t>        </a:t>
-            </a:r>
-            <a:r>
-              <a:rPr lang="hr-HR" sz="1400" dirty="0" err="1">
-                <a:latin typeface="Calibri" panose="020F0502020204030204" pitchFamily="34" charset="0"/>
-              </a:rPr>
-              <a:t>scheduleDelayed</a:t>
-            </a:r>
-            <a:r>
-              <a:rPr lang="hr-HR" sz="1400" dirty="0">
-                <a:latin typeface="Calibri" panose="020F0502020204030204" pitchFamily="34" charset="0"/>
-              </a:rPr>
-              <a:t>(</a:t>
-            </a:r>
-            <a:r>
-              <a:rPr lang="hr-HR" sz="1400" dirty="0" err="1">
-                <a:latin typeface="Calibri" panose="020F0502020204030204" pitchFamily="34" charset="0"/>
-              </a:rPr>
-              <a:t>x,time,category,notetxt</a:t>
-            </a:r>
-            <a:r>
-              <a:rPr lang="hr-HR" sz="1400" dirty="0">
-                <a:latin typeface="Calibri" panose="020F0502020204030204" pitchFamily="34" charset="0"/>
-              </a:rPr>
-              <a:t>);</a:t>
-            </a:r>
-            <a:br>
-              <a:rPr lang="hr-HR" sz="1400" dirty="0">
-                <a:latin typeface="Calibri" panose="020F0502020204030204" pitchFamily="34" charset="0"/>
-              </a:rPr>
-            </a:br>
-            <a:r>
-              <a:rPr lang="hr-HR" sz="1400" dirty="0">
-                <a:latin typeface="Calibri" panose="020F0502020204030204" pitchFamily="34" charset="0"/>
-              </a:rPr>
-              <a:t>	 }</a:t>
+              <a:rPr lang="hr-HR" sz="2400" dirty="0">
+                <a:latin typeface="Calibri" panose="020F0502020204030204" pitchFamily="34" charset="0"/>
+              </a:rPr>
+              <a:t> </a:t>
             </a:r>
           </a:p>
           <a:p>
@@ -8763,19 +8840,276 @@
               <a:buNone/>
             </a:pPr>
             <a:r>
-              <a:rPr lang="hr-HR" sz="1400" dirty="0">
-                <a:latin typeface="Calibri" panose="020F0502020204030204" pitchFamily="34" charset="0"/>
-              </a:rPr>
-              <a:t>}</a:t>
+              <a:rPr lang="hr-HR" sz="2400" dirty="0">
+                <a:latin typeface="Calibri" panose="020F0502020204030204" pitchFamily="34" charset="0"/>
+              </a:rPr>
+              <a:t>    </a:t>
+            </a:r>
+            <a:r>
+              <a:rPr lang="hr-HR" sz="2400" dirty="0" err="1">
+                <a:latin typeface="Calibri" panose="020F0502020204030204" pitchFamily="34" charset="0"/>
+              </a:rPr>
+              <a:t>document.getElementById</a:t>
+            </a:r>
+            <a:r>
+              <a:rPr lang="hr-HR" sz="2400" dirty="0">
+                <a:latin typeface="Calibri" panose="020F0502020204030204" pitchFamily="34" charset="0"/>
+              </a:rPr>
+              <a:t>("</a:t>
+            </a:r>
+            <a:r>
+              <a:rPr lang="hr-HR" sz="2400" dirty="0" err="1">
+                <a:latin typeface="Calibri" panose="020F0502020204030204" pitchFamily="34" charset="0"/>
+              </a:rPr>
+              <a:t>sched</a:t>
+            </a:r>
+            <a:r>
+              <a:rPr lang="hr-HR" sz="2400" dirty="0">
+                <a:latin typeface="Calibri" panose="020F0502020204030204" pitchFamily="34" charset="0"/>
+              </a:rPr>
+              <a:t>").</a:t>
+            </a:r>
+            <a:r>
+              <a:rPr lang="hr-HR" sz="2400" dirty="0" err="1">
+                <a:latin typeface="Calibri" panose="020F0502020204030204" pitchFamily="34" charset="0"/>
+              </a:rPr>
+              <a:t>innerHTML</a:t>
+            </a:r>
+            <a:r>
+              <a:rPr lang="hr-HR" sz="2400" dirty="0">
+                <a:latin typeface="Calibri" panose="020F0502020204030204" pitchFamily="34" charset="0"/>
+              </a:rPr>
+              <a:t> = n;</a:t>
             </a:r>
           </a:p>
           <a:p>
             <a:pPr marL="0" indent="0">
               <a:buNone/>
             </a:pPr>
-            <a:endParaRPr lang="hr-HR" sz="1300" i="1" dirty="0">
-              <a:latin typeface="Calibri" panose="020F0502020204030204" pitchFamily="34" charset="0"/>
-            </a:endParaRPr>
+            <a:r>
+              <a:rPr lang="hr-HR" sz="2400" dirty="0">
+                <a:latin typeface="Calibri" panose="020F0502020204030204" pitchFamily="34" charset="0"/>
+              </a:rPr>
+              <a:t> </a:t>
+            </a:r>
+          </a:p>
+          <a:p>
+            <a:pPr marL="0" indent="0">
+              <a:buNone/>
+            </a:pPr>
+            <a:r>
+              <a:rPr lang="hr-HR" sz="2400" dirty="0">
+                <a:latin typeface="Calibri" panose="020F0502020204030204" pitchFamily="34" charset="0"/>
+              </a:rPr>
+              <a:t>                var </a:t>
+            </a:r>
+            <a:r>
+              <a:rPr lang="hr-HR" sz="2400" dirty="0" err="1">
+                <a:latin typeface="Calibri" panose="020F0502020204030204" pitchFamily="34" charset="0"/>
+              </a:rPr>
+              <a:t>sound</a:t>
+            </a:r>
+            <a:r>
+              <a:rPr lang="hr-HR" sz="2400" dirty="0">
+                <a:latin typeface="Calibri" panose="020F0502020204030204" pitchFamily="34" charset="0"/>
+              </a:rPr>
+              <a:t> = </a:t>
+            </a:r>
+            <a:r>
+              <a:rPr lang="hr-HR" sz="2400" dirty="0" err="1">
+                <a:latin typeface="Calibri" panose="020F0502020204030204" pitchFamily="34" charset="0"/>
+              </a:rPr>
+              <a:t>device.platform</a:t>
+            </a:r>
+            <a:r>
+              <a:rPr lang="hr-HR" sz="2400" dirty="0">
+                <a:latin typeface="Calibri" panose="020F0502020204030204" pitchFamily="34" charset="0"/>
+              </a:rPr>
+              <a:t> == 'Android' ?   'file://sound.mp3' : 'file://beep.caf';</a:t>
+            </a:r>
+          </a:p>
+          <a:p>
+            <a:pPr marL="0" indent="0">
+              <a:buNone/>
+            </a:pPr>
+            <a:r>
+              <a:rPr lang="hr-HR" sz="2400" dirty="0">
+                <a:latin typeface="Calibri" panose="020F0502020204030204" pitchFamily="34" charset="0"/>
+              </a:rPr>
+              <a:t> </a:t>
+            </a:r>
+          </a:p>
+          <a:p>
+            <a:pPr marL="0" indent="0">
+              <a:buNone/>
+            </a:pPr>
+            <a:r>
+              <a:rPr lang="hr-HR" sz="2400" dirty="0">
+                <a:latin typeface="Calibri" panose="020F0502020204030204" pitchFamily="34" charset="0"/>
+              </a:rPr>
+              <a:t>                </a:t>
+            </a:r>
+            <a:r>
+              <a:rPr lang="hr-HR" sz="2400" dirty="0" err="1">
+                <a:latin typeface="Calibri" panose="020F0502020204030204" pitchFamily="34" charset="0"/>
+              </a:rPr>
+              <a:t>cordova.plugins.notification.local.schedule</a:t>
+            </a:r>
+            <a:r>
+              <a:rPr lang="hr-HR" sz="2400" dirty="0">
+                <a:latin typeface="Calibri" panose="020F0502020204030204" pitchFamily="34" charset="0"/>
+              </a:rPr>
+              <a:t>({</a:t>
+            </a:r>
+          </a:p>
+          <a:p>
+            <a:pPr marL="0" indent="0">
+              <a:buNone/>
+            </a:pPr>
+            <a:r>
+              <a:rPr lang="hr-HR" sz="2400" dirty="0">
+                <a:latin typeface="Calibri" panose="020F0502020204030204" pitchFamily="34" charset="0"/>
+              </a:rPr>
+              <a:t>                    </a:t>
+            </a:r>
+            <a:r>
+              <a:rPr lang="hr-HR" sz="2400" dirty="0" err="1">
+                <a:latin typeface="Calibri" panose="020F0502020204030204" pitchFamily="34" charset="0"/>
+              </a:rPr>
+              <a:t>id</a:t>
+            </a:r>
+            <a:r>
+              <a:rPr lang="hr-HR" sz="2400" dirty="0">
+                <a:latin typeface="Calibri" panose="020F0502020204030204" pitchFamily="34" charset="0"/>
+              </a:rPr>
+              <a:t>: x,</a:t>
+            </a:r>
+          </a:p>
+          <a:p>
+            <a:pPr marL="0" indent="0">
+              <a:buNone/>
+            </a:pPr>
+            <a:r>
+              <a:rPr lang="hr-HR" sz="2400" dirty="0">
+                <a:latin typeface="Calibri" panose="020F0502020204030204" pitchFamily="34" charset="0"/>
+              </a:rPr>
+              <a:t>                    title: </a:t>
+            </a:r>
+            <a:r>
+              <a:rPr lang="hr-HR" sz="2400" dirty="0" err="1">
+                <a:latin typeface="Calibri" panose="020F0502020204030204" pitchFamily="34" charset="0"/>
+              </a:rPr>
+              <a:t>category</a:t>
+            </a:r>
+            <a:r>
+              <a:rPr lang="hr-HR" sz="2400" dirty="0">
+                <a:latin typeface="Calibri" panose="020F0502020204030204" pitchFamily="34" charset="0"/>
+              </a:rPr>
+              <a:t>,</a:t>
+            </a:r>
+          </a:p>
+          <a:p>
+            <a:pPr marL="0" indent="0">
+              <a:buNone/>
+            </a:pPr>
+            <a:r>
+              <a:rPr lang="hr-HR" sz="2400" dirty="0">
+                <a:latin typeface="Calibri" panose="020F0502020204030204" pitchFamily="34" charset="0"/>
+              </a:rPr>
+              <a:t>			 </a:t>
+            </a:r>
+            <a:r>
+              <a:rPr lang="hr-HR" sz="2400" dirty="0" err="1">
+                <a:latin typeface="Calibri" panose="020F0502020204030204" pitchFamily="34" charset="0"/>
+              </a:rPr>
+              <a:t>text</a:t>
+            </a:r>
+            <a:r>
+              <a:rPr lang="hr-HR" sz="2400" dirty="0">
+                <a:latin typeface="Calibri" panose="020F0502020204030204" pitchFamily="34" charset="0"/>
+              </a:rPr>
+              <a:t>: </a:t>
+            </a:r>
+            <a:r>
+              <a:rPr lang="hr-HR" sz="2400" dirty="0" err="1">
+                <a:latin typeface="Calibri" panose="020F0502020204030204" pitchFamily="34" charset="0"/>
+              </a:rPr>
+              <a:t>notetxt</a:t>
+            </a:r>
+            <a:r>
+              <a:rPr lang="hr-HR" sz="2400" dirty="0">
+                <a:latin typeface="Calibri" panose="020F0502020204030204" pitchFamily="34" charset="0"/>
+              </a:rPr>
+              <a:t>,</a:t>
+            </a:r>
+          </a:p>
+          <a:p>
+            <a:pPr marL="0" indent="0">
+              <a:buNone/>
+            </a:pPr>
+            <a:r>
+              <a:rPr lang="hr-HR" sz="2400" dirty="0">
+                <a:latin typeface="Calibri" panose="020F0502020204030204" pitchFamily="34" charset="0"/>
+              </a:rPr>
+              <a:t>                    at: n,</a:t>
+            </a:r>
+          </a:p>
+          <a:p>
+            <a:pPr marL="0" indent="0">
+              <a:buNone/>
+            </a:pPr>
+            <a:r>
+              <a:rPr lang="hr-HR" sz="2400" dirty="0">
+                <a:latin typeface="Calibri" panose="020F0502020204030204" pitchFamily="34" charset="0"/>
+              </a:rPr>
+              <a:t>                    </a:t>
+            </a:r>
+            <a:r>
+              <a:rPr lang="hr-HR" sz="2400" dirty="0" err="1">
+                <a:latin typeface="Calibri" panose="020F0502020204030204" pitchFamily="34" charset="0"/>
+              </a:rPr>
+              <a:t>sound</a:t>
+            </a:r>
+            <a:r>
+              <a:rPr lang="hr-HR" sz="2400" dirty="0">
+                <a:latin typeface="Calibri" panose="020F0502020204030204" pitchFamily="34" charset="0"/>
+              </a:rPr>
+              <a:t>: </a:t>
+            </a:r>
+            <a:r>
+              <a:rPr lang="hr-HR" sz="2400" dirty="0" err="1">
+                <a:latin typeface="Calibri" panose="020F0502020204030204" pitchFamily="34" charset="0"/>
+              </a:rPr>
+              <a:t>sound</a:t>
+            </a:r>
+            <a:r>
+              <a:rPr lang="hr-HR" sz="2400" dirty="0">
+                <a:latin typeface="Calibri" panose="020F0502020204030204" pitchFamily="34" charset="0"/>
+              </a:rPr>
+              <a:t>,</a:t>
+            </a:r>
+          </a:p>
+          <a:p>
+            <a:pPr marL="0" indent="0">
+              <a:buNone/>
+            </a:pPr>
+            <a:r>
+              <a:rPr lang="hr-HR" sz="2400" dirty="0">
+                <a:latin typeface="Calibri" panose="020F0502020204030204" pitchFamily="34" charset="0"/>
+              </a:rPr>
+              <a:t>                });</a:t>
+            </a:r>
+          </a:p>
+          <a:p>
+            <a:pPr marL="0" indent="0">
+              <a:buNone/>
+            </a:pPr>
+            <a:r>
+              <a:rPr lang="hr-HR" sz="2400" dirty="0">
+                <a:latin typeface="Calibri" panose="020F0502020204030204" pitchFamily="34" charset="0"/>
+              </a:rPr>
+              <a:t>            };</a:t>
+            </a:r>
           </a:p>
           <a:p>
             <a:endParaRPr lang="hr-HR" dirty="0"/>
@@ -8798,30 +9132,29 @@
           <a:lstStyle/>
           <a:p>
             <a:r>
-              <a:rPr lang="hr-HR" dirty="0" smtClean="0"/>
+              <a:rPr lang="hr-HR" dirty="0"/>
               <a:t>Opis izrade aplikacije</a:t>
             </a:r>
-            <a:endParaRPr lang="hr-HR" dirty="0"/>
           </a:p>
         </p:txBody>
       </p:sp>
     </p:spTree>
     <p:extLst>
       <p:ext uri="{BB962C8B-B14F-4D97-AF65-F5344CB8AC3E}">
-        <p14:creationId xmlns:p14="http://schemas.microsoft.com/office/powerpoint/2010/main" val="1032488568"/>
+        <p14:creationId xmlns:p14="http://schemas.microsoft.com/office/powerpoint/2010/main" val="995484362"/>
       </p:ext>
     </p:extLst>
   </p:cSld>
   <p:clrMapOvr>
     <a:masterClrMapping/>
   </p:clrMapOvr>
-  <mc:AlternateContent xmlns:mc="http://schemas.openxmlformats.org/markup-compatibility/2006">
-    <mc:Choice xmlns:p14="http://schemas.microsoft.com/office/powerpoint/2010/main" Requires="p14">
+  <mc:AlternateContent xmlns:mc="http://schemas.openxmlformats.org/markup-compatibility/2006" xmlns:p14="http://schemas.microsoft.com/office/powerpoint/2010/main">
+    <mc:Choice Requires="p14">
       <p:transition spd="med" p14:dur="700">
         <p:fade/>
       </p:transition>
     </mc:Choice>
-    <mc:Fallback>
+    <mc:Fallback xmlns="">
       <p:transition spd="med">
         <p:fade/>
       </p:transition>
@@ -8865,60 +9198,526 @@
         </p:spPr>
         <p:txBody>
           <a:bodyPr>
-            <a:normAutofit fontScale="62500" lnSpcReduction="20000"/>
+            <a:normAutofit/>
           </a:bodyPr>
           <a:lstStyle/>
           <a:p>
             <a:r>
-              <a:rPr lang="hr-HR" dirty="0" smtClean="0"/>
-              <a:t>Alarm zabilješke</a:t>
-            </a:r>
+              <a:rPr lang="hr-HR" sz="1800" dirty="0" smtClean="0"/>
+              <a:t>Kategorije</a:t>
+            </a:r>
+            <a:endParaRPr lang="hr-HR" sz="1800" dirty="0"/>
           </a:p>
           <a:p>
             <a:pPr marL="0" indent="0">
               <a:buNone/>
             </a:pPr>
             <a:r>
-              <a:rPr lang="hr-HR" sz="2400" dirty="0">
+              <a:rPr lang="hr-HR" sz="1300" dirty="0" err="1">
+                <a:latin typeface="Calibri" panose="020F0502020204030204" pitchFamily="34" charset="0"/>
+              </a:rPr>
+              <a:t>function</a:t>
+            </a:r>
+            <a:r>
+              <a:rPr lang="hr-HR" sz="1300" dirty="0">
                 <a:latin typeface="Calibri" panose="020F0502020204030204" pitchFamily="34" charset="0"/>
               </a:rPr>
               <a:t> </a:t>
             </a:r>
             <a:r>
-              <a:rPr lang="hr-HR" sz="2400" dirty="0" err="1">
-                <a:latin typeface="Calibri" panose="020F0502020204030204" pitchFamily="34" charset="0"/>
-              </a:rPr>
-              <a:t>scheduleDelayed</a:t>
-            </a:r>
-            <a:r>
-              <a:rPr lang="hr-HR" sz="2400" dirty="0">
+              <a:rPr lang="hr-HR" sz="1300" dirty="0" err="1">
+                <a:latin typeface="Calibri" panose="020F0502020204030204" pitchFamily="34" charset="0"/>
+              </a:rPr>
+              <a:t>queryCat</a:t>
+            </a:r>
+            <a:r>
+              <a:rPr lang="hr-HR" sz="1300" dirty="0">
+                <a:latin typeface="Calibri" panose="020F0502020204030204" pitchFamily="34" charset="0"/>
+              </a:rPr>
+              <a:t>(</a:t>
+            </a:r>
+            <a:r>
+              <a:rPr lang="hr-HR" sz="1300" dirty="0" err="1">
+                <a:latin typeface="Calibri" panose="020F0502020204030204" pitchFamily="34" charset="0"/>
+              </a:rPr>
+              <a:t>tx</a:t>
+            </a:r>
+            <a:r>
+              <a:rPr lang="hr-HR" sz="1300" dirty="0">
+                <a:latin typeface="Calibri" panose="020F0502020204030204" pitchFamily="34" charset="0"/>
+              </a:rPr>
+              <a:t>) </a:t>
+            </a:r>
+            <a:r>
+              <a:rPr lang="hr-HR" sz="1300" dirty="0" smtClean="0">
+                <a:latin typeface="Calibri" panose="020F0502020204030204" pitchFamily="34" charset="0"/>
+              </a:rPr>
+              <a:t>{</a:t>
+            </a:r>
+          </a:p>
+          <a:p>
+            <a:pPr marL="0" indent="0">
+              <a:buNone/>
+            </a:pPr>
+            <a:r>
+              <a:rPr lang="hr-HR" sz="1300" dirty="0" smtClean="0">
+                <a:latin typeface="Calibri" panose="020F0502020204030204" pitchFamily="34" charset="0"/>
+              </a:rPr>
+              <a:t>   </a:t>
+            </a:r>
+            <a:r>
+              <a:rPr lang="hr-HR" sz="1300" dirty="0" err="1">
+                <a:latin typeface="Calibri" panose="020F0502020204030204" pitchFamily="34" charset="0"/>
+              </a:rPr>
+              <a:t>tx.executeSql</a:t>
+            </a:r>
+            <a:r>
+              <a:rPr lang="hr-HR" sz="1300" dirty="0">
+                <a:latin typeface="Calibri" panose="020F0502020204030204" pitchFamily="34" charset="0"/>
+              </a:rPr>
+              <a:t>('INSERT  INTO </a:t>
+            </a:r>
+            <a:r>
+              <a:rPr lang="hr-HR" sz="1300" dirty="0" err="1">
+                <a:latin typeface="Calibri" panose="020F0502020204030204" pitchFamily="34" charset="0"/>
+              </a:rPr>
+              <a:t>Category</a:t>
+            </a:r>
+            <a:r>
+              <a:rPr lang="hr-HR" sz="1300" dirty="0">
+                <a:latin typeface="Calibri" panose="020F0502020204030204" pitchFamily="34" charset="0"/>
+              </a:rPr>
+              <a:t>(</a:t>
+            </a:r>
+            <a:r>
+              <a:rPr lang="hr-HR" sz="1300" dirty="0" err="1">
+                <a:latin typeface="Calibri" panose="020F0502020204030204" pitchFamily="34" charset="0"/>
+              </a:rPr>
+              <a:t>category_name</a:t>
+            </a:r>
+            <a:r>
+              <a:rPr lang="hr-HR" sz="1300" dirty="0">
+                <a:latin typeface="Calibri" panose="020F0502020204030204" pitchFamily="34" charset="0"/>
+              </a:rPr>
+              <a:t>) VALUES (?)', ["</a:t>
+            </a:r>
+            <a:r>
+              <a:rPr lang="hr-HR" sz="1300" dirty="0" err="1">
+                <a:latin typeface="Calibri" panose="020F0502020204030204" pitchFamily="34" charset="0"/>
+              </a:rPr>
+              <a:t>Private</a:t>
+            </a:r>
+            <a:r>
+              <a:rPr lang="hr-HR" sz="1300" dirty="0">
+                <a:latin typeface="Calibri" panose="020F0502020204030204" pitchFamily="34" charset="0"/>
+              </a:rPr>
+              <a:t>"]);</a:t>
+            </a:r>
+          </a:p>
+          <a:p>
+            <a:pPr marL="0" indent="0">
+              <a:buNone/>
+            </a:pPr>
+            <a:r>
+              <a:rPr lang="hr-HR" sz="1300" dirty="0" smtClean="0">
+                <a:latin typeface="Calibri" panose="020F0502020204030204" pitchFamily="34" charset="0"/>
+              </a:rPr>
+              <a:t>   </a:t>
+            </a:r>
+            <a:r>
+              <a:rPr lang="hr-HR" sz="1300" dirty="0" err="1">
+                <a:latin typeface="Calibri" panose="020F0502020204030204" pitchFamily="34" charset="0"/>
+              </a:rPr>
+              <a:t>tx.executeSql</a:t>
+            </a:r>
+            <a:r>
+              <a:rPr lang="hr-HR" sz="1300" dirty="0">
+                <a:latin typeface="Calibri" panose="020F0502020204030204" pitchFamily="34" charset="0"/>
+              </a:rPr>
+              <a:t>('INSERT  INTO </a:t>
+            </a:r>
+            <a:r>
+              <a:rPr lang="hr-HR" sz="1300" dirty="0" err="1">
+                <a:latin typeface="Calibri" panose="020F0502020204030204" pitchFamily="34" charset="0"/>
+              </a:rPr>
+              <a:t>Category</a:t>
+            </a:r>
+            <a:r>
+              <a:rPr lang="hr-HR" sz="1300" dirty="0">
+                <a:latin typeface="Calibri" panose="020F0502020204030204" pitchFamily="34" charset="0"/>
+              </a:rPr>
+              <a:t>(</a:t>
+            </a:r>
+            <a:r>
+              <a:rPr lang="hr-HR" sz="1300" dirty="0" err="1">
+                <a:latin typeface="Calibri" panose="020F0502020204030204" pitchFamily="34" charset="0"/>
+              </a:rPr>
+              <a:t>category_name</a:t>
+            </a:r>
+            <a:r>
+              <a:rPr lang="hr-HR" sz="1300" dirty="0">
+                <a:latin typeface="Calibri" panose="020F0502020204030204" pitchFamily="34" charset="0"/>
+              </a:rPr>
+              <a:t>) VALUES (?)', ["Home"]);</a:t>
+            </a:r>
+          </a:p>
+          <a:p>
+            <a:pPr marL="0" indent="0">
+              <a:buNone/>
+            </a:pPr>
+            <a:r>
+              <a:rPr lang="hr-HR" sz="1300" dirty="0">
+                <a:latin typeface="Calibri" panose="020F0502020204030204" pitchFamily="34" charset="0"/>
+              </a:rPr>
+              <a:t> </a:t>
+            </a:r>
+            <a:r>
+              <a:rPr lang="hr-HR" sz="1300" dirty="0" smtClean="0">
+                <a:latin typeface="Calibri" panose="020F0502020204030204" pitchFamily="34" charset="0"/>
+              </a:rPr>
+              <a:t>  </a:t>
+            </a:r>
+            <a:r>
+              <a:rPr lang="hr-HR" sz="1300" dirty="0" err="1" smtClean="0">
+                <a:latin typeface="Calibri" panose="020F0502020204030204" pitchFamily="34" charset="0"/>
+              </a:rPr>
+              <a:t>tx.executeSql</a:t>
+            </a:r>
+            <a:r>
+              <a:rPr lang="hr-HR" sz="1300" dirty="0">
+                <a:latin typeface="Calibri" panose="020F0502020204030204" pitchFamily="34" charset="0"/>
+              </a:rPr>
+              <a:t>('INSERT  INTO </a:t>
+            </a:r>
+            <a:r>
+              <a:rPr lang="hr-HR" sz="1300" dirty="0" err="1">
+                <a:latin typeface="Calibri" panose="020F0502020204030204" pitchFamily="34" charset="0"/>
+              </a:rPr>
+              <a:t>Category</a:t>
+            </a:r>
+            <a:r>
+              <a:rPr lang="hr-HR" sz="1300" dirty="0">
+                <a:latin typeface="Calibri" panose="020F0502020204030204" pitchFamily="34" charset="0"/>
+              </a:rPr>
+              <a:t>(</a:t>
+            </a:r>
+            <a:r>
+              <a:rPr lang="hr-HR" sz="1300" dirty="0" err="1">
+                <a:latin typeface="Calibri" panose="020F0502020204030204" pitchFamily="34" charset="0"/>
+              </a:rPr>
+              <a:t>category_name</a:t>
+            </a:r>
+            <a:r>
+              <a:rPr lang="hr-HR" sz="1300" dirty="0">
+                <a:latin typeface="Calibri" panose="020F0502020204030204" pitchFamily="34" charset="0"/>
+              </a:rPr>
+              <a:t>) VALUES (?)', ["</a:t>
+            </a:r>
+            <a:r>
+              <a:rPr lang="hr-HR" sz="1300" dirty="0" err="1">
+                <a:latin typeface="Calibri" panose="020F0502020204030204" pitchFamily="34" charset="0"/>
+              </a:rPr>
+              <a:t>Work</a:t>
+            </a:r>
+            <a:r>
+              <a:rPr lang="hr-HR" sz="1300" dirty="0">
+                <a:latin typeface="Calibri" panose="020F0502020204030204" pitchFamily="34" charset="0"/>
+              </a:rPr>
+              <a:t>"]);</a:t>
+            </a:r>
+          </a:p>
+          <a:p>
+            <a:pPr marL="0" indent="0">
+              <a:buNone/>
+            </a:pPr>
+            <a:r>
+              <a:rPr lang="hr-HR" sz="1300" dirty="0" smtClean="0">
+                <a:latin typeface="Calibri" panose="020F0502020204030204" pitchFamily="34" charset="0"/>
+              </a:rPr>
+              <a:t>   </a:t>
+            </a:r>
+            <a:r>
+              <a:rPr lang="hr-HR" sz="1300" dirty="0" err="1" smtClean="0">
+                <a:latin typeface="Calibri" panose="020F0502020204030204" pitchFamily="34" charset="0"/>
+              </a:rPr>
+              <a:t>tx.executeSql</a:t>
+            </a:r>
+            <a:r>
+              <a:rPr lang="hr-HR" sz="1300" dirty="0">
+                <a:latin typeface="Calibri" panose="020F0502020204030204" pitchFamily="34" charset="0"/>
+              </a:rPr>
+              <a:t>("SELECT </a:t>
+            </a:r>
+            <a:r>
+              <a:rPr lang="hr-HR" sz="1300" dirty="0" err="1">
+                <a:latin typeface="Calibri" panose="020F0502020204030204" pitchFamily="34" charset="0"/>
+              </a:rPr>
+              <a:t>id</a:t>
+            </a:r>
+            <a:r>
+              <a:rPr lang="hr-HR" sz="1300" dirty="0">
+                <a:latin typeface="Calibri" panose="020F0502020204030204" pitchFamily="34" charset="0"/>
+              </a:rPr>
+              <a:t>, </a:t>
+            </a:r>
+            <a:r>
+              <a:rPr lang="hr-HR" sz="1300" dirty="0" err="1">
+                <a:latin typeface="Calibri" panose="020F0502020204030204" pitchFamily="34" charset="0"/>
+              </a:rPr>
+              <a:t>category_name</a:t>
+            </a:r>
+            <a:r>
+              <a:rPr lang="hr-HR" sz="1300" dirty="0">
+                <a:latin typeface="Calibri" panose="020F0502020204030204" pitchFamily="34" charset="0"/>
+              </a:rPr>
+              <a:t> </a:t>
+            </a:r>
+            <a:r>
+              <a:rPr lang="hr-HR" sz="1300" dirty="0" err="1">
+                <a:latin typeface="Calibri" panose="020F0502020204030204" pitchFamily="34" charset="0"/>
+              </a:rPr>
+              <a:t>from</a:t>
+            </a:r>
+            <a:r>
+              <a:rPr lang="hr-HR" sz="1300" dirty="0">
+                <a:latin typeface="Calibri" panose="020F0502020204030204" pitchFamily="34" charset="0"/>
+              </a:rPr>
+              <a:t> </a:t>
+            </a:r>
+            <a:r>
+              <a:rPr lang="hr-HR" sz="1300" dirty="0" err="1">
+                <a:latin typeface="Calibri" panose="020F0502020204030204" pitchFamily="34" charset="0"/>
+              </a:rPr>
+              <a:t>Category</a:t>
+            </a:r>
+            <a:r>
+              <a:rPr lang="hr-HR" sz="1300" dirty="0">
+                <a:latin typeface="Calibri" panose="020F0502020204030204" pitchFamily="34" charset="0"/>
+              </a:rPr>
+              <a:t>;", [], </a:t>
+            </a:r>
+            <a:r>
+              <a:rPr lang="hr-HR" sz="1300" dirty="0" err="1">
+                <a:latin typeface="Calibri" panose="020F0502020204030204" pitchFamily="34" charset="0"/>
+              </a:rPr>
+              <a:t>catSuccess</a:t>
+            </a:r>
+            <a:r>
+              <a:rPr lang="hr-HR" sz="1300" dirty="0">
+                <a:latin typeface="Calibri" panose="020F0502020204030204" pitchFamily="34" charset="0"/>
+              </a:rPr>
+              <a:t>, </a:t>
+            </a:r>
+            <a:r>
+              <a:rPr lang="hr-HR" sz="1300" dirty="0" err="1">
+                <a:latin typeface="Calibri" panose="020F0502020204030204" pitchFamily="34" charset="0"/>
+              </a:rPr>
+              <a:t>errorCB</a:t>
+            </a:r>
+            <a:r>
+              <a:rPr lang="hr-HR" sz="1300" dirty="0">
+                <a:latin typeface="Calibri" panose="020F0502020204030204" pitchFamily="34" charset="0"/>
+              </a:rPr>
+              <a:t>);</a:t>
+            </a:r>
+          </a:p>
+          <a:p>
+            <a:pPr marL="0" indent="0">
+              <a:buNone/>
+            </a:pPr>
+            <a:r>
+              <a:rPr lang="hr-HR" sz="1300" dirty="0" smtClean="0">
+                <a:latin typeface="Calibri" panose="020F0502020204030204" pitchFamily="34" charset="0"/>
+              </a:rPr>
+              <a:t>}</a:t>
+            </a:r>
+          </a:p>
+          <a:p>
+            <a:pPr marL="0" indent="0">
+              <a:buNone/>
+            </a:pPr>
+            <a:r>
+              <a:rPr lang="hr-HR" sz="1400" dirty="0" err="1" smtClean="0"/>
+              <a:t>function</a:t>
+            </a:r>
+            <a:r>
+              <a:rPr lang="hr-HR" sz="1400" dirty="0" smtClean="0"/>
+              <a:t> </a:t>
+            </a:r>
+            <a:r>
+              <a:rPr lang="hr-HR" sz="1400" dirty="0" err="1"/>
+              <a:t>catSuccess</a:t>
+            </a:r>
+            <a:r>
+              <a:rPr lang="hr-HR" sz="1400" dirty="0"/>
+              <a:t>(</a:t>
+            </a:r>
+            <a:r>
+              <a:rPr lang="hr-HR" sz="1400" dirty="0" err="1"/>
+              <a:t>tx</a:t>
+            </a:r>
+            <a:r>
+              <a:rPr lang="hr-HR" sz="1400" dirty="0"/>
+              <a:t>, </a:t>
+            </a:r>
+            <a:r>
+              <a:rPr lang="hr-HR" sz="1400" dirty="0" err="1" smtClean="0"/>
+              <a:t>results</a:t>
+            </a:r>
+            <a:r>
+              <a:rPr lang="hr-HR" sz="1400" dirty="0" smtClean="0"/>
+              <a:t>){</a:t>
+            </a:r>
+          </a:p>
+          <a:p>
+            <a:pPr marL="0" indent="0">
+              <a:buNone/>
+            </a:pPr>
+            <a:r>
+              <a:rPr lang="hr-HR" sz="1300" dirty="0">
+                <a:latin typeface="Calibri" panose="020F0502020204030204" pitchFamily="34" charset="0"/>
+              </a:rPr>
+              <a:t>	for (var i = 0; i &lt; </a:t>
+            </a:r>
+            <a:r>
+              <a:rPr lang="hr-HR" sz="1300" dirty="0" err="1">
+                <a:latin typeface="Calibri" panose="020F0502020204030204" pitchFamily="34" charset="0"/>
+              </a:rPr>
+              <a:t>len</a:t>
+            </a:r>
+            <a:r>
+              <a:rPr lang="hr-HR" sz="1300" dirty="0">
+                <a:latin typeface="Calibri" panose="020F0502020204030204" pitchFamily="34" charset="0"/>
+              </a:rPr>
+              <a:t>; i++) </a:t>
+            </a:r>
+          </a:p>
+          <a:p>
+            <a:pPr marL="0" indent="0">
+              <a:buNone/>
+            </a:pPr>
+            <a:r>
+              <a:rPr lang="hr-HR" sz="1300" dirty="0">
+                <a:latin typeface="Calibri" panose="020F0502020204030204" pitchFamily="34" charset="0"/>
+              </a:rPr>
+              <a:t>	  {</a:t>
+            </a:r>
+            <a:br>
+              <a:rPr lang="hr-HR" sz="1300" dirty="0">
+                <a:latin typeface="Calibri" panose="020F0502020204030204" pitchFamily="34" charset="0"/>
+              </a:rPr>
+            </a:br>
+            <a:r>
+              <a:rPr lang="hr-HR" sz="1300" dirty="0">
+                <a:latin typeface="Calibri" panose="020F0502020204030204" pitchFamily="34" charset="0"/>
+              </a:rPr>
+              <a:t>		var y=  </a:t>
+            </a:r>
+            <a:r>
+              <a:rPr lang="hr-HR" sz="1300" dirty="0" err="1">
+                <a:latin typeface="Calibri" panose="020F0502020204030204" pitchFamily="34" charset="0"/>
+              </a:rPr>
+              <a:t>document.getElementById</a:t>
+            </a:r>
+            <a:r>
+              <a:rPr lang="hr-HR" sz="1300" dirty="0">
+                <a:latin typeface="Calibri" panose="020F0502020204030204" pitchFamily="34" charset="0"/>
+              </a:rPr>
+              <a:t>("</a:t>
+            </a:r>
+            <a:r>
+              <a:rPr lang="hr-HR" sz="1300" dirty="0" err="1">
+                <a:latin typeface="Calibri" panose="020F0502020204030204" pitchFamily="34" charset="0"/>
+              </a:rPr>
+              <a:t>select</a:t>
+            </a:r>
+            <a:r>
+              <a:rPr lang="hr-HR" sz="1300" dirty="0">
+                <a:latin typeface="Calibri" panose="020F0502020204030204" pitchFamily="34" charset="0"/>
+              </a:rPr>
+              <a:t>");</a:t>
+            </a:r>
+          </a:p>
+          <a:p>
+            <a:pPr marL="0" indent="0">
+              <a:buNone/>
+            </a:pPr>
+            <a:r>
+              <a:rPr lang="hr-HR" sz="1300" dirty="0">
+                <a:latin typeface="Calibri" panose="020F0502020204030204" pitchFamily="34" charset="0"/>
+              </a:rPr>
+              <a:t>		var z=  </a:t>
+            </a:r>
+            <a:r>
+              <a:rPr lang="hr-HR" sz="1300" dirty="0" err="1">
+                <a:latin typeface="Calibri" panose="020F0502020204030204" pitchFamily="34" charset="0"/>
+              </a:rPr>
+              <a:t>document.getElementById</a:t>
+            </a:r>
+            <a:r>
+              <a:rPr lang="hr-HR" sz="1300" dirty="0">
+                <a:latin typeface="Calibri" panose="020F0502020204030204" pitchFamily="34" charset="0"/>
+              </a:rPr>
+              <a:t>("</a:t>
+            </a:r>
+            <a:r>
+              <a:rPr lang="hr-HR" sz="1300" dirty="0" err="1">
+                <a:latin typeface="Calibri" panose="020F0502020204030204" pitchFamily="34" charset="0"/>
+              </a:rPr>
+              <a:t>selects</a:t>
+            </a:r>
+            <a:r>
+              <a:rPr lang="hr-HR" sz="1300" dirty="0">
+                <a:latin typeface="Calibri" panose="020F0502020204030204" pitchFamily="34" charset="0"/>
+              </a:rPr>
+              <a:t>");</a:t>
+            </a:r>
+          </a:p>
+          <a:p>
+            <a:pPr marL="0" indent="0">
+              <a:buNone/>
+            </a:pPr>
+            <a:r>
+              <a:rPr lang="hr-HR" sz="1300" dirty="0">
+                <a:latin typeface="Calibri" panose="020F0502020204030204" pitchFamily="34" charset="0"/>
+              </a:rPr>
+              <a:t>		var </a:t>
+            </a:r>
+            <a:r>
+              <a:rPr lang="hr-HR" sz="1300" dirty="0" err="1">
+                <a:latin typeface="Calibri" panose="020F0502020204030204" pitchFamily="34" charset="0"/>
+              </a:rPr>
+              <a:t>option</a:t>
+            </a:r>
+            <a:r>
+              <a:rPr lang="hr-HR" sz="1300" dirty="0">
                 <a:latin typeface="Calibri" panose="020F0502020204030204" pitchFamily="34" charset="0"/>
               </a:rPr>
               <a:t> = </a:t>
             </a:r>
             <a:r>
-              <a:rPr lang="hr-HR" sz="2400" dirty="0" err="1">
-                <a:latin typeface="Calibri" panose="020F0502020204030204" pitchFamily="34" charset="0"/>
-              </a:rPr>
-              <a:t>function</a:t>
-            </a:r>
-            <a:r>
-              <a:rPr lang="hr-HR" sz="2400" dirty="0">
-                <a:latin typeface="Calibri" panose="020F0502020204030204" pitchFamily="34" charset="0"/>
-              </a:rPr>
-              <a:t> (</a:t>
-            </a:r>
-            <a:r>
-              <a:rPr lang="hr-HR" sz="2400" dirty="0" err="1">
-                <a:latin typeface="Calibri" panose="020F0502020204030204" pitchFamily="34" charset="0"/>
-              </a:rPr>
-              <a:t>x,time,category,notetxt</a:t>
-            </a:r>
-            <a:r>
-              <a:rPr lang="hr-HR" sz="2400" dirty="0">
-                <a:latin typeface="Calibri" panose="020F0502020204030204" pitchFamily="34" charset="0"/>
-              </a:rPr>
-              <a:t>) {</a:t>
+              <a:rPr lang="hr-HR" sz="1300" dirty="0" err="1">
+                <a:latin typeface="Calibri" panose="020F0502020204030204" pitchFamily="34" charset="0"/>
+              </a:rPr>
+              <a:t>document.createElement</a:t>
+            </a:r>
+            <a:r>
+              <a:rPr lang="hr-HR" sz="1300" dirty="0">
+                <a:latin typeface="Calibri" panose="020F0502020204030204" pitchFamily="34" charset="0"/>
+              </a:rPr>
+              <a:t>("</a:t>
+            </a:r>
+            <a:r>
+              <a:rPr lang="hr-HR" sz="1300" dirty="0" err="1">
+                <a:latin typeface="Calibri" panose="020F0502020204030204" pitchFamily="34" charset="0"/>
+              </a:rPr>
+              <a:t>option</a:t>
+            </a:r>
+            <a:r>
+              <a:rPr lang="hr-HR" sz="1300" dirty="0">
+                <a:latin typeface="Calibri" panose="020F0502020204030204" pitchFamily="34" charset="0"/>
+              </a:rPr>
+              <a:t>");</a:t>
             </a:r>
           </a:p>
           <a:p>
@@ -8926,22 +9725,46 @@
               <a:buNone/>
             </a:pPr>
             <a:r>
-              <a:rPr lang="hr-HR" sz="2400" dirty="0">
-                <a:latin typeface="Calibri" panose="020F0502020204030204" pitchFamily="34" charset="0"/>
-              </a:rPr>
-              <a:t>    var d = </a:t>
-            </a:r>
-            <a:r>
-              <a:rPr lang="hr-HR" sz="2400" dirty="0" err="1">
-                <a:latin typeface="Calibri" panose="020F0502020204030204" pitchFamily="34" charset="0"/>
-              </a:rPr>
-              <a:t>new</a:t>
-            </a:r>
-            <a:r>
-              <a:rPr lang="hr-HR" sz="2400" dirty="0">
-                <a:latin typeface="Calibri" panose="020F0502020204030204" pitchFamily="34" charset="0"/>
-              </a:rPr>
-              <a:t> Date(time);</a:t>
+              <a:rPr lang="hr-HR" sz="1300" dirty="0">
+                <a:latin typeface="Calibri" panose="020F0502020204030204" pitchFamily="34" charset="0"/>
+              </a:rPr>
+              <a:t>		</a:t>
+            </a:r>
+            <a:r>
+              <a:rPr lang="hr-HR" sz="1300" dirty="0" err="1">
+                <a:latin typeface="Calibri" panose="020F0502020204030204" pitchFamily="34" charset="0"/>
+              </a:rPr>
+              <a:t>option.text</a:t>
+            </a:r>
+            <a:r>
+              <a:rPr lang="hr-HR" sz="1300" dirty="0">
+                <a:latin typeface="Calibri" panose="020F0502020204030204" pitchFamily="34" charset="0"/>
+              </a:rPr>
+              <a:t> = </a:t>
+            </a:r>
+            <a:r>
+              <a:rPr lang="hr-HR" sz="1300" dirty="0" err="1">
+                <a:latin typeface="Calibri" panose="020F0502020204030204" pitchFamily="34" charset="0"/>
+              </a:rPr>
+              <a:t>results.rows.item</a:t>
+            </a:r>
+            <a:r>
+              <a:rPr lang="hr-HR" sz="1300" dirty="0">
+                <a:latin typeface="Calibri" panose="020F0502020204030204" pitchFamily="34" charset="0"/>
+              </a:rPr>
+              <a:t>(i).</a:t>
+            </a:r>
+            <a:r>
+              <a:rPr lang="hr-HR" sz="1300" dirty="0" err="1">
+                <a:latin typeface="Calibri" panose="020F0502020204030204" pitchFamily="34" charset="0"/>
+              </a:rPr>
+              <a:t>category_name</a:t>
+            </a:r>
+            <a:r>
+              <a:rPr lang="hr-HR" sz="1300" dirty="0">
+                <a:latin typeface="Calibri" panose="020F0502020204030204" pitchFamily="34" charset="0"/>
+              </a:rPr>
+              <a:t>;</a:t>
             </a:r>
           </a:p>
           <a:p>
@@ -8949,313 +9772,89 @@
               <a:buNone/>
             </a:pPr>
             <a:r>
-              <a:rPr lang="hr-HR" sz="2400" dirty="0">
-                <a:latin typeface="Calibri" panose="020F0502020204030204" pitchFamily="34" charset="0"/>
-              </a:rPr>
-              <a:t>    var n = </a:t>
-            </a:r>
-            <a:r>
-              <a:rPr lang="hr-HR" sz="2400" dirty="0" err="1">
-                <a:latin typeface="Calibri" panose="020F0502020204030204" pitchFamily="34" charset="0"/>
-              </a:rPr>
-              <a:t>d.valueOf</a:t>
-            </a:r>
-            <a:r>
-              <a:rPr lang="hr-HR" sz="2400" dirty="0">
-                <a:latin typeface="Calibri" panose="020F0502020204030204" pitchFamily="34" charset="0"/>
-              </a:rPr>
-              <a:t>();</a:t>
+              <a:rPr lang="hr-HR" sz="1300" dirty="0">
+                <a:latin typeface="Calibri" panose="020F0502020204030204" pitchFamily="34" charset="0"/>
+              </a:rPr>
+              <a:t>		</a:t>
+            </a:r>
+            <a:r>
+              <a:rPr lang="hr-HR" sz="1300" dirty="0" err="1">
+                <a:latin typeface="Calibri" panose="020F0502020204030204" pitchFamily="34" charset="0"/>
+              </a:rPr>
+              <a:t>y.add</a:t>
+            </a:r>
+            <a:r>
+              <a:rPr lang="hr-HR" sz="1300" dirty="0">
+                <a:latin typeface="Calibri" panose="020F0502020204030204" pitchFamily="34" charset="0"/>
+              </a:rPr>
+              <a:t>(</a:t>
+            </a:r>
+            <a:r>
+              <a:rPr lang="hr-HR" sz="1300" dirty="0" err="1">
+                <a:latin typeface="Calibri" panose="020F0502020204030204" pitchFamily="34" charset="0"/>
+              </a:rPr>
+              <a:t>option</a:t>
+            </a:r>
+            <a:r>
+              <a:rPr lang="hr-HR" sz="1300" dirty="0">
+                <a:latin typeface="Calibri" panose="020F0502020204030204" pitchFamily="34" charset="0"/>
+              </a:rPr>
+              <a:t>);</a:t>
+            </a:r>
+            <a:br>
+              <a:rPr lang="hr-HR" sz="1300" dirty="0">
+                <a:latin typeface="Calibri" panose="020F0502020204030204" pitchFamily="34" charset="0"/>
+              </a:rPr>
+            </a:br>
+            <a:r>
+              <a:rPr lang="hr-HR" sz="1300" dirty="0">
+                <a:latin typeface="Calibri" panose="020F0502020204030204" pitchFamily="34" charset="0"/>
+              </a:rPr>
+              <a:t>		</a:t>
+            </a:r>
+            <a:r>
+              <a:rPr lang="hr-HR" sz="1300" dirty="0" err="1">
+                <a:latin typeface="Calibri" panose="020F0502020204030204" pitchFamily="34" charset="0"/>
+              </a:rPr>
+              <a:t>z.add</a:t>
+            </a:r>
+            <a:r>
+              <a:rPr lang="hr-HR" sz="1300" dirty="0">
+                <a:latin typeface="Calibri" panose="020F0502020204030204" pitchFamily="34" charset="0"/>
+              </a:rPr>
+              <a:t>(</a:t>
+            </a:r>
+            <a:r>
+              <a:rPr lang="hr-HR" sz="1300" dirty="0" err="1">
+                <a:latin typeface="Calibri" panose="020F0502020204030204" pitchFamily="34" charset="0"/>
+              </a:rPr>
+              <a:t>option</a:t>
+            </a:r>
+            <a:r>
+              <a:rPr lang="hr-HR" sz="1300" dirty="0">
+                <a:latin typeface="Calibri" panose="020F0502020204030204" pitchFamily="34" charset="0"/>
+              </a:rPr>
+              <a:t>);</a:t>
+            </a:r>
+            <a:br>
+              <a:rPr lang="hr-HR" sz="1300" dirty="0">
+                <a:latin typeface="Calibri" panose="020F0502020204030204" pitchFamily="34" charset="0"/>
+              </a:rPr>
+            </a:br>
+            <a:r>
+              <a:rPr lang="hr-HR" sz="1300" dirty="0">
+                <a:latin typeface="Calibri" panose="020F0502020204030204" pitchFamily="34" charset="0"/>
+              </a:rPr>
+              <a:t>	 } </a:t>
             </a:r>
           </a:p>
           <a:p>
             <a:pPr marL="0" indent="0">
               <a:buNone/>
             </a:pPr>
-            <a:r>
-              <a:rPr lang="hr-HR" sz="2400" dirty="0">
-                <a:latin typeface="Calibri" panose="020F0502020204030204" pitchFamily="34" charset="0"/>
-              </a:rPr>
-              <a:t> </a:t>
-            </a:r>
-          </a:p>
-          <a:p>
-            <a:pPr marL="0" indent="0">
-              <a:buNone/>
-            </a:pPr>
-            <a:r>
-              <a:rPr lang="hr-HR" sz="2400" dirty="0">
-                <a:latin typeface="Calibri" panose="020F0502020204030204" pitchFamily="34" charset="0"/>
-              </a:rPr>
-              <a:t>    </a:t>
-            </a:r>
-            <a:r>
-              <a:rPr lang="hr-HR" sz="2400" dirty="0" err="1">
-                <a:latin typeface="Calibri" panose="020F0502020204030204" pitchFamily="34" charset="0"/>
-              </a:rPr>
-              <a:t>document.getElementById</a:t>
-            </a:r>
-            <a:r>
-              <a:rPr lang="hr-HR" sz="2400" dirty="0">
-                <a:latin typeface="Calibri" panose="020F0502020204030204" pitchFamily="34" charset="0"/>
-              </a:rPr>
-              <a:t>("</a:t>
-            </a:r>
-            <a:r>
-              <a:rPr lang="hr-HR" sz="2400" dirty="0" err="1">
-                <a:latin typeface="Calibri" panose="020F0502020204030204" pitchFamily="34" charset="0"/>
-              </a:rPr>
-              <a:t>sched</a:t>
-            </a:r>
-            <a:r>
-              <a:rPr lang="hr-HR" sz="2400" dirty="0">
-                <a:latin typeface="Calibri" panose="020F0502020204030204" pitchFamily="34" charset="0"/>
-              </a:rPr>
-              <a:t>").</a:t>
-            </a:r>
-            <a:r>
-              <a:rPr lang="hr-HR" sz="2400" dirty="0" err="1">
-                <a:latin typeface="Calibri" panose="020F0502020204030204" pitchFamily="34" charset="0"/>
-              </a:rPr>
-              <a:t>innerHTML</a:t>
-            </a:r>
-            <a:r>
-              <a:rPr lang="hr-HR" sz="2400" dirty="0">
-                <a:latin typeface="Calibri" panose="020F0502020204030204" pitchFamily="34" charset="0"/>
-              </a:rPr>
-              <a:t> = n;</a:t>
-            </a:r>
-          </a:p>
-          <a:p>
-            <a:pPr marL="0" indent="0">
-              <a:buNone/>
-            </a:pPr>
-            <a:r>
-              <a:rPr lang="hr-HR" sz="2400" dirty="0">
-                <a:latin typeface="Calibri" panose="020F0502020204030204" pitchFamily="34" charset="0"/>
-              </a:rPr>
-              <a:t> </a:t>
-            </a:r>
-          </a:p>
-          <a:p>
-            <a:pPr marL="0" indent="0">
-              <a:buNone/>
-            </a:pPr>
-            <a:r>
-              <a:rPr lang="hr-HR" sz="2400" dirty="0">
-                <a:latin typeface="Calibri" panose="020F0502020204030204" pitchFamily="34" charset="0"/>
-              </a:rPr>
-              <a:t>                var </a:t>
-            </a:r>
-            <a:r>
-              <a:rPr lang="hr-HR" sz="2400" dirty="0" err="1">
-                <a:latin typeface="Calibri" panose="020F0502020204030204" pitchFamily="34" charset="0"/>
-              </a:rPr>
-              <a:t>sound</a:t>
-            </a:r>
-            <a:r>
-              <a:rPr lang="hr-HR" sz="2400" dirty="0">
-                <a:latin typeface="Calibri" panose="020F0502020204030204" pitchFamily="34" charset="0"/>
-              </a:rPr>
-              <a:t> = </a:t>
-            </a:r>
-            <a:r>
-              <a:rPr lang="hr-HR" sz="2400" dirty="0" err="1">
-                <a:latin typeface="Calibri" panose="020F0502020204030204" pitchFamily="34" charset="0"/>
-              </a:rPr>
-              <a:t>device.platform</a:t>
-            </a:r>
-            <a:r>
-              <a:rPr lang="hr-HR" sz="2400" dirty="0">
-                <a:latin typeface="Calibri" panose="020F0502020204030204" pitchFamily="34" charset="0"/>
-              </a:rPr>
-              <a:t> == 'Android' ?   'file://sound.mp3' : 'file://beep.caf';</a:t>
-            </a:r>
-          </a:p>
-          <a:p>
-            <a:pPr marL="0" indent="0">
-              <a:buNone/>
-            </a:pPr>
-            <a:r>
-              <a:rPr lang="hr-HR" sz="2400" dirty="0">
-                <a:latin typeface="Calibri" panose="020F0502020204030204" pitchFamily="34" charset="0"/>
-              </a:rPr>
-              <a:t> </a:t>
-            </a:r>
-          </a:p>
-          <a:p>
-            <a:pPr marL="0" indent="0">
-              <a:buNone/>
-            </a:pPr>
-            <a:r>
-              <a:rPr lang="hr-HR" sz="2400" dirty="0">
-                <a:latin typeface="Calibri" panose="020F0502020204030204" pitchFamily="34" charset="0"/>
-              </a:rPr>
-              <a:t>                </a:t>
-            </a:r>
-            <a:r>
-              <a:rPr lang="hr-HR" sz="2400" dirty="0" err="1">
-                <a:latin typeface="Calibri" panose="020F0502020204030204" pitchFamily="34" charset="0"/>
-              </a:rPr>
-              <a:t>cordova.plugins.notification.local.schedule</a:t>
-            </a:r>
-            <a:r>
-              <a:rPr lang="hr-HR" sz="2400" dirty="0">
-                <a:latin typeface="Calibri" panose="020F0502020204030204" pitchFamily="34" charset="0"/>
-              </a:rPr>
-              <a:t>({</a:t>
-            </a:r>
-          </a:p>
-          <a:p>
-            <a:pPr marL="0" indent="0">
-              <a:buNone/>
-            </a:pPr>
-            <a:r>
-              <a:rPr lang="hr-HR" sz="2400" dirty="0">
-                <a:latin typeface="Calibri" panose="020F0502020204030204" pitchFamily="34" charset="0"/>
-              </a:rPr>
-              <a:t>                    </a:t>
-            </a:r>
-            <a:r>
-              <a:rPr lang="hr-HR" sz="2400" dirty="0" err="1">
-                <a:latin typeface="Calibri" panose="020F0502020204030204" pitchFamily="34" charset="0"/>
-              </a:rPr>
-              <a:t>id</a:t>
-            </a:r>
-            <a:r>
-              <a:rPr lang="hr-HR" sz="2400" dirty="0">
-                <a:latin typeface="Calibri" panose="020F0502020204030204" pitchFamily="34" charset="0"/>
-              </a:rPr>
-              <a:t>: x,</a:t>
-            </a:r>
-          </a:p>
-          <a:p>
-            <a:pPr marL="0" indent="0">
-              <a:buNone/>
-            </a:pPr>
-            <a:r>
-              <a:rPr lang="hr-HR" sz="2400" dirty="0">
-                <a:latin typeface="Calibri" panose="020F0502020204030204" pitchFamily="34" charset="0"/>
-              </a:rPr>
-              <a:t>                    title: </a:t>
-            </a:r>
-            <a:r>
-              <a:rPr lang="hr-HR" sz="2400" dirty="0" err="1">
-                <a:latin typeface="Calibri" panose="020F0502020204030204" pitchFamily="34" charset="0"/>
-              </a:rPr>
-              <a:t>category</a:t>
-            </a:r>
-            <a:r>
-              <a:rPr lang="hr-HR" sz="2400" dirty="0">
-                <a:latin typeface="Calibri" panose="020F0502020204030204" pitchFamily="34" charset="0"/>
-              </a:rPr>
-              <a:t>,</a:t>
-            </a:r>
-          </a:p>
-          <a:p>
-            <a:pPr marL="0" indent="0">
-              <a:buNone/>
-            </a:pPr>
-            <a:r>
-              <a:rPr lang="hr-HR" sz="2400" dirty="0">
-                <a:latin typeface="Calibri" panose="020F0502020204030204" pitchFamily="34" charset="0"/>
-              </a:rPr>
-              <a:t>			 </a:t>
-            </a:r>
-            <a:r>
-              <a:rPr lang="hr-HR" sz="2400" dirty="0" err="1">
-                <a:latin typeface="Calibri" panose="020F0502020204030204" pitchFamily="34" charset="0"/>
-              </a:rPr>
-              <a:t>text</a:t>
-            </a:r>
-            <a:r>
-              <a:rPr lang="hr-HR" sz="2400" dirty="0">
-                <a:latin typeface="Calibri" panose="020F0502020204030204" pitchFamily="34" charset="0"/>
-              </a:rPr>
-              <a:t>: </a:t>
-            </a:r>
-            <a:r>
-              <a:rPr lang="hr-HR" sz="2400" dirty="0" err="1">
-                <a:latin typeface="Calibri" panose="020F0502020204030204" pitchFamily="34" charset="0"/>
-              </a:rPr>
-              <a:t>notetxt</a:t>
-            </a:r>
-            <a:r>
-              <a:rPr lang="hr-HR" sz="2400" dirty="0">
-                <a:latin typeface="Calibri" panose="020F0502020204030204" pitchFamily="34" charset="0"/>
-              </a:rPr>
-              <a:t>,</a:t>
-            </a:r>
-          </a:p>
-          <a:p>
-            <a:pPr marL="0" indent="0">
-              <a:buNone/>
-            </a:pPr>
-            <a:r>
-              <a:rPr lang="hr-HR" sz="2400" dirty="0">
-                <a:latin typeface="Calibri" panose="020F0502020204030204" pitchFamily="34" charset="0"/>
-              </a:rPr>
-              <a:t>                    at: n,</a:t>
-            </a:r>
-          </a:p>
-          <a:p>
-            <a:pPr marL="0" indent="0">
-              <a:buNone/>
-            </a:pPr>
-            <a:r>
-              <a:rPr lang="hr-HR" sz="2400" dirty="0">
-                <a:latin typeface="Calibri" panose="020F0502020204030204" pitchFamily="34" charset="0"/>
-              </a:rPr>
-              <a:t>                    </a:t>
-            </a:r>
-            <a:r>
-              <a:rPr lang="hr-HR" sz="2400" dirty="0" err="1">
-                <a:latin typeface="Calibri" panose="020F0502020204030204" pitchFamily="34" charset="0"/>
-              </a:rPr>
-              <a:t>sound</a:t>
-            </a:r>
-            <a:r>
-              <a:rPr lang="hr-HR" sz="2400" dirty="0">
-                <a:latin typeface="Calibri" panose="020F0502020204030204" pitchFamily="34" charset="0"/>
-              </a:rPr>
-              <a:t>: </a:t>
-            </a:r>
-            <a:r>
-              <a:rPr lang="hr-HR" sz="2400" dirty="0" err="1">
-                <a:latin typeface="Calibri" panose="020F0502020204030204" pitchFamily="34" charset="0"/>
-              </a:rPr>
-              <a:t>sound</a:t>
-            </a:r>
-            <a:r>
-              <a:rPr lang="hr-HR" sz="2400" dirty="0">
-                <a:latin typeface="Calibri" panose="020F0502020204030204" pitchFamily="34" charset="0"/>
-              </a:rPr>
-              <a:t>,</a:t>
-            </a:r>
-          </a:p>
-          <a:p>
-            <a:pPr marL="0" indent="0">
-              <a:buNone/>
-            </a:pPr>
-            <a:r>
-              <a:rPr lang="hr-HR" sz="2400" dirty="0">
-                <a:latin typeface="Calibri" panose="020F0502020204030204" pitchFamily="34" charset="0"/>
-              </a:rPr>
-              <a:t>                });</a:t>
-            </a:r>
-          </a:p>
-          <a:p>
-            <a:pPr marL="0" indent="0">
-              <a:buNone/>
-            </a:pPr>
-            <a:r>
-              <a:rPr lang="hr-HR" sz="2400" dirty="0">
-                <a:latin typeface="Calibri" panose="020F0502020204030204" pitchFamily="34" charset="0"/>
-              </a:rPr>
-              <a:t>            };</a:t>
-            </a:r>
-          </a:p>
-          <a:p>
-            <a:endParaRPr lang="hr-HR" dirty="0"/>
+            <a:endParaRPr lang="hr-HR" sz="1300" dirty="0">
+              <a:latin typeface="Calibri" panose="020F0502020204030204" pitchFamily="34" charset="0"/>
+            </a:endParaRPr>
           </a:p>
         </p:txBody>
       </p:sp>
@@ -9284,20 +9883,20 @@
     </p:spTree>
     <p:extLst>
       <p:ext uri="{BB962C8B-B14F-4D97-AF65-F5344CB8AC3E}">
-        <p14:creationId xmlns:p14="http://schemas.microsoft.com/office/powerpoint/2010/main" val="995484362"/>
+        <p14:creationId xmlns:p14="http://schemas.microsoft.com/office/powerpoint/2010/main" val="1751697512"/>
       </p:ext>
     </p:extLst>
   </p:cSld>
   <p:clrMapOvr>
     <a:masterClrMapping/>
   </p:clrMapOvr>
-  <mc:AlternateContent xmlns:mc="http://schemas.openxmlformats.org/markup-compatibility/2006">
-    <mc:Choice xmlns:p14="http://schemas.microsoft.com/office/powerpoint/2010/main" Requires="p14">
+  <mc:AlternateContent xmlns:mc="http://schemas.openxmlformats.org/markup-compatibility/2006" xmlns:p14="http://schemas.microsoft.com/office/powerpoint/2010/main">
+    <mc:Choice Requires="p14">
       <p:transition spd="med" p14:dur="700">
         <p:fade/>
       </p:transition>
     </mc:Choice>
-    <mc:Fallback>
+    <mc:Fallback xmlns="">
       <p:transition spd="med">
         <p:fade/>
       </p:transition>
@@ -9307,748 +9906,6 @@
 </file>
 
 <file path=ppt/slides/slide17.xml><?xml version="1.0" encoding="utf-8"?>
-<p:sld xmlns:a="http://schemas.openxmlformats.org/drawingml/2006/main" xmlns:r="http://schemas.openxmlformats.org/officeDocument/2006/relationships" xmlns:p="http://schemas.openxmlformats.org/presentationml/2006/main">
-  <p:cSld>
-    <p:spTree>
-      <p:nvGrpSpPr>
-        <p:cNvPr id="1" name=""/>
-        <p:cNvGrpSpPr/>
-        <p:nvPr/>
-      </p:nvGrpSpPr>
-      <p:grpSpPr>
-        <a:xfrm>
-          <a:off x="0" y="0"/>
-          <a:ext cx="0" cy="0"/>
-          <a:chOff x="0" y="0"/>
-          <a:chExt cx="0" cy="0"/>
-        </a:xfrm>
-      </p:grpSpPr>
-      <p:sp>
-        <p:nvSpPr>
-          <p:cNvPr id="3" name="Content Placeholder 2"/>
-          <p:cNvSpPr>
-            <a:spLocks noGrp="1"/>
-          </p:cNvSpPr>
-          <p:nvPr>
-            <p:ph sz="half" idx="1"/>
-          </p:nvPr>
-        </p:nvSpPr>
-        <p:spPr>
-          <a:xfrm>
-            <a:off x="838199" y="1825625"/>
-            <a:ext cx="10515601" cy="4351338"/>
-          </a:xfrm>
-        </p:spPr>
-        <p:txBody>
-          <a:bodyPr>
-            <a:normAutofit/>
-          </a:bodyPr>
-          <a:lstStyle/>
-          <a:p>
-            <a:r>
-              <a:rPr lang="hr-HR" sz="1800" dirty="0" smtClean="0"/>
-              <a:t>Kategorije</a:t>
-            </a:r>
-            <a:endParaRPr lang="hr-HR" sz="1800" dirty="0"/>
-          </a:p>
-          <a:p>
-            <a:pPr marL="0" indent="0">
-              <a:buNone/>
-            </a:pPr>
-            <a:r>
-              <a:rPr lang="hr-HR" sz="1300" dirty="0" err="1">
-                <a:latin typeface="Calibri" panose="020F0502020204030204" pitchFamily="34" charset="0"/>
-              </a:rPr>
-              <a:t>function</a:t>
-            </a:r>
-            <a:r>
-              <a:rPr lang="hr-HR" sz="1300" dirty="0">
-                <a:latin typeface="Calibri" panose="020F0502020204030204" pitchFamily="34" charset="0"/>
-              </a:rPr>
-              <a:t> </a:t>
-            </a:r>
-            <a:r>
-              <a:rPr lang="hr-HR" sz="1300" dirty="0" err="1">
-                <a:latin typeface="Calibri" panose="020F0502020204030204" pitchFamily="34" charset="0"/>
-              </a:rPr>
-              <a:t>queryCat</a:t>
-            </a:r>
-            <a:r>
-              <a:rPr lang="hr-HR" sz="1300" dirty="0">
-                <a:latin typeface="Calibri" panose="020F0502020204030204" pitchFamily="34" charset="0"/>
-              </a:rPr>
-              <a:t>(</a:t>
-            </a:r>
-            <a:r>
-              <a:rPr lang="hr-HR" sz="1300" dirty="0" err="1">
-                <a:latin typeface="Calibri" panose="020F0502020204030204" pitchFamily="34" charset="0"/>
-              </a:rPr>
-              <a:t>tx</a:t>
-            </a:r>
-            <a:r>
-              <a:rPr lang="hr-HR" sz="1300" dirty="0">
-                <a:latin typeface="Calibri" panose="020F0502020204030204" pitchFamily="34" charset="0"/>
-              </a:rPr>
-              <a:t>) </a:t>
-            </a:r>
-            <a:r>
-              <a:rPr lang="hr-HR" sz="1300" dirty="0" smtClean="0">
-                <a:latin typeface="Calibri" panose="020F0502020204030204" pitchFamily="34" charset="0"/>
-              </a:rPr>
-              <a:t>{</a:t>
-            </a:r>
-          </a:p>
-          <a:p>
-            <a:pPr marL="0" indent="0">
-              <a:buNone/>
-            </a:pPr>
-            <a:r>
-              <a:rPr lang="hr-HR" sz="1300" dirty="0" smtClean="0">
-                <a:latin typeface="Calibri" panose="020F0502020204030204" pitchFamily="34" charset="0"/>
-              </a:rPr>
-              <a:t>   </a:t>
-            </a:r>
-            <a:r>
-              <a:rPr lang="hr-HR" sz="1300" dirty="0" err="1">
-                <a:latin typeface="Calibri" panose="020F0502020204030204" pitchFamily="34" charset="0"/>
-              </a:rPr>
-              <a:t>tx.executeSql</a:t>
-            </a:r>
-            <a:r>
-              <a:rPr lang="hr-HR" sz="1300" dirty="0">
-                <a:latin typeface="Calibri" panose="020F0502020204030204" pitchFamily="34" charset="0"/>
-              </a:rPr>
-              <a:t>('INSERT  INTO </a:t>
-            </a:r>
-            <a:r>
-              <a:rPr lang="hr-HR" sz="1300" dirty="0" err="1">
-                <a:latin typeface="Calibri" panose="020F0502020204030204" pitchFamily="34" charset="0"/>
-              </a:rPr>
-              <a:t>Category</a:t>
-            </a:r>
-            <a:r>
-              <a:rPr lang="hr-HR" sz="1300" dirty="0">
-                <a:latin typeface="Calibri" panose="020F0502020204030204" pitchFamily="34" charset="0"/>
-              </a:rPr>
-              <a:t>(</a:t>
-            </a:r>
-            <a:r>
-              <a:rPr lang="hr-HR" sz="1300" dirty="0" err="1">
-                <a:latin typeface="Calibri" panose="020F0502020204030204" pitchFamily="34" charset="0"/>
-              </a:rPr>
-              <a:t>category_name</a:t>
-            </a:r>
-            <a:r>
-              <a:rPr lang="hr-HR" sz="1300" dirty="0">
-                <a:latin typeface="Calibri" panose="020F0502020204030204" pitchFamily="34" charset="0"/>
-              </a:rPr>
-              <a:t>) VALUES (?)', ["</a:t>
-            </a:r>
-            <a:r>
-              <a:rPr lang="hr-HR" sz="1300" dirty="0" err="1">
-                <a:latin typeface="Calibri" panose="020F0502020204030204" pitchFamily="34" charset="0"/>
-              </a:rPr>
-              <a:t>Private</a:t>
-            </a:r>
-            <a:r>
-              <a:rPr lang="hr-HR" sz="1300" dirty="0">
-                <a:latin typeface="Calibri" panose="020F0502020204030204" pitchFamily="34" charset="0"/>
-              </a:rPr>
-              <a:t>"]);</a:t>
-            </a:r>
-          </a:p>
-          <a:p>
-            <a:pPr marL="0" indent="0">
-              <a:buNone/>
-            </a:pPr>
-            <a:r>
-              <a:rPr lang="hr-HR" sz="1300" dirty="0" smtClean="0">
-                <a:latin typeface="Calibri" panose="020F0502020204030204" pitchFamily="34" charset="0"/>
-              </a:rPr>
-              <a:t>   </a:t>
-            </a:r>
-            <a:r>
-              <a:rPr lang="hr-HR" sz="1300" dirty="0" err="1">
-                <a:latin typeface="Calibri" panose="020F0502020204030204" pitchFamily="34" charset="0"/>
-              </a:rPr>
-              <a:t>tx.executeSql</a:t>
-            </a:r>
-            <a:r>
-              <a:rPr lang="hr-HR" sz="1300" dirty="0">
-                <a:latin typeface="Calibri" panose="020F0502020204030204" pitchFamily="34" charset="0"/>
-              </a:rPr>
-              <a:t>('INSERT  INTO </a:t>
-            </a:r>
-            <a:r>
-              <a:rPr lang="hr-HR" sz="1300" dirty="0" err="1">
-                <a:latin typeface="Calibri" panose="020F0502020204030204" pitchFamily="34" charset="0"/>
-              </a:rPr>
-              <a:t>Category</a:t>
-            </a:r>
-            <a:r>
-              <a:rPr lang="hr-HR" sz="1300" dirty="0">
-                <a:latin typeface="Calibri" panose="020F0502020204030204" pitchFamily="34" charset="0"/>
-              </a:rPr>
-              <a:t>(</a:t>
-            </a:r>
-            <a:r>
-              <a:rPr lang="hr-HR" sz="1300" dirty="0" err="1">
-                <a:latin typeface="Calibri" panose="020F0502020204030204" pitchFamily="34" charset="0"/>
-              </a:rPr>
-              <a:t>category_name</a:t>
-            </a:r>
-            <a:r>
-              <a:rPr lang="hr-HR" sz="1300" dirty="0">
-                <a:latin typeface="Calibri" panose="020F0502020204030204" pitchFamily="34" charset="0"/>
-              </a:rPr>
-              <a:t>) VALUES (?)', ["Home"]);</a:t>
-            </a:r>
-          </a:p>
-          <a:p>
-            <a:pPr marL="0" indent="0">
-              <a:buNone/>
-            </a:pPr>
-            <a:r>
-              <a:rPr lang="hr-HR" sz="1300" dirty="0">
-                <a:latin typeface="Calibri" panose="020F0502020204030204" pitchFamily="34" charset="0"/>
-              </a:rPr>
-              <a:t> </a:t>
-            </a:r>
-            <a:r>
-              <a:rPr lang="hr-HR" sz="1300" dirty="0" smtClean="0">
-                <a:latin typeface="Calibri" panose="020F0502020204030204" pitchFamily="34" charset="0"/>
-              </a:rPr>
-              <a:t>  </a:t>
-            </a:r>
-            <a:r>
-              <a:rPr lang="hr-HR" sz="1300" dirty="0" err="1" smtClean="0">
-                <a:latin typeface="Calibri" panose="020F0502020204030204" pitchFamily="34" charset="0"/>
-              </a:rPr>
-              <a:t>tx.executeSql</a:t>
-            </a:r>
-            <a:r>
-              <a:rPr lang="hr-HR" sz="1300" dirty="0">
-                <a:latin typeface="Calibri" panose="020F0502020204030204" pitchFamily="34" charset="0"/>
-              </a:rPr>
-              <a:t>('INSERT  INTO </a:t>
-            </a:r>
-            <a:r>
-              <a:rPr lang="hr-HR" sz="1300" dirty="0" err="1">
-                <a:latin typeface="Calibri" panose="020F0502020204030204" pitchFamily="34" charset="0"/>
-              </a:rPr>
-              <a:t>Category</a:t>
-            </a:r>
-            <a:r>
-              <a:rPr lang="hr-HR" sz="1300" dirty="0">
-                <a:latin typeface="Calibri" panose="020F0502020204030204" pitchFamily="34" charset="0"/>
-              </a:rPr>
-              <a:t>(</a:t>
-            </a:r>
-            <a:r>
-              <a:rPr lang="hr-HR" sz="1300" dirty="0" err="1">
-                <a:latin typeface="Calibri" panose="020F0502020204030204" pitchFamily="34" charset="0"/>
-              </a:rPr>
-              <a:t>category_name</a:t>
-            </a:r>
-            <a:r>
-              <a:rPr lang="hr-HR" sz="1300" dirty="0">
-                <a:latin typeface="Calibri" panose="020F0502020204030204" pitchFamily="34" charset="0"/>
-              </a:rPr>
-              <a:t>) VALUES (?)', ["</a:t>
-            </a:r>
-            <a:r>
-              <a:rPr lang="hr-HR" sz="1300" dirty="0" err="1">
-                <a:latin typeface="Calibri" panose="020F0502020204030204" pitchFamily="34" charset="0"/>
-              </a:rPr>
-              <a:t>Work</a:t>
-            </a:r>
-            <a:r>
-              <a:rPr lang="hr-HR" sz="1300" dirty="0">
-                <a:latin typeface="Calibri" panose="020F0502020204030204" pitchFamily="34" charset="0"/>
-              </a:rPr>
-              <a:t>"]);</a:t>
-            </a:r>
-          </a:p>
-          <a:p>
-            <a:pPr marL="0" indent="0">
-              <a:buNone/>
-            </a:pPr>
-            <a:r>
-              <a:rPr lang="hr-HR" sz="1300" dirty="0" smtClean="0">
-                <a:latin typeface="Calibri" panose="020F0502020204030204" pitchFamily="34" charset="0"/>
-              </a:rPr>
-              <a:t>   </a:t>
-            </a:r>
-            <a:r>
-              <a:rPr lang="hr-HR" sz="1300" dirty="0" err="1" smtClean="0">
-                <a:latin typeface="Calibri" panose="020F0502020204030204" pitchFamily="34" charset="0"/>
-              </a:rPr>
-              <a:t>tx.executeSql</a:t>
-            </a:r>
-            <a:r>
-              <a:rPr lang="hr-HR" sz="1300" dirty="0">
-                <a:latin typeface="Calibri" panose="020F0502020204030204" pitchFamily="34" charset="0"/>
-              </a:rPr>
-              <a:t>("SELECT </a:t>
-            </a:r>
-            <a:r>
-              <a:rPr lang="hr-HR" sz="1300" dirty="0" err="1">
-                <a:latin typeface="Calibri" panose="020F0502020204030204" pitchFamily="34" charset="0"/>
-              </a:rPr>
-              <a:t>id</a:t>
-            </a:r>
-            <a:r>
-              <a:rPr lang="hr-HR" sz="1300" dirty="0">
-                <a:latin typeface="Calibri" panose="020F0502020204030204" pitchFamily="34" charset="0"/>
-              </a:rPr>
-              <a:t>, </a:t>
-            </a:r>
-            <a:r>
-              <a:rPr lang="hr-HR" sz="1300" dirty="0" err="1">
-                <a:latin typeface="Calibri" panose="020F0502020204030204" pitchFamily="34" charset="0"/>
-              </a:rPr>
-              <a:t>category_name</a:t>
-            </a:r>
-            <a:r>
-              <a:rPr lang="hr-HR" sz="1300" dirty="0">
-                <a:latin typeface="Calibri" panose="020F0502020204030204" pitchFamily="34" charset="0"/>
-              </a:rPr>
-              <a:t> </a:t>
-            </a:r>
-            <a:r>
-              <a:rPr lang="hr-HR" sz="1300" dirty="0" err="1">
-                <a:latin typeface="Calibri" panose="020F0502020204030204" pitchFamily="34" charset="0"/>
-              </a:rPr>
-              <a:t>from</a:t>
-            </a:r>
-            <a:r>
-              <a:rPr lang="hr-HR" sz="1300" dirty="0">
-                <a:latin typeface="Calibri" panose="020F0502020204030204" pitchFamily="34" charset="0"/>
-              </a:rPr>
-              <a:t> </a:t>
-            </a:r>
-            <a:r>
-              <a:rPr lang="hr-HR" sz="1300" dirty="0" err="1">
-                <a:latin typeface="Calibri" panose="020F0502020204030204" pitchFamily="34" charset="0"/>
-              </a:rPr>
-              <a:t>Category</a:t>
-            </a:r>
-            <a:r>
-              <a:rPr lang="hr-HR" sz="1300" dirty="0">
-                <a:latin typeface="Calibri" panose="020F0502020204030204" pitchFamily="34" charset="0"/>
-              </a:rPr>
-              <a:t>;", [], </a:t>
-            </a:r>
-            <a:r>
-              <a:rPr lang="hr-HR" sz="1300" dirty="0" err="1">
-                <a:latin typeface="Calibri" panose="020F0502020204030204" pitchFamily="34" charset="0"/>
-              </a:rPr>
-              <a:t>catSuccess</a:t>
-            </a:r>
-            <a:r>
-              <a:rPr lang="hr-HR" sz="1300" dirty="0">
-                <a:latin typeface="Calibri" panose="020F0502020204030204" pitchFamily="34" charset="0"/>
-              </a:rPr>
-              <a:t>, </a:t>
-            </a:r>
-            <a:r>
-              <a:rPr lang="hr-HR" sz="1300" dirty="0" err="1">
-                <a:latin typeface="Calibri" panose="020F0502020204030204" pitchFamily="34" charset="0"/>
-              </a:rPr>
-              <a:t>errorCB</a:t>
-            </a:r>
-            <a:r>
-              <a:rPr lang="hr-HR" sz="1300" dirty="0">
-                <a:latin typeface="Calibri" panose="020F0502020204030204" pitchFamily="34" charset="0"/>
-              </a:rPr>
-              <a:t>);</a:t>
-            </a:r>
-          </a:p>
-          <a:p>
-            <a:pPr marL="0" indent="0">
-              <a:buNone/>
-            </a:pPr>
-            <a:r>
-              <a:rPr lang="hr-HR" sz="1300" dirty="0" smtClean="0">
-                <a:latin typeface="Calibri" panose="020F0502020204030204" pitchFamily="34" charset="0"/>
-              </a:rPr>
-              <a:t>}</a:t>
-            </a:r>
-          </a:p>
-          <a:p>
-            <a:pPr marL="0" indent="0">
-              <a:buNone/>
-            </a:pPr>
-            <a:r>
-              <a:rPr lang="hr-HR" sz="1400" dirty="0" err="1" smtClean="0"/>
-              <a:t>function</a:t>
-            </a:r>
-            <a:r>
-              <a:rPr lang="hr-HR" sz="1400" dirty="0" smtClean="0"/>
-              <a:t> </a:t>
-            </a:r>
-            <a:r>
-              <a:rPr lang="hr-HR" sz="1400" dirty="0" err="1"/>
-              <a:t>catSuccess</a:t>
-            </a:r>
-            <a:r>
-              <a:rPr lang="hr-HR" sz="1400" dirty="0"/>
-              <a:t>(</a:t>
-            </a:r>
-            <a:r>
-              <a:rPr lang="hr-HR" sz="1400" dirty="0" err="1"/>
-              <a:t>tx</a:t>
-            </a:r>
-            <a:r>
-              <a:rPr lang="hr-HR" sz="1400" dirty="0"/>
-              <a:t>, </a:t>
-            </a:r>
-            <a:r>
-              <a:rPr lang="hr-HR" sz="1400" dirty="0" err="1" smtClean="0"/>
-              <a:t>results</a:t>
-            </a:r>
-            <a:r>
-              <a:rPr lang="hr-HR" sz="1400" dirty="0" smtClean="0"/>
-              <a:t>){</a:t>
-            </a:r>
-          </a:p>
-          <a:p>
-            <a:pPr marL="0" indent="0">
-              <a:buNone/>
-            </a:pPr>
-            <a:r>
-              <a:rPr lang="hr-HR" sz="1300" dirty="0">
-                <a:latin typeface="Calibri" panose="020F0502020204030204" pitchFamily="34" charset="0"/>
-              </a:rPr>
-              <a:t>	for (var i = 0; i &lt; </a:t>
-            </a:r>
-            <a:r>
-              <a:rPr lang="hr-HR" sz="1300" dirty="0" err="1">
-                <a:latin typeface="Calibri" panose="020F0502020204030204" pitchFamily="34" charset="0"/>
-              </a:rPr>
-              <a:t>len</a:t>
-            </a:r>
-            <a:r>
-              <a:rPr lang="hr-HR" sz="1300" dirty="0">
-                <a:latin typeface="Calibri" panose="020F0502020204030204" pitchFamily="34" charset="0"/>
-              </a:rPr>
-              <a:t>; i++) </a:t>
-            </a:r>
-          </a:p>
-          <a:p>
-            <a:pPr marL="0" indent="0">
-              <a:buNone/>
-            </a:pPr>
-            <a:r>
-              <a:rPr lang="hr-HR" sz="1300" dirty="0">
-                <a:latin typeface="Calibri" panose="020F0502020204030204" pitchFamily="34" charset="0"/>
-              </a:rPr>
-              <a:t>	  {</a:t>
-            </a:r>
-            <a:br>
-              <a:rPr lang="hr-HR" sz="1300" dirty="0">
-                <a:latin typeface="Calibri" panose="020F0502020204030204" pitchFamily="34" charset="0"/>
-              </a:rPr>
-            </a:br>
-            <a:r>
-              <a:rPr lang="hr-HR" sz="1300" dirty="0">
-                <a:latin typeface="Calibri" panose="020F0502020204030204" pitchFamily="34" charset="0"/>
-              </a:rPr>
-              <a:t>		var y=  </a:t>
-            </a:r>
-            <a:r>
-              <a:rPr lang="hr-HR" sz="1300" dirty="0" err="1">
-                <a:latin typeface="Calibri" panose="020F0502020204030204" pitchFamily="34" charset="0"/>
-              </a:rPr>
-              <a:t>document.getElementById</a:t>
-            </a:r>
-            <a:r>
-              <a:rPr lang="hr-HR" sz="1300" dirty="0">
-                <a:latin typeface="Calibri" panose="020F0502020204030204" pitchFamily="34" charset="0"/>
-              </a:rPr>
-              <a:t>("</a:t>
-            </a:r>
-            <a:r>
-              <a:rPr lang="hr-HR" sz="1300" dirty="0" err="1">
-                <a:latin typeface="Calibri" panose="020F0502020204030204" pitchFamily="34" charset="0"/>
-              </a:rPr>
-              <a:t>select</a:t>
-            </a:r>
-            <a:r>
-              <a:rPr lang="hr-HR" sz="1300" dirty="0">
-                <a:latin typeface="Calibri" panose="020F0502020204030204" pitchFamily="34" charset="0"/>
-              </a:rPr>
-              <a:t>");</a:t>
-            </a:r>
-          </a:p>
-          <a:p>
-            <a:pPr marL="0" indent="0">
-              <a:buNone/>
-            </a:pPr>
-            <a:r>
-              <a:rPr lang="hr-HR" sz="1300" dirty="0">
-                <a:latin typeface="Calibri" panose="020F0502020204030204" pitchFamily="34" charset="0"/>
-              </a:rPr>
-              <a:t>		var z=  </a:t>
-            </a:r>
-            <a:r>
-              <a:rPr lang="hr-HR" sz="1300" dirty="0" err="1">
-                <a:latin typeface="Calibri" panose="020F0502020204030204" pitchFamily="34" charset="0"/>
-              </a:rPr>
-              <a:t>document.getElementById</a:t>
-            </a:r>
-            <a:r>
-              <a:rPr lang="hr-HR" sz="1300" dirty="0">
-                <a:latin typeface="Calibri" panose="020F0502020204030204" pitchFamily="34" charset="0"/>
-              </a:rPr>
-              <a:t>("</a:t>
-            </a:r>
-            <a:r>
-              <a:rPr lang="hr-HR" sz="1300" dirty="0" err="1">
-                <a:latin typeface="Calibri" panose="020F0502020204030204" pitchFamily="34" charset="0"/>
-              </a:rPr>
-              <a:t>selects</a:t>
-            </a:r>
-            <a:r>
-              <a:rPr lang="hr-HR" sz="1300" dirty="0">
-                <a:latin typeface="Calibri" panose="020F0502020204030204" pitchFamily="34" charset="0"/>
-              </a:rPr>
-              <a:t>");</a:t>
-            </a:r>
-          </a:p>
-          <a:p>
-            <a:pPr marL="0" indent="0">
-              <a:buNone/>
-            </a:pPr>
-            <a:r>
-              <a:rPr lang="hr-HR" sz="1300" dirty="0">
-                <a:latin typeface="Calibri" panose="020F0502020204030204" pitchFamily="34" charset="0"/>
-              </a:rPr>
-              <a:t>		var </a:t>
-            </a:r>
-            <a:r>
-              <a:rPr lang="hr-HR" sz="1300" dirty="0" err="1">
-                <a:latin typeface="Calibri" panose="020F0502020204030204" pitchFamily="34" charset="0"/>
-              </a:rPr>
-              <a:t>option</a:t>
-            </a:r>
-            <a:r>
-              <a:rPr lang="hr-HR" sz="1300" dirty="0">
-                <a:latin typeface="Calibri" panose="020F0502020204030204" pitchFamily="34" charset="0"/>
-              </a:rPr>
-              <a:t> = </a:t>
-            </a:r>
-            <a:r>
-              <a:rPr lang="hr-HR" sz="1300" dirty="0" err="1">
-                <a:latin typeface="Calibri" panose="020F0502020204030204" pitchFamily="34" charset="0"/>
-              </a:rPr>
-              <a:t>document.createElement</a:t>
-            </a:r>
-            <a:r>
-              <a:rPr lang="hr-HR" sz="1300" dirty="0">
-                <a:latin typeface="Calibri" panose="020F0502020204030204" pitchFamily="34" charset="0"/>
-              </a:rPr>
-              <a:t>("</a:t>
-            </a:r>
-            <a:r>
-              <a:rPr lang="hr-HR" sz="1300" dirty="0" err="1">
-                <a:latin typeface="Calibri" panose="020F0502020204030204" pitchFamily="34" charset="0"/>
-              </a:rPr>
-              <a:t>option</a:t>
-            </a:r>
-            <a:r>
-              <a:rPr lang="hr-HR" sz="1300" dirty="0">
-                <a:latin typeface="Calibri" panose="020F0502020204030204" pitchFamily="34" charset="0"/>
-              </a:rPr>
-              <a:t>");</a:t>
-            </a:r>
-          </a:p>
-          <a:p>
-            <a:pPr marL="0" indent="0">
-              <a:buNone/>
-            </a:pPr>
-            <a:r>
-              <a:rPr lang="hr-HR" sz="1300" dirty="0">
-                <a:latin typeface="Calibri" panose="020F0502020204030204" pitchFamily="34" charset="0"/>
-              </a:rPr>
-              <a:t>		</a:t>
-            </a:r>
-            <a:r>
-              <a:rPr lang="hr-HR" sz="1300" dirty="0" err="1">
-                <a:latin typeface="Calibri" panose="020F0502020204030204" pitchFamily="34" charset="0"/>
-              </a:rPr>
-              <a:t>option.text</a:t>
-            </a:r>
-            <a:r>
-              <a:rPr lang="hr-HR" sz="1300" dirty="0">
-                <a:latin typeface="Calibri" panose="020F0502020204030204" pitchFamily="34" charset="0"/>
-              </a:rPr>
-              <a:t> = </a:t>
-            </a:r>
-            <a:r>
-              <a:rPr lang="hr-HR" sz="1300" dirty="0" err="1">
-                <a:latin typeface="Calibri" panose="020F0502020204030204" pitchFamily="34" charset="0"/>
-              </a:rPr>
-              <a:t>results.rows.item</a:t>
-            </a:r>
-            <a:r>
-              <a:rPr lang="hr-HR" sz="1300" dirty="0">
-                <a:latin typeface="Calibri" panose="020F0502020204030204" pitchFamily="34" charset="0"/>
-              </a:rPr>
-              <a:t>(i).</a:t>
-            </a:r>
-            <a:r>
-              <a:rPr lang="hr-HR" sz="1300" dirty="0" err="1">
-                <a:latin typeface="Calibri" panose="020F0502020204030204" pitchFamily="34" charset="0"/>
-              </a:rPr>
-              <a:t>category_name</a:t>
-            </a:r>
-            <a:r>
-              <a:rPr lang="hr-HR" sz="1300" dirty="0">
-                <a:latin typeface="Calibri" panose="020F0502020204030204" pitchFamily="34" charset="0"/>
-              </a:rPr>
-              <a:t>;</a:t>
-            </a:r>
-          </a:p>
-          <a:p>
-            <a:pPr marL="0" indent="0">
-              <a:buNone/>
-            </a:pPr>
-            <a:r>
-              <a:rPr lang="hr-HR" sz="1300" dirty="0">
-                <a:latin typeface="Calibri" panose="020F0502020204030204" pitchFamily="34" charset="0"/>
-              </a:rPr>
-              <a:t>		</a:t>
-            </a:r>
-            <a:r>
-              <a:rPr lang="hr-HR" sz="1300" dirty="0" err="1">
-                <a:latin typeface="Calibri" panose="020F0502020204030204" pitchFamily="34" charset="0"/>
-              </a:rPr>
-              <a:t>y.add</a:t>
-            </a:r>
-            <a:r>
-              <a:rPr lang="hr-HR" sz="1300" dirty="0">
-                <a:latin typeface="Calibri" panose="020F0502020204030204" pitchFamily="34" charset="0"/>
-              </a:rPr>
-              <a:t>(</a:t>
-            </a:r>
-            <a:r>
-              <a:rPr lang="hr-HR" sz="1300" dirty="0" err="1">
-                <a:latin typeface="Calibri" panose="020F0502020204030204" pitchFamily="34" charset="0"/>
-              </a:rPr>
-              <a:t>option</a:t>
-            </a:r>
-            <a:r>
-              <a:rPr lang="hr-HR" sz="1300" dirty="0">
-                <a:latin typeface="Calibri" panose="020F0502020204030204" pitchFamily="34" charset="0"/>
-              </a:rPr>
-              <a:t>);</a:t>
-            </a:r>
-            <a:br>
-              <a:rPr lang="hr-HR" sz="1300" dirty="0">
-                <a:latin typeface="Calibri" panose="020F0502020204030204" pitchFamily="34" charset="0"/>
-              </a:rPr>
-            </a:br>
-            <a:r>
-              <a:rPr lang="hr-HR" sz="1300" dirty="0">
-                <a:latin typeface="Calibri" panose="020F0502020204030204" pitchFamily="34" charset="0"/>
-              </a:rPr>
-              <a:t>		</a:t>
-            </a:r>
-            <a:r>
-              <a:rPr lang="hr-HR" sz="1300" dirty="0" err="1">
-                <a:latin typeface="Calibri" panose="020F0502020204030204" pitchFamily="34" charset="0"/>
-              </a:rPr>
-              <a:t>z.add</a:t>
-            </a:r>
-            <a:r>
-              <a:rPr lang="hr-HR" sz="1300" dirty="0">
-                <a:latin typeface="Calibri" panose="020F0502020204030204" pitchFamily="34" charset="0"/>
-              </a:rPr>
-              <a:t>(</a:t>
-            </a:r>
-            <a:r>
-              <a:rPr lang="hr-HR" sz="1300" dirty="0" err="1">
-                <a:latin typeface="Calibri" panose="020F0502020204030204" pitchFamily="34" charset="0"/>
-              </a:rPr>
-              <a:t>option</a:t>
-            </a:r>
-            <a:r>
-              <a:rPr lang="hr-HR" sz="1300" dirty="0">
-                <a:latin typeface="Calibri" panose="020F0502020204030204" pitchFamily="34" charset="0"/>
-              </a:rPr>
-              <a:t>);</a:t>
-            </a:r>
-            <a:br>
-              <a:rPr lang="hr-HR" sz="1300" dirty="0">
-                <a:latin typeface="Calibri" panose="020F0502020204030204" pitchFamily="34" charset="0"/>
-              </a:rPr>
-            </a:br>
-            <a:r>
-              <a:rPr lang="hr-HR" sz="1300" dirty="0">
-                <a:latin typeface="Calibri" panose="020F0502020204030204" pitchFamily="34" charset="0"/>
-              </a:rPr>
-              <a:t>	 } </a:t>
-            </a:r>
-          </a:p>
-          <a:p>
-            <a:pPr marL="0" indent="0">
-              <a:buNone/>
-            </a:pPr>
-            <a:endParaRPr lang="hr-HR" sz="1300" dirty="0">
-              <a:latin typeface="Calibri" panose="020F0502020204030204" pitchFamily="34" charset="0"/>
-            </a:endParaRPr>
-          </a:p>
-        </p:txBody>
-      </p:sp>
-      <p:sp>
-        <p:nvSpPr>
-          <p:cNvPr id="4" name="Title 3"/>
-          <p:cNvSpPr>
-            <a:spLocks noGrp="1"/>
-          </p:cNvSpPr>
-          <p:nvPr>
-            <p:ph type="title"/>
-          </p:nvPr>
-        </p:nvSpPr>
-        <p:spPr/>
-        <p:txBody>
-          <a:bodyPr/>
-          <a:lstStyle/>
-          <a:p>
-            <a:r>
-              <a:rPr lang="hr-HR" dirty="0"/>
-              <a:t>Opis izrade aplikacije</a:t>
-            </a:r>
-          </a:p>
-        </p:txBody>
-      </p:sp>
-    </p:spTree>
-    <p:extLst>
-      <p:ext uri="{BB962C8B-B14F-4D97-AF65-F5344CB8AC3E}">
-        <p14:creationId xmlns:p14="http://schemas.microsoft.com/office/powerpoint/2010/main" val="1751697512"/>
-      </p:ext>
-    </p:extLst>
-  </p:cSld>
-  <p:clrMapOvr>
-    <a:masterClrMapping/>
-  </p:clrMapOvr>
-  <mc:AlternateContent xmlns:mc="http://schemas.openxmlformats.org/markup-compatibility/2006">
-    <mc:Choice xmlns:p14="http://schemas.microsoft.com/office/powerpoint/2010/main" Requires="p14">
-      <p:transition spd="med" p14:dur="700">
-        <p:fade/>
-      </p:transition>
-    </mc:Choice>
-    <mc:Fallback>
-      <p:transition spd="med">
-        <p:fade/>
-      </p:transition>
-    </mc:Fallback>
-  </mc:AlternateContent>
-</p:sld>
-</file>
-
-<file path=ppt/slides/slide18.xml><?xml version="1.0" encoding="utf-8"?>
 <p:sld xmlns:a="http://schemas.openxmlformats.org/drawingml/2006/main" xmlns:r="http://schemas.openxmlformats.org/officeDocument/2006/relationships" xmlns:p="http://schemas.openxmlformats.org/presentationml/2006/main">
   <p:cSld>
     <p:spTree>
@@ -10503,13 +10360,119 @@
   <p:clrMapOvr>
     <a:masterClrMapping/>
   </p:clrMapOvr>
-  <mc:AlternateContent xmlns:mc="http://schemas.openxmlformats.org/markup-compatibility/2006">
-    <mc:Choice xmlns:p14="http://schemas.microsoft.com/office/powerpoint/2010/main" Requires="p14">
+  <mc:AlternateContent xmlns:mc="http://schemas.openxmlformats.org/markup-compatibility/2006" xmlns:p14="http://schemas.microsoft.com/office/powerpoint/2010/main">
+    <mc:Choice Requires="p14">
       <p:transition spd="med" p14:dur="700">
         <p:fade/>
       </p:transition>
     </mc:Choice>
-    <mc:Fallback>
+    <mc:Fallback xmlns="">
+      <p:transition spd="med">
+        <p:fade/>
+      </p:transition>
+    </mc:Fallback>
+  </mc:AlternateContent>
+</p:sld>
+</file>
+
+<file path=ppt/slides/slide18.xml><?xml version="1.0" encoding="utf-8"?>
+<p:sld xmlns:a="http://schemas.openxmlformats.org/drawingml/2006/main" xmlns:r="http://schemas.openxmlformats.org/officeDocument/2006/relationships" xmlns:p="http://schemas.openxmlformats.org/presentationml/2006/main">
+  <p:cSld>
+    <p:spTree>
+      <p:nvGrpSpPr>
+        <p:cNvPr id="1" name=""/>
+        <p:cNvGrpSpPr/>
+        <p:nvPr/>
+      </p:nvGrpSpPr>
+      <p:grpSpPr>
+        <a:xfrm>
+          <a:off x="0" y="0"/>
+          <a:ext cx="0" cy="0"/>
+          <a:chOff x="0" y="0"/>
+          <a:chExt cx="0" cy="0"/>
+        </a:xfrm>
+      </p:grpSpPr>
+      <p:sp>
+        <p:nvSpPr>
+          <p:cNvPr id="3" name="Content Placeholder 2"/>
+          <p:cNvSpPr>
+            <a:spLocks noGrp="1"/>
+          </p:cNvSpPr>
+          <p:nvPr>
+            <p:ph sz="half" idx="1"/>
+          </p:nvPr>
+        </p:nvSpPr>
+        <p:spPr>
+          <a:xfrm>
+            <a:off x="838200" y="1833863"/>
+            <a:ext cx="10515600" cy="4351338"/>
+          </a:xfrm>
+        </p:spPr>
+        <p:txBody>
+          <a:bodyPr/>
+          <a:lstStyle/>
+          <a:p>
+            <a:r>
+              <a:rPr lang="hr-HR" dirty="0" smtClean="0"/>
+              <a:t>Android aplikacije</a:t>
+            </a:r>
+          </a:p>
+          <a:p>
+            <a:r>
+              <a:rPr lang="hr-HR" dirty="0" smtClean="0"/>
+              <a:t>Prednosti HTML5 i </a:t>
+            </a:r>
+            <a:r>
+              <a:rPr lang="hr-HR" dirty="0" err="1" smtClean="0"/>
+              <a:t>Javascripte</a:t>
+            </a:r>
+            <a:endParaRPr lang="hr-HR" dirty="0" smtClean="0"/>
+          </a:p>
+          <a:p>
+            <a:endParaRPr lang="hr-HR" dirty="0"/>
+          </a:p>
+        </p:txBody>
+      </p:sp>
+      <p:sp>
+        <p:nvSpPr>
+          <p:cNvPr id="4" name="Title 3"/>
+          <p:cNvSpPr>
+            <a:spLocks noGrp="1"/>
+          </p:cNvSpPr>
+          <p:nvPr>
+            <p:ph type="title"/>
+          </p:nvPr>
+        </p:nvSpPr>
+        <p:spPr/>
+        <p:txBody>
+          <a:bodyPr/>
+          <a:lstStyle/>
+          <a:p>
+            <a:r>
+              <a:rPr lang="hr-HR" dirty="0" smtClean="0"/>
+              <a:t>Zaključak</a:t>
+            </a:r>
+            <a:endParaRPr lang="hr-HR" dirty="0"/>
+          </a:p>
+        </p:txBody>
+      </p:sp>
+    </p:spTree>
+    <p:extLst>
+      <p:ext uri="{BB962C8B-B14F-4D97-AF65-F5344CB8AC3E}">
+        <p14:creationId xmlns:p14="http://schemas.microsoft.com/office/powerpoint/2010/main" val="1204101415"/>
+      </p:ext>
+    </p:extLst>
+  </p:cSld>
+  <p:clrMapOvr>
+    <a:masterClrMapping/>
+  </p:clrMapOvr>
+  <mc:AlternateContent xmlns:mc="http://schemas.openxmlformats.org/markup-compatibility/2006" xmlns:p14="http://schemas.microsoft.com/office/powerpoint/2010/main">
+    <mc:Choice Requires="p14">
+      <p:transition spd="med" p14:dur="700">
+        <p:fade/>
+      </p:transition>
+    </mc:Choice>
+    <mc:Fallback xmlns="">
       <p:transition spd="med">
         <p:fade/>
       </p:transition>
@@ -10547,29 +10510,294 @@
         </p:nvSpPr>
         <p:spPr>
           <a:xfrm>
-            <a:off x="838200" y="1833863"/>
+            <a:off x="838200" y="1825625"/>
             <a:ext cx="10515600" cy="4351338"/>
           </a:xfrm>
         </p:spPr>
         <p:txBody>
-          <a:bodyPr/>
+          <a:bodyPr>
+            <a:normAutofit fontScale="92500" lnSpcReduction="10000"/>
+          </a:bodyPr>
           <a:lstStyle/>
           <a:p>
-            <a:r>
-              <a:rPr lang="hr-HR" dirty="0" smtClean="0"/>
-              <a:t>Android aplikacije</a:t>
-            </a:r>
-          </a:p>
-          <a:p>
-            <a:r>
-              <a:rPr lang="hr-HR" dirty="0" smtClean="0"/>
-              <a:t>Prednosti HTML5 i </a:t>
-            </a:r>
-            <a:r>
-              <a:rPr lang="hr-HR" dirty="0" err="1" smtClean="0"/>
-              <a:t>Javascripte</a:t>
-            </a:r>
-            <a:endParaRPr lang="hr-HR" dirty="0" smtClean="0"/>
+            <a:pPr lvl="0"/>
+            <a:r>
+              <a:rPr lang="hr-HR" dirty="0" err="1"/>
+              <a:t>Tittel</a:t>
+            </a:r>
+            <a:r>
+              <a:rPr lang="hr-HR" dirty="0"/>
+              <a:t> E., </a:t>
+            </a:r>
+            <a:r>
+              <a:rPr lang="hr-HR" dirty="0" err="1"/>
+              <a:t>Noble</a:t>
+            </a:r>
+            <a:r>
+              <a:rPr lang="hr-HR" dirty="0"/>
+              <a:t> J., </a:t>
+            </a:r>
+            <a:r>
+              <a:rPr lang="hr-HR" i="1" dirty="0"/>
+              <a:t>HTML, XHTML &amp; CSS for </a:t>
+            </a:r>
+            <a:r>
+              <a:rPr lang="hr-HR" i="1" dirty="0" err="1"/>
+              <a:t>Dummies</a:t>
+            </a:r>
+            <a:r>
+              <a:rPr lang="hr-HR" dirty="0"/>
+              <a:t>, </a:t>
+            </a:r>
+            <a:r>
+              <a:rPr lang="hr-HR" dirty="0" err="1"/>
+              <a:t>Wiley</a:t>
+            </a:r>
+            <a:r>
+              <a:rPr lang="hr-HR" dirty="0"/>
+              <a:t>, 2010.</a:t>
+            </a:r>
+          </a:p>
+          <a:p>
+            <a:pPr lvl="0"/>
+            <a:r>
+              <a:rPr lang="hr-HR" dirty="0"/>
+              <a:t>West M., </a:t>
+            </a:r>
+            <a:r>
+              <a:rPr lang="hr-HR" i="1" dirty="0"/>
+              <a:t>HTML5 </a:t>
+            </a:r>
+            <a:r>
+              <a:rPr lang="hr-HR" i="1" dirty="0" err="1"/>
+              <a:t>Foundations</a:t>
+            </a:r>
+            <a:r>
+              <a:rPr lang="hr-HR" dirty="0"/>
+              <a:t>, </a:t>
+            </a:r>
+            <a:r>
+              <a:rPr lang="hr-HR" dirty="0" err="1"/>
+              <a:t>Wiley</a:t>
+            </a:r>
+            <a:r>
+              <a:rPr lang="hr-HR" dirty="0"/>
+              <a:t>, 2012.</a:t>
+            </a:r>
+          </a:p>
+          <a:p>
+            <a:pPr lvl="0"/>
+            <a:r>
+              <a:rPr lang="hr-HR" dirty="0" err="1"/>
+              <a:t>Harris</a:t>
+            </a:r>
+            <a:r>
+              <a:rPr lang="hr-HR" dirty="0"/>
+              <a:t> A., </a:t>
+            </a:r>
+            <a:r>
+              <a:rPr lang="hr-HR" i="1" dirty="0"/>
+              <a:t>JavaScript </a:t>
+            </a:r>
+            <a:r>
+              <a:rPr lang="hr-HR" i="1" dirty="0" err="1"/>
+              <a:t>and</a:t>
+            </a:r>
+            <a:r>
+              <a:rPr lang="hr-HR" i="1" dirty="0"/>
+              <a:t> AJAX for </a:t>
+            </a:r>
+            <a:r>
+              <a:rPr lang="hr-HR" i="1" dirty="0" err="1"/>
+              <a:t>Dummies</a:t>
+            </a:r>
+            <a:r>
+              <a:rPr lang="hr-HR" dirty="0"/>
+              <a:t>, </a:t>
+            </a:r>
+            <a:r>
+              <a:rPr lang="hr-HR" dirty="0" err="1"/>
+              <a:t>Wiley</a:t>
+            </a:r>
+            <a:r>
+              <a:rPr lang="hr-HR" dirty="0"/>
+              <a:t>, 2010.</a:t>
+            </a:r>
+          </a:p>
+          <a:p>
+            <a:pPr lvl="0"/>
+            <a:r>
+              <a:rPr lang="hr-HR" dirty="0" err="1"/>
+              <a:t>Srinivas</a:t>
+            </a:r>
+            <a:r>
+              <a:rPr lang="hr-HR" dirty="0"/>
+              <a:t> </a:t>
+            </a:r>
+            <a:r>
+              <a:rPr lang="hr-HR" dirty="0" err="1"/>
+              <a:t>Sriparasa</a:t>
+            </a:r>
+            <a:r>
+              <a:rPr lang="hr-HR" dirty="0"/>
+              <a:t> S., </a:t>
+            </a:r>
+            <a:r>
+              <a:rPr lang="hr-HR" i="1" dirty="0"/>
+              <a:t>JavaScript </a:t>
+            </a:r>
+            <a:r>
+              <a:rPr lang="hr-HR" i="1" dirty="0" err="1"/>
+              <a:t>and</a:t>
+            </a:r>
+            <a:r>
+              <a:rPr lang="hr-HR" i="1" dirty="0"/>
+              <a:t> JSON Essentials</a:t>
+            </a:r>
+            <a:r>
+              <a:rPr lang="hr-HR" dirty="0"/>
+              <a:t>, </a:t>
+            </a:r>
+            <a:r>
+              <a:rPr lang="hr-HR" dirty="0" err="1"/>
+              <a:t>Packt</a:t>
+            </a:r>
+            <a:r>
+              <a:rPr lang="hr-HR" dirty="0"/>
+              <a:t> </a:t>
+            </a:r>
+            <a:r>
+              <a:rPr lang="hr-HR" dirty="0" err="1"/>
+              <a:t>Publishing</a:t>
+            </a:r>
+            <a:r>
+              <a:rPr lang="hr-HR" dirty="0"/>
+              <a:t>, 2013.</a:t>
+            </a:r>
+          </a:p>
+          <a:p>
+            <a:pPr lvl="0"/>
+            <a:r>
+              <a:rPr lang="hr-HR" dirty="0" err="1"/>
+              <a:t>Lunny</a:t>
+            </a:r>
+            <a:r>
+              <a:rPr lang="hr-HR" dirty="0"/>
+              <a:t> A.</a:t>
+            </a:r>
+            <a:r>
+              <a:rPr lang="hr-HR" i="1" dirty="0"/>
+              <a:t>, </a:t>
+            </a:r>
+            <a:r>
+              <a:rPr lang="hr-HR" i="1" dirty="0" err="1"/>
+              <a:t>PhoneGap</a:t>
+            </a:r>
+            <a:r>
+              <a:rPr lang="hr-HR" i="1" dirty="0"/>
+              <a:t> </a:t>
+            </a:r>
+            <a:r>
+              <a:rPr lang="hr-HR" i="1" dirty="0" err="1"/>
+              <a:t>Beginner's</a:t>
+            </a:r>
+            <a:r>
+              <a:rPr lang="hr-HR" i="1" dirty="0"/>
+              <a:t> </a:t>
+            </a:r>
+            <a:r>
+              <a:rPr lang="hr-HR" i="1" dirty="0" err="1"/>
+              <a:t>Guid</a:t>
+            </a:r>
+            <a:r>
+              <a:rPr lang="hr-HR" dirty="0"/>
+              <a:t>, </a:t>
+            </a:r>
+            <a:r>
+              <a:rPr lang="hr-HR" dirty="0" err="1"/>
+              <a:t>Packt</a:t>
+            </a:r>
+            <a:r>
+              <a:rPr lang="hr-HR" dirty="0"/>
+              <a:t> </a:t>
+            </a:r>
+            <a:r>
+              <a:rPr lang="hr-HR" dirty="0" err="1"/>
+              <a:t>Publishing</a:t>
+            </a:r>
+            <a:r>
+              <a:rPr lang="hr-HR" dirty="0"/>
+              <a:t>, 2011.</a:t>
+            </a:r>
+          </a:p>
+          <a:p>
+            <a:pPr lvl="0"/>
+            <a:r>
+              <a:rPr lang="hr-HR" dirty="0"/>
+              <a:t>Williams G.,</a:t>
+            </a:r>
+            <a:r>
+              <a:rPr lang="hr-HR" i="1" dirty="0"/>
+              <a:t> </a:t>
+            </a:r>
+            <a:r>
+              <a:rPr lang="hr-HR" i="1" dirty="0" err="1"/>
+              <a:t>Learn</a:t>
+            </a:r>
+            <a:r>
+              <a:rPr lang="hr-HR" i="1" dirty="0"/>
+              <a:t> HTML5 </a:t>
+            </a:r>
+            <a:r>
+              <a:rPr lang="hr-HR" i="1" dirty="0" err="1"/>
+              <a:t>and</a:t>
+            </a:r>
+            <a:r>
+              <a:rPr lang="hr-HR" i="1" dirty="0"/>
+              <a:t> JavaScript for Android</a:t>
+            </a:r>
+            <a:r>
+              <a:rPr lang="hr-HR" dirty="0"/>
+              <a:t>, </a:t>
+            </a:r>
+            <a:r>
+              <a:rPr lang="hr-HR" dirty="0" err="1"/>
+              <a:t>Apress</a:t>
+            </a:r>
+            <a:r>
+              <a:rPr lang="hr-HR" dirty="0"/>
+              <a:t>, 2012.</a:t>
+            </a:r>
+          </a:p>
+          <a:p>
+            <a:pPr lvl="0"/>
+            <a:r>
+              <a:rPr lang="hr-HR" dirty="0"/>
+              <a:t>Android </a:t>
+            </a:r>
+            <a:r>
+              <a:rPr lang="hr-HR" dirty="0" err="1"/>
+              <a:t>platform</a:t>
+            </a:r>
+            <a:r>
+              <a:rPr lang="hr-HR" dirty="0"/>
+              <a:t> </a:t>
+            </a:r>
+            <a:r>
+              <a:rPr lang="hr-HR" dirty="0" err="1"/>
+              <a:t>guide</a:t>
+            </a:r>
+            <a:r>
+              <a:rPr lang="hr-HR" dirty="0"/>
+              <a:t>, 15. travnja 2015., </a:t>
+            </a:r>
+            <a:br>
+              <a:rPr lang="hr-HR" dirty="0"/>
+            </a:br>
+            <a:r>
+              <a:rPr lang="hr-HR" dirty="0"/>
+              <a:t>http://docs.phonegap.com/en/edge/guide_platforms_index.md.html</a:t>
+            </a:r>
           </a:p>
           <a:p>
             <a:endParaRPr lang="hr-HR" dirty="0"/>
@@ -10593,7 +10821,7 @@
           <a:p>
             <a:r>
               <a:rPr lang="hr-HR" dirty="0" smtClean="0"/>
-              <a:t>Zaključak</a:t>
+              <a:t>Literatura</a:t>
             </a:r>
             <a:endParaRPr lang="hr-HR" dirty="0"/>
           </a:p>
@@ -10602,20 +10830,20 @@
     </p:spTree>
     <p:extLst>
       <p:ext uri="{BB962C8B-B14F-4D97-AF65-F5344CB8AC3E}">
-        <p14:creationId xmlns:p14="http://schemas.microsoft.com/office/powerpoint/2010/main" val="1204101415"/>
+        <p14:creationId xmlns:p14="http://schemas.microsoft.com/office/powerpoint/2010/main" val="94617851"/>
       </p:ext>
     </p:extLst>
   </p:cSld>
   <p:clrMapOvr>
     <a:masterClrMapping/>
   </p:clrMapOvr>
-  <mc:AlternateContent xmlns:mc="http://schemas.openxmlformats.org/markup-compatibility/2006">
-    <mc:Choice xmlns:p14="http://schemas.microsoft.com/office/powerpoint/2010/main" Requires="p14">
+  <mc:AlternateContent xmlns:mc="http://schemas.openxmlformats.org/markup-compatibility/2006" xmlns:p14="http://schemas.microsoft.com/office/powerpoint/2010/main">
+    <mc:Choice Requires="p14">
       <p:transition spd="med" p14:dur="700">
         <p:fade/>
       </p:transition>
     </mc:Choice>
-    <mc:Fallback>
+    <mc:Fallback xmlns="">
       <p:transition spd="med">
         <p:fade/>
       </p:transition>
@@ -10757,384 +10985,13 @@
   <p:clrMapOvr>
     <a:masterClrMapping/>
   </p:clrMapOvr>
-  <mc:AlternateContent xmlns:mc="http://schemas.openxmlformats.org/markup-compatibility/2006">
-    <mc:Choice xmlns:p14="http://schemas.microsoft.com/office/powerpoint/2010/main" Requires="p14">
+  <mc:AlternateContent xmlns:mc="http://schemas.openxmlformats.org/markup-compatibility/2006" xmlns:p14="http://schemas.microsoft.com/office/powerpoint/2010/main">
+    <mc:Choice Requires="p14">
       <p:transition spd="med" p14:dur="700">
         <p:fade/>
       </p:transition>
     </mc:Choice>
-    <mc:Fallback>
-      <p:transition spd="med">
-        <p:fade/>
-      </p:transition>
-    </mc:Fallback>
-  </mc:AlternateContent>
-</p:sld>
-</file>
-
-<file path=ppt/slides/slide20.xml><?xml version="1.0" encoding="utf-8"?>
-<p:sld xmlns:a="http://schemas.openxmlformats.org/drawingml/2006/main" xmlns:r="http://schemas.openxmlformats.org/officeDocument/2006/relationships" xmlns:p="http://schemas.openxmlformats.org/presentationml/2006/main">
-  <p:cSld>
-    <p:spTree>
-      <p:nvGrpSpPr>
-        <p:cNvPr id="1" name=""/>
-        <p:cNvGrpSpPr/>
-        <p:nvPr/>
-      </p:nvGrpSpPr>
-      <p:grpSpPr>
-        <a:xfrm>
-          <a:off x="0" y="0"/>
-          <a:ext cx="0" cy="0"/>
-          <a:chOff x="0" y="0"/>
-          <a:chExt cx="0" cy="0"/>
-        </a:xfrm>
-      </p:grpSpPr>
-      <p:sp>
-        <p:nvSpPr>
-          <p:cNvPr id="3" name="Content Placeholder 2"/>
-          <p:cNvSpPr>
-            <a:spLocks noGrp="1"/>
-          </p:cNvSpPr>
-          <p:nvPr>
-            <p:ph sz="half" idx="1"/>
-          </p:nvPr>
-        </p:nvSpPr>
-        <p:spPr>
-          <a:xfrm>
-            <a:off x="838200" y="1825625"/>
-            <a:ext cx="10515600" cy="4351338"/>
-          </a:xfrm>
-        </p:spPr>
-        <p:txBody>
-          <a:bodyPr>
-            <a:normAutofit fontScale="92500" lnSpcReduction="10000"/>
-          </a:bodyPr>
-          <a:lstStyle/>
-          <a:p>
-            <a:pPr lvl="0"/>
-            <a:r>
-              <a:rPr lang="hr-HR" dirty="0" err="1"/>
-              <a:t>Tittel</a:t>
-            </a:r>
-            <a:r>
-              <a:rPr lang="hr-HR" dirty="0"/>
-              <a:t> E., </a:t>
-            </a:r>
-            <a:r>
-              <a:rPr lang="hr-HR" dirty="0" err="1"/>
-              <a:t>Noble</a:t>
-            </a:r>
-            <a:r>
-              <a:rPr lang="hr-HR" dirty="0"/>
-              <a:t> J., </a:t>
-            </a:r>
-            <a:r>
-              <a:rPr lang="hr-HR" i="1" dirty="0"/>
-              <a:t>HTML, XHTML &amp; CSS for </a:t>
-            </a:r>
-            <a:r>
-              <a:rPr lang="hr-HR" i="1" dirty="0" err="1"/>
-              <a:t>Dummies</a:t>
-            </a:r>
-            <a:r>
-              <a:rPr lang="hr-HR" dirty="0"/>
-              <a:t>, </a:t>
-            </a:r>
-            <a:r>
-              <a:rPr lang="hr-HR" dirty="0" err="1"/>
-              <a:t>Wiley</a:t>
-            </a:r>
-            <a:r>
-              <a:rPr lang="hr-HR" dirty="0"/>
-              <a:t>, 2010.</a:t>
-            </a:r>
-          </a:p>
-          <a:p>
-            <a:pPr lvl="0"/>
-            <a:r>
-              <a:rPr lang="hr-HR" dirty="0"/>
-              <a:t>West M., </a:t>
-            </a:r>
-            <a:r>
-              <a:rPr lang="hr-HR" i="1" dirty="0"/>
-              <a:t>HTML5 </a:t>
-            </a:r>
-            <a:r>
-              <a:rPr lang="hr-HR" i="1" dirty="0" err="1"/>
-              <a:t>Foundations</a:t>
-            </a:r>
-            <a:r>
-              <a:rPr lang="hr-HR" dirty="0"/>
-              <a:t>, </a:t>
-            </a:r>
-            <a:r>
-              <a:rPr lang="hr-HR" dirty="0" err="1"/>
-              <a:t>Wiley</a:t>
-            </a:r>
-            <a:r>
-              <a:rPr lang="hr-HR" dirty="0"/>
-              <a:t>, 2012.</a:t>
-            </a:r>
-          </a:p>
-          <a:p>
-            <a:pPr lvl="0"/>
-            <a:r>
-              <a:rPr lang="hr-HR" dirty="0" err="1"/>
-              <a:t>Harris</a:t>
-            </a:r>
-            <a:r>
-              <a:rPr lang="hr-HR" dirty="0"/>
-              <a:t> A., </a:t>
-            </a:r>
-            <a:r>
-              <a:rPr lang="hr-HR" i="1" dirty="0"/>
-              <a:t>JavaScript </a:t>
-            </a:r>
-            <a:r>
-              <a:rPr lang="hr-HR" i="1" dirty="0" err="1"/>
-              <a:t>and</a:t>
-            </a:r>
-            <a:r>
-              <a:rPr lang="hr-HR" i="1" dirty="0"/>
-              <a:t> AJAX for </a:t>
-            </a:r>
-            <a:r>
-              <a:rPr lang="hr-HR" i="1" dirty="0" err="1"/>
-              <a:t>Dummies</a:t>
-            </a:r>
-            <a:r>
-              <a:rPr lang="hr-HR" dirty="0"/>
-              <a:t>, </a:t>
-            </a:r>
-            <a:r>
-              <a:rPr lang="hr-HR" dirty="0" err="1"/>
-              <a:t>Wiley</a:t>
-            </a:r>
-            <a:r>
-              <a:rPr lang="hr-HR" dirty="0"/>
-              <a:t>, 2010.</a:t>
-            </a:r>
-          </a:p>
-          <a:p>
-            <a:pPr lvl="0"/>
-            <a:r>
-              <a:rPr lang="hr-HR" dirty="0" err="1"/>
-              <a:t>Srinivas</a:t>
-            </a:r>
-            <a:r>
-              <a:rPr lang="hr-HR" dirty="0"/>
-              <a:t> </a:t>
-            </a:r>
-            <a:r>
-              <a:rPr lang="hr-HR" dirty="0" err="1"/>
-              <a:t>Sriparasa</a:t>
-            </a:r>
-            <a:r>
-              <a:rPr lang="hr-HR" dirty="0"/>
-              <a:t> S., </a:t>
-            </a:r>
-            <a:r>
-              <a:rPr lang="hr-HR" i="1" dirty="0"/>
-              <a:t>JavaScript </a:t>
-            </a:r>
-            <a:r>
-              <a:rPr lang="hr-HR" i="1" dirty="0" err="1"/>
-              <a:t>and</a:t>
-            </a:r>
-            <a:r>
-              <a:rPr lang="hr-HR" i="1" dirty="0"/>
-              <a:t> JSON Essentials</a:t>
-            </a:r>
-            <a:r>
-              <a:rPr lang="hr-HR" dirty="0"/>
-              <a:t>, </a:t>
-            </a:r>
-            <a:r>
-              <a:rPr lang="hr-HR" dirty="0" err="1"/>
-              <a:t>Packt</a:t>
-            </a:r>
-            <a:r>
-              <a:rPr lang="hr-HR" dirty="0"/>
-              <a:t> </a:t>
-            </a:r>
-            <a:r>
-              <a:rPr lang="hr-HR" dirty="0" err="1"/>
-              <a:t>Publishing</a:t>
-            </a:r>
-            <a:r>
-              <a:rPr lang="hr-HR" dirty="0"/>
-              <a:t>, 2013.</a:t>
-            </a:r>
-          </a:p>
-          <a:p>
-            <a:pPr lvl="0"/>
-            <a:r>
-              <a:rPr lang="hr-HR" dirty="0" err="1"/>
-              <a:t>Lunny</a:t>
-            </a:r>
-            <a:r>
-              <a:rPr lang="hr-HR" dirty="0"/>
-              <a:t> A.</a:t>
-            </a:r>
-            <a:r>
-              <a:rPr lang="hr-HR" i="1" dirty="0"/>
-              <a:t>, </a:t>
-            </a:r>
-            <a:r>
-              <a:rPr lang="hr-HR" i="1" dirty="0" err="1"/>
-              <a:t>PhoneGap</a:t>
-            </a:r>
-            <a:r>
-              <a:rPr lang="hr-HR" i="1" dirty="0"/>
-              <a:t> </a:t>
-            </a:r>
-            <a:r>
-              <a:rPr lang="hr-HR" i="1" dirty="0" err="1"/>
-              <a:t>Beginner's</a:t>
-            </a:r>
-            <a:r>
-              <a:rPr lang="hr-HR" i="1" dirty="0"/>
-              <a:t> </a:t>
-            </a:r>
-            <a:r>
-              <a:rPr lang="hr-HR" i="1" dirty="0" err="1"/>
-              <a:t>Guid</a:t>
-            </a:r>
-            <a:r>
-              <a:rPr lang="hr-HR" dirty="0"/>
-              <a:t>, </a:t>
-            </a:r>
-            <a:r>
-              <a:rPr lang="hr-HR" dirty="0" err="1"/>
-              <a:t>Packt</a:t>
-            </a:r>
-            <a:r>
-              <a:rPr lang="hr-HR" dirty="0"/>
-              <a:t> </a:t>
-            </a:r>
-            <a:r>
-              <a:rPr lang="hr-HR" dirty="0" err="1"/>
-              <a:t>Publishing</a:t>
-            </a:r>
-            <a:r>
-              <a:rPr lang="hr-HR" dirty="0"/>
-              <a:t>, 2011.</a:t>
-            </a:r>
-          </a:p>
-          <a:p>
-            <a:pPr lvl="0"/>
-            <a:r>
-              <a:rPr lang="hr-HR" dirty="0"/>
-              <a:t>Williams G.,</a:t>
-            </a:r>
-            <a:r>
-              <a:rPr lang="hr-HR" i="1" dirty="0"/>
-              <a:t> </a:t>
-            </a:r>
-            <a:r>
-              <a:rPr lang="hr-HR" i="1" dirty="0" err="1"/>
-              <a:t>Learn</a:t>
-            </a:r>
-            <a:r>
-              <a:rPr lang="hr-HR" i="1" dirty="0"/>
-              <a:t> HTML5 </a:t>
-            </a:r>
-            <a:r>
-              <a:rPr lang="hr-HR" i="1" dirty="0" err="1"/>
-              <a:t>and</a:t>
-            </a:r>
-            <a:r>
-              <a:rPr lang="hr-HR" i="1" dirty="0"/>
-              <a:t> JavaScript for Android</a:t>
-            </a:r>
-            <a:r>
-              <a:rPr lang="hr-HR" dirty="0"/>
-              <a:t>, </a:t>
-            </a:r>
-            <a:r>
-              <a:rPr lang="hr-HR" dirty="0" err="1"/>
-              <a:t>Apress</a:t>
-            </a:r>
-            <a:r>
-              <a:rPr lang="hr-HR" dirty="0"/>
-              <a:t>, 2012.</a:t>
-            </a:r>
-          </a:p>
-          <a:p>
-            <a:pPr lvl="0"/>
-            <a:r>
-              <a:rPr lang="hr-HR" dirty="0"/>
-              <a:t>Android </a:t>
-            </a:r>
-            <a:r>
-              <a:rPr lang="hr-HR" dirty="0" err="1"/>
-              <a:t>platform</a:t>
-            </a:r>
-            <a:r>
-              <a:rPr lang="hr-HR" dirty="0"/>
-              <a:t> </a:t>
-            </a:r>
-            <a:r>
-              <a:rPr lang="hr-HR" dirty="0" err="1"/>
-              <a:t>guide</a:t>
-            </a:r>
-            <a:r>
-              <a:rPr lang="hr-HR" dirty="0"/>
-              <a:t>, 15. travnja 2015., </a:t>
-            </a:r>
-            <a:br>
-              <a:rPr lang="hr-HR" dirty="0"/>
-            </a:br>
-            <a:r>
-              <a:rPr lang="hr-HR" dirty="0"/>
-              <a:t>http://docs.phonegap.com/en/edge/guide_platforms_index.md.html</a:t>
-            </a:r>
-          </a:p>
-          <a:p>
-            <a:endParaRPr lang="hr-HR" dirty="0"/>
-          </a:p>
-        </p:txBody>
-      </p:sp>
-      <p:sp>
-        <p:nvSpPr>
-          <p:cNvPr id="4" name="Title 3"/>
-          <p:cNvSpPr>
-            <a:spLocks noGrp="1"/>
-          </p:cNvSpPr>
-          <p:nvPr>
-            <p:ph type="title"/>
-          </p:nvPr>
-        </p:nvSpPr>
-        <p:spPr/>
-        <p:txBody>
-          <a:bodyPr/>
-          <a:lstStyle/>
-          <a:p>
-            <a:r>
-              <a:rPr lang="hr-HR" dirty="0" smtClean="0"/>
-              <a:t>Literatura</a:t>
-            </a:r>
-            <a:endParaRPr lang="hr-HR" dirty="0"/>
-          </a:p>
-        </p:txBody>
-      </p:sp>
-    </p:spTree>
-    <p:extLst>
-      <p:ext uri="{BB962C8B-B14F-4D97-AF65-F5344CB8AC3E}">
-        <p14:creationId xmlns:p14="http://schemas.microsoft.com/office/powerpoint/2010/main" val="94617851"/>
-      </p:ext>
-    </p:extLst>
-  </p:cSld>
-  <p:clrMapOvr>
-    <a:masterClrMapping/>
-  </p:clrMapOvr>
-  <mc:AlternateContent xmlns:mc="http://schemas.openxmlformats.org/markup-compatibility/2006">
-    <mc:Choice xmlns:p14="http://schemas.microsoft.com/office/powerpoint/2010/main" Requires="p14">
-      <p:transition spd="med" p14:dur="700">
-        <p:fade/>
-      </p:transition>
-    </mc:Choice>
-    <mc:Fallback>
+    <mc:Fallback xmlns="">
       <p:transition spd="med">
         <p:fade/>
       </p:transition>
@@ -11426,25 +11283,31 @@
           <a:p>
             <a:r>
               <a:rPr lang="hr-HR" dirty="0" smtClean="0"/>
-              <a:t>Relacijska baza</a:t>
+              <a:t>Framework za oblikovanje aplikacija</a:t>
             </a:r>
           </a:p>
           <a:p>
             <a:r>
               <a:rPr lang="hr-HR" dirty="0" smtClean="0"/>
-              <a:t>Zahtijeva malu memoriju</a:t>
-            </a:r>
+              <a:t>Temelji se na Apache </a:t>
+            </a:r>
+            <a:r>
+              <a:rPr lang="hr-HR" dirty="0" err="1" smtClean="0"/>
+              <a:t>Cordova</a:t>
+            </a:r>
+            <a:endParaRPr lang="hr-HR" dirty="0" smtClean="0"/>
           </a:p>
           <a:p>
             <a:r>
               <a:rPr lang="hr-HR" dirty="0" smtClean="0"/>
-              <a:t>Nema klijent/server </a:t>
-            </a:r>
-            <a:r>
-              <a:rPr lang="hr-HR" dirty="0" err="1" smtClean="0"/>
-              <a:t>arhtiketuru</a:t>
-            </a:r>
-            <a:endParaRPr lang="hr-HR" dirty="0" smtClean="0"/>
+              <a:t>Prednosti</a:t>
+            </a:r>
+          </a:p>
+          <a:p>
+            <a:r>
+              <a:rPr lang="hr-HR" dirty="0" smtClean="0"/>
+              <a:t>Kompajliranje pomoću komandne linije</a:t>
+            </a:r>
           </a:p>
           <a:p>
             <a:endParaRPr lang="hr-HR" dirty="0"/>
@@ -11463,14 +11326,12 @@
         </p:nvSpPr>
         <p:spPr/>
         <p:txBody>
-          <a:bodyPr>
-            <a:normAutofit/>
-          </a:bodyPr>
+          <a:bodyPr/>
           <a:lstStyle/>
           <a:p>
             <a:r>
               <a:rPr lang="hr-HR" dirty="0" smtClean="0"/>
-              <a:t>SQLite</a:t>
+              <a:t>Phonegap	</a:t>
             </a:r>
             <a:endParaRPr lang="hr-HR" dirty="0"/>
           </a:p>
@@ -11479,7 +11340,7 @@
     </p:spTree>
     <p:extLst>
       <p:ext uri="{BB962C8B-B14F-4D97-AF65-F5344CB8AC3E}">
-        <p14:creationId xmlns:p14="http://schemas.microsoft.com/office/powerpoint/2010/main" val="3386481818"/>
+        <p14:creationId xmlns:p14="http://schemas.microsoft.com/office/powerpoint/2010/main" val="1952801889"/>
       </p:ext>
     </p:extLst>
   </p:cSld>
@@ -11520,119 +11381,6 @@
       </p:grpSpPr>
       <p:sp>
         <p:nvSpPr>
-          <p:cNvPr id="2" name="Content Placeholder 1"/>
-          <p:cNvSpPr>
-            <a:spLocks noGrp="1"/>
-          </p:cNvSpPr>
-          <p:nvPr>
-            <p:ph idx="1"/>
-          </p:nvPr>
-        </p:nvSpPr>
-        <p:spPr/>
-        <p:txBody>
-          <a:bodyPr/>
-          <a:lstStyle/>
-          <a:p>
-            <a:r>
-              <a:rPr lang="hr-HR" dirty="0" smtClean="0"/>
-              <a:t>Framework za oblikovanje aplikacija</a:t>
-            </a:r>
-          </a:p>
-          <a:p>
-            <a:r>
-              <a:rPr lang="hr-HR" dirty="0" smtClean="0"/>
-              <a:t>Temelji se na Apache </a:t>
-            </a:r>
-            <a:r>
-              <a:rPr lang="hr-HR" dirty="0" err="1" smtClean="0"/>
-              <a:t>Cordova</a:t>
-            </a:r>
-            <a:endParaRPr lang="hr-HR" dirty="0" smtClean="0"/>
-          </a:p>
-          <a:p>
-            <a:r>
-              <a:rPr lang="hr-HR" dirty="0" smtClean="0"/>
-              <a:t>Prednosti</a:t>
-            </a:r>
-          </a:p>
-          <a:p>
-            <a:r>
-              <a:rPr lang="hr-HR" dirty="0" smtClean="0"/>
-              <a:t>Kompajliranje pomoću komandne linije</a:t>
-            </a:r>
-          </a:p>
-          <a:p>
-            <a:endParaRPr lang="hr-HR" dirty="0"/>
-          </a:p>
-        </p:txBody>
-      </p:sp>
-      <p:sp>
-        <p:nvSpPr>
-          <p:cNvPr id="3" name="Title 2"/>
-          <p:cNvSpPr>
-            <a:spLocks noGrp="1"/>
-          </p:cNvSpPr>
-          <p:nvPr>
-            <p:ph type="title"/>
-          </p:nvPr>
-        </p:nvSpPr>
-        <p:spPr/>
-        <p:txBody>
-          <a:bodyPr/>
-          <a:lstStyle/>
-          <a:p>
-            <a:r>
-              <a:rPr lang="hr-HR" dirty="0" smtClean="0"/>
-              <a:t>Phonegap	</a:t>
-            </a:r>
-            <a:endParaRPr lang="hr-HR" dirty="0"/>
-          </a:p>
-        </p:txBody>
-      </p:sp>
-    </p:spTree>
-    <p:extLst>
-      <p:ext uri="{BB962C8B-B14F-4D97-AF65-F5344CB8AC3E}">
-        <p14:creationId xmlns:p14="http://schemas.microsoft.com/office/powerpoint/2010/main" val="1952801889"/>
-      </p:ext>
-    </p:extLst>
-  </p:cSld>
-  <p:clrMapOvr>
-    <a:masterClrMapping/>
-  </p:clrMapOvr>
-  <mc:AlternateContent xmlns:mc="http://schemas.openxmlformats.org/markup-compatibility/2006" xmlns:p14="http://schemas.microsoft.com/office/powerpoint/2010/main">
-    <mc:Choice Requires="p14">
-      <p:transition spd="med" p14:dur="700">
-        <p:fade/>
-      </p:transition>
-    </mc:Choice>
-    <mc:Fallback xmlns="">
-      <p:transition spd="med">
-        <p:fade/>
-      </p:transition>
-    </mc:Fallback>
-  </mc:AlternateContent>
-</p:sld>
-</file>
-
-<file path=ppt/slides/slide7.xml><?xml version="1.0" encoding="utf-8"?>
-<p:sld xmlns:a="http://schemas.openxmlformats.org/drawingml/2006/main" xmlns:r="http://schemas.openxmlformats.org/officeDocument/2006/relationships" xmlns:p="http://schemas.openxmlformats.org/presentationml/2006/main">
-  <p:cSld>
-    <p:spTree>
-      <p:nvGrpSpPr>
-        <p:cNvPr id="1" name=""/>
-        <p:cNvGrpSpPr/>
-        <p:nvPr/>
-      </p:nvGrpSpPr>
-      <p:grpSpPr>
-        <a:xfrm>
-          <a:off x="0" y="0"/>
-          <a:ext cx="0" cy="0"/>
-          <a:chOff x="0" y="0"/>
-          <a:chExt cx="0" cy="0"/>
-        </a:xfrm>
-      </p:grpSpPr>
-      <p:sp>
-        <p:nvSpPr>
           <p:cNvPr id="2" name="Title 1"/>
           <p:cNvSpPr>
             <a:spLocks noGrp="1"/>
@@ -11694,11 +11442,7 @@
           <a:p>
             <a:r>
               <a:rPr lang="hr-HR" dirty="0" smtClean="0"/>
-              <a:t>Pretraživanje </a:t>
-            </a:r>
-            <a:r>
-              <a:rPr lang="hr-HR" dirty="0" smtClean="0"/>
-              <a:t>zabilješki po tekstu</a:t>
+              <a:t>Pretraživanje zabilješki po tekstu</a:t>
             </a:r>
           </a:p>
           <a:p>
@@ -11742,7 +11486,7 @@
 </p:sld>
 </file>
 
-<file path=ppt/slides/slide8.xml><?xml version="1.0" encoding="utf-8"?>
+<file path=ppt/slides/slide7.xml><?xml version="1.0" encoding="utf-8"?>
 <p:sld xmlns:a="http://schemas.openxmlformats.org/drawingml/2006/main" xmlns:r="http://schemas.openxmlformats.org/officeDocument/2006/relationships" xmlns:p="http://schemas.openxmlformats.org/presentationml/2006/main">
   <p:cSld>
     <p:spTree>
@@ -11872,7 +11616,7 @@
 </p:sld>
 </file>
 
-<file path=ppt/slides/slide9.xml><?xml version="1.0" encoding="utf-8"?>
+<file path=ppt/slides/slide8.xml><?xml version="1.0" encoding="utf-8"?>
 <p:sld xmlns:a="http://schemas.openxmlformats.org/drawingml/2006/main" xmlns:r="http://schemas.openxmlformats.org/officeDocument/2006/relationships" xmlns:p="http://schemas.openxmlformats.org/presentationml/2006/main">
   <p:cSld>
     <p:spTree>
@@ -11990,13 +11734,152 @@
   <p:clrMapOvr>
     <a:masterClrMapping/>
   </p:clrMapOvr>
-  <mc:AlternateContent xmlns:mc="http://schemas.openxmlformats.org/markup-compatibility/2006">
-    <mc:Choice xmlns:p14="http://schemas.microsoft.com/office/powerpoint/2010/main" Requires="p14">
+  <mc:AlternateContent xmlns:mc="http://schemas.openxmlformats.org/markup-compatibility/2006" xmlns:p14="http://schemas.microsoft.com/office/powerpoint/2010/main">
+    <mc:Choice Requires="p14">
       <p:transition spd="med" p14:dur="700">
         <p:fade/>
       </p:transition>
     </mc:Choice>
-    <mc:Fallback>
+    <mc:Fallback xmlns="">
+      <p:transition spd="med">
+        <p:fade/>
+      </p:transition>
+    </mc:Fallback>
+  </mc:AlternateContent>
+  <p:timing>
+    <p:tnLst>
+      <p:par>
+        <p:cTn id="1" dur="indefinite" restart="never" nodeType="tmRoot"/>
+      </p:par>
+    </p:tnLst>
+  </p:timing>
+</p:sld>
+</file>
+
+<file path=ppt/slides/slide9.xml><?xml version="1.0" encoding="utf-8"?>
+<p:sld xmlns:a="http://schemas.openxmlformats.org/drawingml/2006/main" xmlns:r="http://schemas.openxmlformats.org/officeDocument/2006/relationships" xmlns:p="http://schemas.openxmlformats.org/presentationml/2006/main">
+  <p:cSld>
+    <p:spTree>
+      <p:nvGrpSpPr>
+        <p:cNvPr id="1" name=""/>
+        <p:cNvGrpSpPr/>
+        <p:nvPr/>
+      </p:nvGrpSpPr>
+      <p:grpSpPr>
+        <a:xfrm>
+          <a:off x="0" y="0"/>
+          <a:ext cx="0" cy="0"/>
+          <a:chOff x="0" y="0"/>
+          <a:chExt cx="0" cy="0"/>
+        </a:xfrm>
+      </p:grpSpPr>
+      <p:sp>
+        <p:nvSpPr>
+          <p:cNvPr id="2" name="Title 1"/>
+          <p:cNvSpPr>
+            <a:spLocks noGrp="1"/>
+          </p:cNvSpPr>
+          <p:nvPr>
+            <p:ph type="title"/>
+          </p:nvPr>
+        </p:nvSpPr>
+        <p:spPr/>
+        <p:txBody>
+          <a:bodyPr/>
+          <a:lstStyle/>
+          <a:p>
+            <a:r>
+              <a:rPr lang="hr-HR" dirty="0" smtClean="0"/>
+              <a:t>Planiranje aplikacije</a:t>
+            </a:r>
+            <a:endParaRPr lang="en-US" dirty="0"/>
+          </a:p>
+        </p:txBody>
+      </p:sp>
+      <p:sp>
+        <p:nvSpPr>
+          <p:cNvPr id="5" name="Content Placeholder 4"/>
+          <p:cNvSpPr>
+            <a:spLocks noGrp="1"/>
+          </p:cNvSpPr>
+          <p:nvPr>
+            <p:ph sz="half" idx="2"/>
+          </p:nvPr>
+        </p:nvSpPr>
+        <p:spPr>
+          <a:xfrm>
+            <a:off x="838200" y="1825625"/>
+            <a:ext cx="10515600" cy="4351338"/>
+          </a:xfrm>
+        </p:spPr>
+        <p:txBody>
+          <a:bodyPr/>
+          <a:lstStyle/>
+          <a:p>
+            <a:r>
+              <a:rPr lang="hr-HR" dirty="0"/>
+              <a:t>Dijagram toka brisanja </a:t>
+            </a:r>
+            <a:endParaRPr lang="hr-HR" dirty="0" smtClean="0"/>
+          </a:p>
+          <a:p>
+            <a:pPr marL="0" indent="0">
+              <a:buNone/>
+            </a:pPr>
+            <a:r>
+              <a:rPr lang="hr-HR" dirty="0" smtClean="0"/>
+              <a:t>zabilješki</a:t>
+            </a:r>
+            <a:endParaRPr lang="hr-HR" dirty="0"/>
+          </a:p>
+        </p:txBody>
+      </p:sp>
+      <p:pic>
+        <p:nvPicPr>
+          <p:cNvPr id="7" name="Picture"/>
+          <p:cNvPicPr/>
+          <p:nvPr/>
+        </p:nvPicPr>
+        <p:blipFill>
+          <a:blip r:embed="rId2"/>
+          <a:stretch>
+            <a:fillRect/>
+          </a:stretch>
+        </p:blipFill>
+        <p:spPr bwMode="auto">
+          <a:xfrm>
+            <a:off x="5596890" y="1251414"/>
+            <a:ext cx="5756910" cy="4519930"/>
+          </a:xfrm>
+          <a:prstGeom prst="rect">
+            <a:avLst/>
+          </a:prstGeom>
+          <a:noFill/>
+          <a:ln w="9525">
+            <a:noFill/>
+            <a:miter lim="800000"/>
+            <a:headEnd/>
+            <a:tailEnd/>
+          </a:ln>
+        </p:spPr>
+      </p:pic>
+    </p:spTree>
+    <p:extLst>
+      <p:ext uri="{BB962C8B-B14F-4D97-AF65-F5344CB8AC3E}">
+        <p14:creationId xmlns:p14="http://schemas.microsoft.com/office/powerpoint/2010/main" val="1811302692"/>
+      </p:ext>
+    </p:extLst>
+  </p:cSld>
+  <p:clrMapOvr>
+    <a:masterClrMapping/>
+  </p:clrMapOvr>
+  <mc:AlternateContent xmlns:mc="http://schemas.openxmlformats.org/markup-compatibility/2006" xmlns:p14="http://schemas.microsoft.com/office/powerpoint/2010/main">
+    <mc:Choice Requires="p14">
+      <p:transition spd="med" p14:dur="700">
+        <p:fade/>
+      </p:transition>
+    </mc:Choice>
+    <mc:Fallback xmlns="">
       <p:transition spd="med">
         <p:fade/>
       </p:transition>
